--- a/doc/Code Reviewer with GPT4.pptx
+++ b/doc/Code Reviewer with GPT4.pptx
@@ -1,31 +1,32 @@
 
 <file path=ppt/presentation.xml><?xml version="1.0" encoding="utf-8"?>
-<p:presentation xmlns:a="http://schemas.openxmlformats.org/drawingml/2006/main" xmlns:r="http://schemas.openxmlformats.org/officeDocument/2006/relationships" xmlns:mc="http://schemas.openxmlformats.org/markup-compatibility/2006" xmlns:mv="urn:schemas-microsoft-com:mac:vml" xmlns:p="http://schemas.openxmlformats.org/presentationml/2006/main" xmlns:c="http://schemas.openxmlformats.org/drawingml/2006/chart" xmlns:dgm="http://schemas.openxmlformats.org/drawingml/2006/diagram" xmlns:o="urn:schemas-microsoft-com:office:office" xmlns:v="urn:schemas-microsoft-com:vml" xmlns:pvml="urn:schemas-microsoft-com:office:powerpoint" xmlns:com="http://schemas.openxmlformats.org/drawingml/2006/compatibility" xmlns:p14="http://schemas.microsoft.com/office/powerpoint/2010/main" xmlns:p15="http://schemas.microsoft.com/office/powerpoint/2012/main" xmlns:ahyp="http://schemas.microsoft.com/office/drawing/2018/hyperlinkcolor" autoCompressPictures="0" embedTrueTypeFonts="1" strictFirstAndLastChars="0" saveSubsetFonts="1">
+<p:presentation xmlns:a="http://schemas.openxmlformats.org/drawingml/2006/main" xmlns:r="http://schemas.openxmlformats.org/officeDocument/2006/relationships" xmlns:p="http://schemas.openxmlformats.org/presentationml/2006/main" strictFirstAndLastChars="0" embedTrueTypeFonts="1" saveSubsetFonts="1" autoCompressPictures="0">
   <p:sldMasterIdLst>
-    <p:sldMasterId id="2147483659" r:id="rId4"/>
+    <p:sldMasterId id="2147483659" r:id="rId1"/>
   </p:sldMasterIdLst>
   <p:notesMasterIdLst>
-    <p:notesMasterId r:id="rId5"/>
+    <p:notesMasterId r:id="rId7"/>
   </p:notesMasterIdLst>
   <p:sldIdLst>
-    <p:sldId id="256" r:id="rId6"/>
-    <p:sldId id="257" r:id="rId7"/>
-    <p:sldId id="258" r:id="rId8"/>
-    <p:sldId id="259" r:id="rId9"/>
+    <p:sldId id="256" r:id="rId2"/>
+    <p:sldId id="257" r:id="rId3"/>
+    <p:sldId id="260" r:id="rId4"/>
+    <p:sldId id="258" r:id="rId5"/>
+    <p:sldId id="259" r:id="rId6"/>
   </p:sldIdLst>
-  <p:sldSz cy="5143500" cx="9144000"/>
+  <p:sldSz cx="9144000" cy="5143500" type="screen16x9"/>
   <p:notesSz cx="6858000" cy="9144000"/>
   <p:embeddedFontLst>
     <p:embeddedFont>
-      <p:font typeface="Proxima Nova"/>
-      <p:regular r:id="rId10"/>
-      <p:bold r:id="rId11"/>
-      <p:italic r:id="rId12"/>
-      <p:boldItalic r:id="rId13"/>
+      <p:font typeface="Proxima Nova" panose="020B0604020202020204" charset="0"/>
+      <p:regular r:id="rId8"/>
+      <p:bold r:id="rId9"/>
+      <p:italic r:id="rId10"/>
+      <p:boldItalic r:id="rId11"/>
     </p:embeddedFont>
   </p:embeddedFontLst>
   <p:defaultTextStyle>
-    <a:defPPr lvl="0" marR="0" rtl="0" algn="l">
+    <a:defPPr marR="0" lvl="0" algn="l" rtl="0">
       <a:lnSpc>
         <a:spcPct val="100000"/>
       </a:lnSpc>
@@ -36,7 +37,7 @@
         <a:spcPts val="0"/>
       </a:spcAft>
     </a:defPPr>
-    <a:lvl1pPr lvl="0" marR="0" rtl="0" algn="l">
+    <a:lvl1pPr marR="0" lvl="0" algn="l" rtl="0">
       <a:lnSpc>
         <a:spcPct val="100000"/>
       </a:lnSpc>
@@ -50,7 +51,7 @@
         <a:srgbClr val="000000"/>
       </a:buClr>
       <a:buFont typeface="Arial"/>
-      <a:defRPr b="0" i="0" sz="1400" u="none" cap="none" strike="noStrike">
+      <a:defRPr sz="1400" b="0" i="0" u="none" strike="noStrike" cap="none">
         <a:solidFill>
           <a:srgbClr val="000000"/>
         </a:solidFill>
@@ -60,7 +61,7 @@
         <a:sym typeface="Arial"/>
       </a:defRPr>
     </a:lvl1pPr>
-    <a:lvl2pPr lvl="1" marR="0" rtl="0" algn="l">
+    <a:lvl2pPr marR="0" lvl="1" algn="l" rtl="0">
       <a:lnSpc>
         <a:spcPct val="100000"/>
       </a:lnSpc>
@@ -74,7 +75,7 @@
         <a:srgbClr val="000000"/>
       </a:buClr>
       <a:buFont typeface="Arial"/>
-      <a:defRPr b="0" i="0" sz="1400" u="none" cap="none" strike="noStrike">
+      <a:defRPr sz="1400" b="0" i="0" u="none" strike="noStrike" cap="none">
         <a:solidFill>
           <a:srgbClr val="000000"/>
         </a:solidFill>
@@ -84,7 +85,7 @@
         <a:sym typeface="Arial"/>
       </a:defRPr>
     </a:lvl2pPr>
-    <a:lvl3pPr lvl="2" marR="0" rtl="0" algn="l">
+    <a:lvl3pPr marR="0" lvl="2" algn="l" rtl="0">
       <a:lnSpc>
         <a:spcPct val="100000"/>
       </a:lnSpc>
@@ -98,7 +99,7 @@
         <a:srgbClr val="000000"/>
       </a:buClr>
       <a:buFont typeface="Arial"/>
-      <a:defRPr b="0" i="0" sz="1400" u="none" cap="none" strike="noStrike">
+      <a:defRPr sz="1400" b="0" i="0" u="none" strike="noStrike" cap="none">
         <a:solidFill>
           <a:srgbClr val="000000"/>
         </a:solidFill>
@@ -108,7 +109,7 @@
         <a:sym typeface="Arial"/>
       </a:defRPr>
     </a:lvl3pPr>
-    <a:lvl4pPr lvl="3" marR="0" rtl="0" algn="l">
+    <a:lvl4pPr marR="0" lvl="3" algn="l" rtl="0">
       <a:lnSpc>
         <a:spcPct val="100000"/>
       </a:lnSpc>
@@ -122,7 +123,7 @@
         <a:srgbClr val="000000"/>
       </a:buClr>
       <a:buFont typeface="Arial"/>
-      <a:defRPr b="0" i="0" sz="1400" u="none" cap="none" strike="noStrike">
+      <a:defRPr sz="1400" b="0" i="0" u="none" strike="noStrike" cap="none">
         <a:solidFill>
           <a:srgbClr val="000000"/>
         </a:solidFill>
@@ -132,7 +133,7 @@
         <a:sym typeface="Arial"/>
       </a:defRPr>
     </a:lvl4pPr>
-    <a:lvl5pPr lvl="4" marR="0" rtl="0" algn="l">
+    <a:lvl5pPr marR="0" lvl="4" algn="l" rtl="0">
       <a:lnSpc>
         <a:spcPct val="100000"/>
       </a:lnSpc>
@@ -146,7 +147,7 @@
         <a:srgbClr val="000000"/>
       </a:buClr>
       <a:buFont typeface="Arial"/>
-      <a:defRPr b="0" i="0" sz="1400" u="none" cap="none" strike="noStrike">
+      <a:defRPr sz="1400" b="0" i="0" u="none" strike="noStrike" cap="none">
         <a:solidFill>
           <a:srgbClr val="000000"/>
         </a:solidFill>
@@ -156,7 +157,7 @@
         <a:sym typeface="Arial"/>
       </a:defRPr>
     </a:lvl5pPr>
-    <a:lvl6pPr lvl="5" marR="0" rtl="0" algn="l">
+    <a:lvl6pPr marR="0" lvl="5" algn="l" rtl="0">
       <a:lnSpc>
         <a:spcPct val="100000"/>
       </a:lnSpc>
@@ -170,7 +171,7 @@
         <a:srgbClr val="000000"/>
       </a:buClr>
       <a:buFont typeface="Arial"/>
-      <a:defRPr b="0" i="0" sz="1400" u="none" cap="none" strike="noStrike">
+      <a:defRPr sz="1400" b="0" i="0" u="none" strike="noStrike" cap="none">
         <a:solidFill>
           <a:srgbClr val="000000"/>
         </a:solidFill>
@@ -180,7 +181,7 @@
         <a:sym typeface="Arial"/>
       </a:defRPr>
     </a:lvl6pPr>
-    <a:lvl7pPr lvl="6" marR="0" rtl="0" algn="l">
+    <a:lvl7pPr marR="0" lvl="6" algn="l" rtl="0">
       <a:lnSpc>
         <a:spcPct val="100000"/>
       </a:lnSpc>
@@ -194,7 +195,7 @@
         <a:srgbClr val="000000"/>
       </a:buClr>
       <a:buFont typeface="Arial"/>
-      <a:defRPr b="0" i="0" sz="1400" u="none" cap="none" strike="noStrike">
+      <a:defRPr sz="1400" b="0" i="0" u="none" strike="noStrike" cap="none">
         <a:solidFill>
           <a:srgbClr val="000000"/>
         </a:solidFill>
@@ -204,7 +205,7 @@
         <a:sym typeface="Arial"/>
       </a:defRPr>
     </a:lvl7pPr>
-    <a:lvl8pPr lvl="7" marR="0" rtl="0" algn="l">
+    <a:lvl8pPr marR="0" lvl="7" algn="l" rtl="0">
       <a:lnSpc>
         <a:spcPct val="100000"/>
       </a:lnSpc>
@@ -218,7 +219,7 @@
         <a:srgbClr val="000000"/>
       </a:buClr>
       <a:buFont typeface="Arial"/>
-      <a:defRPr b="0" i="0" sz="1400" u="none" cap="none" strike="noStrike">
+      <a:defRPr sz="1400" b="0" i="0" u="none" strike="noStrike" cap="none">
         <a:solidFill>
           <a:srgbClr val="000000"/>
         </a:solidFill>
@@ -228,7 +229,7 @@
         <a:sym typeface="Arial"/>
       </a:defRPr>
     </a:lvl8pPr>
-    <a:lvl9pPr lvl="8" marR="0" rtl="0" algn="l">
+    <a:lvl9pPr marR="0" lvl="8" algn="l" rtl="0">
       <a:lnSpc>
         <a:spcPct val="100000"/>
       </a:lnSpc>
@@ -242,7 +243,7 @@
         <a:srgbClr val="000000"/>
       </a:buClr>
       <a:buFont typeface="Arial"/>
-      <a:defRPr b="0" i="0" sz="1400" u="none" cap="none" strike="noStrike">
+      <a:defRPr sz="1400" b="0" i="0" u="none" strike="noStrike" cap="none">
         <a:solidFill>
           <a:srgbClr val="000000"/>
         </a:solidFill>
@@ -255,7 +256,7 @@
   </p:defaultTextStyle>
   <p:extLst>
     <p:ext uri="{EFAFB233-063F-42B5-8137-9DF3F51BA10A}">
-      <p15:sldGuideLst>
+      <p15:sldGuideLst xmlns:p15="http://schemas.microsoft.com/office/powerpoint/2012/main">
         <p15:guide id="1" orient="horz" pos="1620">
           <p15:clr>
             <a:srgbClr val="747775"/>
@@ -273,11 +274,16 @@
 </file>
 
 <file path=ppt/notesMasters/notesMaster1.xml><?xml version="1.0" encoding="utf-8"?>
-<p:notesMaster xmlns:a="http://schemas.openxmlformats.org/drawingml/2006/main" xmlns:r="http://schemas.openxmlformats.org/officeDocument/2006/relationships" xmlns:mc="http://schemas.openxmlformats.org/markup-compatibility/2006" xmlns:mv="urn:schemas-microsoft-com:mac:vml" xmlns:p="http://schemas.openxmlformats.org/presentationml/2006/main" xmlns:c="http://schemas.openxmlformats.org/drawingml/2006/chart" xmlns:dgm="http://schemas.openxmlformats.org/drawingml/2006/diagram" xmlns:o="urn:schemas-microsoft-com:office:office" xmlns:v="urn:schemas-microsoft-com:vml" xmlns:pvml="urn:schemas-microsoft-com:office:powerpoint" xmlns:com="http://schemas.openxmlformats.org/drawingml/2006/compatibility" xmlns:p14="http://schemas.microsoft.com/office/powerpoint/2010/main" xmlns:p15="http://schemas.microsoft.com/office/powerpoint/2012/main" xmlns:ahyp="http://schemas.microsoft.com/office/drawing/2018/hyperlinkcolor">
+<p:notesMaster xmlns:a="http://schemas.openxmlformats.org/drawingml/2006/main" xmlns:r="http://schemas.openxmlformats.org/officeDocument/2006/relationships" xmlns:p="http://schemas.openxmlformats.org/presentationml/2006/main">
   <p:cSld>
+    <p:bg>
+      <p:bgRef idx="1001">
+        <a:schemeClr val="bg1"/>
+      </p:bgRef>
+    </p:bg>
     <p:spTree>
       <p:nvGrpSpPr>
-        <p:cNvPr id="2" name="Shape 2"/>
+        <p:cNvPr id="1" name="Shape 2"/>
         <p:cNvGrpSpPr/>
         <p:nvPr/>
       </p:nvGrpSpPr>
@@ -292,9 +298,11 @@
       <p:sp>
         <p:nvSpPr>
           <p:cNvPr id="3" name="Google Shape;3;n"/>
-          <p:cNvSpPr/>
+          <p:cNvSpPr>
+            <a:spLocks noGrp="1" noRot="1" noChangeAspect="1"/>
+          </p:cNvSpPr>
           <p:nvPr>
-            <p:ph idx="2" type="sldImg"/>
+            <p:ph type="sldImg" idx="2"/>
           </p:nvPr>
         </p:nvSpPr>
         <p:spPr>
@@ -303,9 +311,13 @@
             <a:ext cx="6096075" cy="3429000"/>
           </a:xfrm>
           <a:custGeom>
-            <a:rect b="b" l="l" r="r" t="t"/>
+            <a:avLst/>
+            <a:gdLst/>
+            <a:ahLst/>
+            <a:cxnLst/>
+            <a:rect l="l" t="t" r="r" b="b"/>
             <a:pathLst>
-              <a:path extrusionOk="0" h="120000" w="120000">
+              <a:path w="120000" h="120000" extrusionOk="0">
                 <a:moveTo>
                   <a:pt x="0" y="0"/>
                 </a:moveTo>
@@ -323,23 +335,25 @@
             </a:pathLst>
           </a:custGeom>
           <a:noFill/>
-          <a:ln cap="flat" cmpd="sng" w="9525">
+          <a:ln w="9525" cap="flat" cmpd="sng">
             <a:solidFill>
               <a:srgbClr val="000000"/>
             </a:solidFill>
             <a:prstDash val="solid"/>
             <a:round/>
-            <a:headEnd len="sm" w="sm" type="none"/>
-            <a:tailEnd len="sm" w="sm" type="none"/>
+            <a:headEnd type="none" w="sm" len="sm"/>
+            <a:tailEnd type="none" w="sm" len="sm"/>
           </a:ln>
         </p:spPr>
       </p:sp>
       <p:sp>
         <p:nvSpPr>
           <p:cNvPr id="4" name="Google Shape;4;n"/>
-          <p:cNvSpPr txBox="1"/>
+          <p:cNvSpPr txBox="1">
+            <a:spLocks noGrp="1"/>
+          </p:cNvSpPr>
           <p:nvPr>
-            <p:ph idx="1" type="body"/>
+            <p:ph type="body" idx="1"/>
           </p:nvPr>
         </p:nvSpPr>
         <p:spPr>
@@ -356,11 +370,11 @@
           </a:ln>
         </p:spPr>
         <p:txBody>
-          <a:bodyPr anchorCtr="0" anchor="t" bIns="91425" lIns="91425" spcFirstLastPara="1" rIns="91425" wrap="square" tIns="91425">
+          <a:bodyPr spcFirstLastPara="1" wrap="square" lIns="91425" tIns="91425" rIns="91425" bIns="91425" anchor="t" anchorCtr="0">
             <a:noAutofit/>
           </a:bodyPr>
           <a:lstStyle>
-            <a:lvl1pPr indent="-298450" lvl="0" marL="457200">
+            <a:lvl1pPr marL="457200" lvl="0" indent="-298450">
               <a:spcBef>
                 <a:spcPts val="0"/>
               </a:spcBef>
@@ -371,7 +385,7 @@
               <a:buChar char="●"/>
               <a:defRPr sz="1100"/>
             </a:lvl1pPr>
-            <a:lvl2pPr indent="-298450" lvl="1" marL="914400">
+            <a:lvl2pPr marL="914400" lvl="1" indent="-298450">
               <a:spcBef>
                 <a:spcPts val="0"/>
               </a:spcBef>
@@ -382,7 +396,7 @@
               <a:buChar char="○"/>
               <a:defRPr sz="1100"/>
             </a:lvl2pPr>
-            <a:lvl3pPr indent="-298450" lvl="2" marL="1371600">
+            <a:lvl3pPr marL="1371600" lvl="2" indent="-298450">
               <a:spcBef>
                 <a:spcPts val="0"/>
               </a:spcBef>
@@ -393,7 +407,7 @@
               <a:buChar char="■"/>
               <a:defRPr sz="1100"/>
             </a:lvl3pPr>
-            <a:lvl4pPr indent="-298450" lvl="3" marL="1828800">
+            <a:lvl4pPr marL="1828800" lvl="3" indent="-298450">
               <a:spcBef>
                 <a:spcPts val="0"/>
               </a:spcBef>
@@ -404,7 +418,7 @@
               <a:buChar char="●"/>
               <a:defRPr sz="1100"/>
             </a:lvl4pPr>
-            <a:lvl5pPr indent="-298450" lvl="4" marL="2286000">
+            <a:lvl5pPr marL="2286000" lvl="4" indent="-298450">
               <a:spcBef>
                 <a:spcPts val="0"/>
               </a:spcBef>
@@ -415,7 +429,7 @@
               <a:buChar char="○"/>
               <a:defRPr sz="1100"/>
             </a:lvl5pPr>
-            <a:lvl6pPr indent="-298450" lvl="5" marL="2743200">
+            <a:lvl6pPr marL="2743200" lvl="5" indent="-298450">
               <a:spcBef>
                 <a:spcPts val="0"/>
               </a:spcBef>
@@ -426,7 +440,7 @@
               <a:buChar char="■"/>
               <a:defRPr sz="1100"/>
             </a:lvl6pPr>
-            <a:lvl7pPr indent="-298450" lvl="6" marL="3200400">
+            <a:lvl7pPr marL="3200400" lvl="6" indent="-298450">
               <a:spcBef>
                 <a:spcPts val="0"/>
               </a:spcBef>
@@ -437,7 +451,7 @@
               <a:buChar char="●"/>
               <a:defRPr sz="1100"/>
             </a:lvl7pPr>
-            <a:lvl8pPr indent="-298450" lvl="7" marL="3657600">
+            <a:lvl8pPr marL="3657600" lvl="7" indent="-298450">
               <a:spcBef>
                 <a:spcPts val="0"/>
               </a:spcBef>
@@ -448,7 +462,7 @@
               <a:buChar char="○"/>
               <a:defRPr sz="1100"/>
             </a:lvl8pPr>
-            <a:lvl9pPr indent="-298450" lvl="8" marL="4114800">
+            <a:lvl9pPr marL="4114800" lvl="8" indent="-298450">
               <a:spcBef>
                 <a:spcPts val="0"/>
               </a:spcBef>
@@ -460,14 +474,16 @@
               <a:defRPr sz="1100"/>
             </a:lvl9pPr>
           </a:lstStyle>
-          <a:p/>
+          <a:p>
+            <a:endParaRPr/>
+          </a:p>
         </p:txBody>
       </p:sp>
     </p:spTree>
   </p:cSld>
-  <p:clrMap accent1="accent1" accent2="accent2" accent3="accent3" accent4="accent4" accent5="accent5" accent6="accent6" bg1="lt1" bg2="dk2" tx1="dk1" tx2="lt2" folHlink="folHlink" hlink="hlink"/>
+  <p:clrMap bg1="lt1" tx1="dk1" bg2="dk2" tx2="lt2" accent1="accent1" accent2="accent2" accent3="accent3" accent4="accent4" accent5="accent5" accent6="accent6" hlink="hlink" folHlink="folHlink"/>
   <p:notesStyle>
-    <a:defPPr lvl="0" marR="0" rtl="0" algn="l">
+    <a:defPPr marR="0" lvl="0" algn="l" rtl="0">
       <a:lnSpc>
         <a:spcPct val="100000"/>
       </a:lnSpc>
@@ -478,7 +494,7 @@
         <a:spcPts val="0"/>
       </a:spcAft>
     </a:defPPr>
-    <a:lvl1pPr lvl="0" marR="0" rtl="0" algn="l">
+    <a:lvl1pPr marR="0" lvl="0" algn="l" rtl="0">
       <a:lnSpc>
         <a:spcPct val="100000"/>
       </a:lnSpc>
@@ -492,7 +508,7 @@
         <a:srgbClr val="000000"/>
       </a:buClr>
       <a:buFont typeface="Arial"/>
-      <a:defRPr b="0" i="0" sz="1400" u="none" cap="none" strike="noStrike">
+      <a:defRPr sz="1400" b="0" i="0" u="none" strike="noStrike" cap="none">
         <a:solidFill>
           <a:srgbClr val="000000"/>
         </a:solidFill>
@@ -502,7 +518,7 @@
         <a:sym typeface="Arial"/>
       </a:defRPr>
     </a:lvl1pPr>
-    <a:lvl2pPr lvl="1" marR="0" rtl="0" algn="l">
+    <a:lvl2pPr marR="0" lvl="1" algn="l" rtl="0">
       <a:lnSpc>
         <a:spcPct val="100000"/>
       </a:lnSpc>
@@ -516,7 +532,7 @@
         <a:srgbClr val="000000"/>
       </a:buClr>
       <a:buFont typeface="Arial"/>
-      <a:defRPr b="0" i="0" sz="1400" u="none" cap="none" strike="noStrike">
+      <a:defRPr sz="1400" b="0" i="0" u="none" strike="noStrike" cap="none">
         <a:solidFill>
           <a:srgbClr val="000000"/>
         </a:solidFill>
@@ -526,7 +542,7 @@
         <a:sym typeface="Arial"/>
       </a:defRPr>
     </a:lvl2pPr>
-    <a:lvl3pPr lvl="2" marR="0" rtl="0" algn="l">
+    <a:lvl3pPr marR="0" lvl="2" algn="l" rtl="0">
       <a:lnSpc>
         <a:spcPct val="100000"/>
       </a:lnSpc>
@@ -540,7 +556,7 @@
         <a:srgbClr val="000000"/>
       </a:buClr>
       <a:buFont typeface="Arial"/>
-      <a:defRPr b="0" i="0" sz="1400" u="none" cap="none" strike="noStrike">
+      <a:defRPr sz="1400" b="0" i="0" u="none" strike="noStrike" cap="none">
         <a:solidFill>
           <a:srgbClr val="000000"/>
         </a:solidFill>
@@ -550,7 +566,7 @@
         <a:sym typeface="Arial"/>
       </a:defRPr>
     </a:lvl3pPr>
-    <a:lvl4pPr lvl="3" marR="0" rtl="0" algn="l">
+    <a:lvl4pPr marR="0" lvl="3" algn="l" rtl="0">
       <a:lnSpc>
         <a:spcPct val="100000"/>
       </a:lnSpc>
@@ -564,7 +580,7 @@
         <a:srgbClr val="000000"/>
       </a:buClr>
       <a:buFont typeface="Arial"/>
-      <a:defRPr b="0" i="0" sz="1400" u="none" cap="none" strike="noStrike">
+      <a:defRPr sz="1400" b="0" i="0" u="none" strike="noStrike" cap="none">
         <a:solidFill>
           <a:srgbClr val="000000"/>
         </a:solidFill>
@@ -574,7 +590,7 @@
         <a:sym typeface="Arial"/>
       </a:defRPr>
     </a:lvl4pPr>
-    <a:lvl5pPr lvl="4" marR="0" rtl="0" algn="l">
+    <a:lvl5pPr marR="0" lvl="4" algn="l" rtl="0">
       <a:lnSpc>
         <a:spcPct val="100000"/>
       </a:lnSpc>
@@ -588,7 +604,7 @@
         <a:srgbClr val="000000"/>
       </a:buClr>
       <a:buFont typeface="Arial"/>
-      <a:defRPr b="0" i="0" sz="1400" u="none" cap="none" strike="noStrike">
+      <a:defRPr sz="1400" b="0" i="0" u="none" strike="noStrike" cap="none">
         <a:solidFill>
           <a:srgbClr val="000000"/>
         </a:solidFill>
@@ -598,7 +614,7 @@
         <a:sym typeface="Arial"/>
       </a:defRPr>
     </a:lvl5pPr>
-    <a:lvl6pPr lvl="5" marR="0" rtl="0" algn="l">
+    <a:lvl6pPr marR="0" lvl="5" algn="l" rtl="0">
       <a:lnSpc>
         <a:spcPct val="100000"/>
       </a:lnSpc>
@@ -612,7 +628,7 @@
         <a:srgbClr val="000000"/>
       </a:buClr>
       <a:buFont typeface="Arial"/>
-      <a:defRPr b="0" i="0" sz="1400" u="none" cap="none" strike="noStrike">
+      <a:defRPr sz="1400" b="0" i="0" u="none" strike="noStrike" cap="none">
         <a:solidFill>
           <a:srgbClr val="000000"/>
         </a:solidFill>
@@ -622,7 +638,7 @@
         <a:sym typeface="Arial"/>
       </a:defRPr>
     </a:lvl6pPr>
-    <a:lvl7pPr lvl="6" marR="0" rtl="0" algn="l">
+    <a:lvl7pPr marR="0" lvl="6" algn="l" rtl="0">
       <a:lnSpc>
         <a:spcPct val="100000"/>
       </a:lnSpc>
@@ -636,7 +652,7 @@
         <a:srgbClr val="000000"/>
       </a:buClr>
       <a:buFont typeface="Arial"/>
-      <a:defRPr b="0" i="0" sz="1400" u="none" cap="none" strike="noStrike">
+      <a:defRPr sz="1400" b="0" i="0" u="none" strike="noStrike" cap="none">
         <a:solidFill>
           <a:srgbClr val="000000"/>
         </a:solidFill>
@@ -646,7 +662,7 @@
         <a:sym typeface="Arial"/>
       </a:defRPr>
     </a:lvl7pPr>
-    <a:lvl8pPr lvl="7" marR="0" rtl="0" algn="l">
+    <a:lvl8pPr marR="0" lvl="7" algn="l" rtl="0">
       <a:lnSpc>
         <a:spcPct val="100000"/>
       </a:lnSpc>
@@ -660,7 +676,7 @@
         <a:srgbClr val="000000"/>
       </a:buClr>
       <a:buFont typeface="Arial"/>
-      <a:defRPr b="0" i="0" sz="1400" u="none" cap="none" strike="noStrike">
+      <a:defRPr sz="1400" b="0" i="0" u="none" strike="noStrike" cap="none">
         <a:solidFill>
           <a:srgbClr val="000000"/>
         </a:solidFill>
@@ -670,7 +686,7 @@
         <a:sym typeface="Arial"/>
       </a:defRPr>
     </a:lvl8pPr>
-    <a:lvl9pPr lvl="8" marR="0" rtl="0" algn="l">
+    <a:lvl9pPr marR="0" lvl="8" algn="l" rtl="0">
       <a:lnSpc>
         <a:spcPct val="100000"/>
       </a:lnSpc>
@@ -684,7 +700,7 @@
         <a:srgbClr val="000000"/>
       </a:buClr>
       <a:buFont typeface="Arial"/>
-      <a:defRPr b="0" i="0" sz="1400" u="none" cap="none" strike="noStrike">
+      <a:defRPr sz="1400" b="0" i="0" u="none" strike="noStrike" cap="none">
         <a:solidFill>
           <a:srgbClr val="000000"/>
         </a:solidFill>
@@ -699,11 +715,11 @@
 </file>
 
 <file path=ppt/notesSlides/notesSlide1.xml><?xml version="1.0" encoding="utf-8"?>
-<p:notes xmlns:a="http://schemas.openxmlformats.org/drawingml/2006/main" xmlns:r="http://schemas.openxmlformats.org/officeDocument/2006/relationships" xmlns:mc="http://schemas.openxmlformats.org/markup-compatibility/2006" xmlns:mv="urn:schemas-microsoft-com:mac:vml" xmlns:p="http://schemas.openxmlformats.org/presentationml/2006/main" xmlns:c="http://schemas.openxmlformats.org/drawingml/2006/chart" xmlns:dgm="http://schemas.openxmlformats.org/drawingml/2006/diagram" xmlns:o="urn:schemas-microsoft-com:office:office" xmlns:v="urn:schemas-microsoft-com:vml" xmlns:pvml="urn:schemas-microsoft-com:office:powerpoint" xmlns:com="http://schemas.openxmlformats.org/drawingml/2006/compatibility" xmlns:p14="http://schemas.microsoft.com/office/powerpoint/2010/main" xmlns:p15="http://schemas.microsoft.com/office/powerpoint/2012/main" xmlns:ahyp="http://schemas.microsoft.com/office/drawing/2018/hyperlinkcolor" showMasterPhAnim="0" showMasterSp="0">
+<p:notes xmlns:a="http://schemas.openxmlformats.org/drawingml/2006/main" xmlns:r="http://schemas.openxmlformats.org/officeDocument/2006/relationships" xmlns:p="http://schemas.openxmlformats.org/presentationml/2006/main" showMasterSp="0" showMasterPhAnim="0">
   <p:cSld>
     <p:spTree>
       <p:nvGrpSpPr>
-        <p:cNvPr id="55" name="Shape 55"/>
+        <p:cNvPr id="1" name="Shape 55"/>
         <p:cNvGrpSpPr/>
         <p:nvPr/>
       </p:nvGrpSpPr>
@@ -718,20 +734,26 @@
       <p:sp>
         <p:nvSpPr>
           <p:cNvPr id="56" name="Google Shape;56;p:notes"/>
-          <p:cNvSpPr/>
+          <p:cNvSpPr>
+            <a:spLocks noGrp="1" noRot="1" noChangeAspect="1"/>
+          </p:cNvSpPr>
           <p:nvPr>
-            <p:ph idx="2" type="sldImg"/>
+            <p:ph type="sldImg" idx="2"/>
           </p:nvPr>
         </p:nvSpPr>
         <p:spPr>
           <a:xfrm>
-            <a:off x="381300" y="685800"/>
-            <a:ext cx="6096075" cy="3429000"/>
+            <a:off x="381000" y="685800"/>
+            <a:ext cx="6096000" cy="3429000"/>
           </a:xfrm>
           <a:custGeom>
-            <a:rect b="b" l="l" r="r" t="t"/>
+            <a:avLst/>
+            <a:gdLst/>
+            <a:ahLst/>
+            <a:cxnLst/>
+            <a:rect l="l" t="t" r="r" b="b"/>
             <a:pathLst>
-              <a:path extrusionOk="0" h="120000" w="120000">
+              <a:path w="120000" h="120000" extrusionOk="0">
                 <a:moveTo>
                   <a:pt x="0" y="0"/>
                 </a:moveTo>
@@ -753,9 +775,11 @@
       <p:sp>
         <p:nvSpPr>
           <p:cNvPr id="57" name="Google Shape;57;p:notes"/>
-          <p:cNvSpPr txBox="1"/>
+          <p:cNvSpPr txBox="1">
+            <a:spLocks noGrp="1"/>
+          </p:cNvSpPr>
           <p:nvPr>
-            <p:ph idx="1" type="body"/>
+            <p:ph type="body" idx="1"/>
           </p:nvPr>
         </p:nvSpPr>
         <p:spPr>
@@ -768,23 +792,20 @@
           </a:prstGeom>
         </p:spPr>
         <p:txBody>
-          <a:bodyPr anchorCtr="0" anchor="t" bIns="91425" lIns="91425" spcFirstLastPara="1" rIns="91425" wrap="square" tIns="91425">
+          <a:bodyPr spcFirstLastPara="1" wrap="square" lIns="91425" tIns="91425" rIns="91425" bIns="91425" anchor="t" anchorCtr="0">
             <a:noAutofit/>
           </a:bodyPr>
           <a:lstStyle/>
           <a:p>
-            <a:pPr indent="0" lvl="0" marL="0" rtl="0" algn="l">
-              <a:spcBef>
-                <a:spcPts val="0"/>
-              </a:spcBef>
-              <a:spcAft>
-                <a:spcPts val="0"/>
-              </a:spcAft>
-              <a:buNone/>
-            </a:pPr>
-            <a:r>
-              <a:t/>
-            </a:r>
+            <a:pPr marL="0" lvl="0" indent="0" algn="l" rtl="0">
+              <a:spcBef>
+                <a:spcPts val="0"/>
+              </a:spcBef>
+              <a:spcAft>
+                <a:spcPts val="0"/>
+              </a:spcAft>
+              <a:buNone/>
+            </a:pPr>
             <a:endParaRPr/>
           </a:p>
         </p:txBody>
@@ -798,11 +819,11 @@
 </file>
 
 <file path=ppt/notesSlides/notesSlide2.xml><?xml version="1.0" encoding="utf-8"?>
-<p:notes xmlns:a="http://schemas.openxmlformats.org/drawingml/2006/main" xmlns:r="http://schemas.openxmlformats.org/officeDocument/2006/relationships" xmlns:mc="http://schemas.openxmlformats.org/markup-compatibility/2006" xmlns:mv="urn:schemas-microsoft-com:mac:vml" xmlns:p="http://schemas.openxmlformats.org/presentationml/2006/main" xmlns:c="http://schemas.openxmlformats.org/drawingml/2006/chart" xmlns:dgm="http://schemas.openxmlformats.org/drawingml/2006/diagram" xmlns:o="urn:schemas-microsoft-com:office:office" xmlns:v="urn:schemas-microsoft-com:vml" xmlns:pvml="urn:schemas-microsoft-com:office:powerpoint" xmlns:com="http://schemas.openxmlformats.org/drawingml/2006/compatibility" xmlns:p14="http://schemas.microsoft.com/office/powerpoint/2010/main" xmlns:p15="http://schemas.microsoft.com/office/powerpoint/2012/main" xmlns:ahyp="http://schemas.microsoft.com/office/drawing/2018/hyperlinkcolor" showMasterPhAnim="0" showMasterSp="0">
+<p:notes xmlns:a="http://schemas.openxmlformats.org/drawingml/2006/main" xmlns:r="http://schemas.openxmlformats.org/officeDocument/2006/relationships" xmlns:p="http://schemas.openxmlformats.org/presentationml/2006/main" showMasterSp="0" showMasterPhAnim="0">
   <p:cSld>
     <p:spTree>
       <p:nvGrpSpPr>
-        <p:cNvPr id="61" name="Shape 61"/>
+        <p:cNvPr id="1" name="Shape 61"/>
         <p:cNvGrpSpPr/>
         <p:nvPr/>
       </p:nvGrpSpPr>
@@ -817,9 +838,11 @@
       <p:sp>
         <p:nvSpPr>
           <p:cNvPr id="62" name="Google Shape;62;g25138b27ed4_0_60:notes"/>
-          <p:cNvSpPr/>
+          <p:cNvSpPr>
+            <a:spLocks noGrp="1" noRot="1" noChangeAspect="1"/>
+          </p:cNvSpPr>
           <p:nvPr>
-            <p:ph idx="2" type="sldImg"/>
+            <p:ph type="sldImg" idx="2"/>
           </p:nvPr>
         </p:nvSpPr>
         <p:spPr>
@@ -828,9 +851,13 @@
             <a:ext cx="6096000" cy="3429000"/>
           </a:xfrm>
           <a:custGeom>
-            <a:rect b="b" l="l" r="r" t="t"/>
+            <a:avLst/>
+            <a:gdLst/>
+            <a:ahLst/>
+            <a:cxnLst/>
+            <a:rect l="l" t="t" r="r" b="b"/>
             <a:pathLst>
-              <a:path extrusionOk="0" h="120000" w="120000">
+              <a:path w="120000" h="120000" extrusionOk="0">
                 <a:moveTo>
                   <a:pt x="0" y="0"/>
                 </a:moveTo>
@@ -852,9 +879,11 @@
       <p:sp>
         <p:nvSpPr>
           <p:cNvPr id="63" name="Google Shape;63;g25138b27ed4_0_60:notes"/>
-          <p:cNvSpPr txBox="1"/>
+          <p:cNvSpPr txBox="1">
+            <a:spLocks noGrp="1"/>
+          </p:cNvSpPr>
           <p:nvPr>
-            <p:ph idx="1" type="body"/>
+            <p:ph type="body" idx="1"/>
           </p:nvPr>
         </p:nvSpPr>
         <p:spPr>
@@ -867,12 +896,12 @@
           </a:prstGeom>
         </p:spPr>
         <p:txBody>
-          <a:bodyPr anchorCtr="0" anchor="t" bIns="91425" lIns="91425" spcFirstLastPara="1" rIns="91425" wrap="square" tIns="91425">
+          <a:bodyPr spcFirstLastPara="1" wrap="square" lIns="91425" tIns="91425" rIns="91425" bIns="91425" anchor="t" anchorCtr="0">
             <a:noAutofit/>
           </a:bodyPr>
           <a:lstStyle/>
           <a:p>
-            <a:pPr indent="0" lvl="0" marL="0" marR="113311" rtl="0" algn="l">
+            <a:pPr marL="0" marR="113311" lvl="0" indent="0" algn="l" rtl="0">
               <a:lnSpc>
                 <a:spcPct val="115000"/>
               </a:lnSpc>
@@ -884,9 +913,6 @@
               </a:spcAft>
               <a:buNone/>
             </a:pPr>
-            <a:r>
-              <a:t/>
-            </a:r>
             <a:endParaRPr sz="1800">
               <a:solidFill>
                 <a:srgbClr val="616161"/>
@@ -898,7 +924,7 @@
             </a:endParaRPr>
           </a:p>
           <a:p>
-            <a:pPr indent="0" lvl="0" marL="0" marR="113311" rtl="0" algn="l">
+            <a:pPr marL="0" marR="113311" lvl="0" indent="0" algn="l" rtl="0">
               <a:lnSpc>
                 <a:spcPct val="115000"/>
               </a:lnSpc>
@@ -933,7 +959,7 @@
             </a:endParaRPr>
           </a:p>
           <a:p>
-            <a:pPr indent="0" lvl="0" marL="0" marR="113311" rtl="0" algn="l">
+            <a:pPr marL="0" marR="113311" lvl="0" indent="0" algn="l" rtl="0">
               <a:lnSpc>
                 <a:spcPct val="115000"/>
               </a:lnSpc>
@@ -968,7 +994,7 @@
             </a:endParaRPr>
           </a:p>
           <a:p>
-            <a:pPr indent="0" lvl="0" marL="0" marR="113311" rtl="0" algn="l">
+            <a:pPr marL="0" marR="113311" lvl="0" indent="0" algn="l" rtl="0">
               <a:lnSpc>
                 <a:spcPct val="115000"/>
               </a:lnSpc>
@@ -1003,7 +1029,7 @@
             </a:endParaRPr>
           </a:p>
           <a:p>
-            <a:pPr indent="0" lvl="0" marL="0" marR="113311" rtl="0" algn="l">
+            <a:pPr marL="0" marR="113311" lvl="0" indent="0" algn="l" rtl="0">
               <a:lnSpc>
                 <a:spcPct val="115000"/>
               </a:lnSpc>
@@ -1038,7 +1064,7 @@
             </a:endParaRPr>
           </a:p>
           <a:p>
-            <a:pPr indent="0" lvl="0" marL="0" marR="113311" rtl="0" algn="l">
+            <a:pPr marL="0" marR="113311" lvl="0" indent="0" algn="l" rtl="0">
               <a:lnSpc>
                 <a:spcPct val="115000"/>
               </a:lnSpc>
@@ -1050,9 +1076,6 @@
               </a:spcAft>
               <a:buNone/>
             </a:pPr>
-            <a:r>
-              <a:t/>
-            </a:r>
             <a:endParaRPr sz="1800">
               <a:solidFill>
                 <a:srgbClr val="616161"/>
@@ -1064,7 +1087,7 @@
             </a:endParaRPr>
           </a:p>
           <a:p>
-            <a:pPr indent="0" lvl="0" marL="0" marR="113311" rtl="0" algn="l">
+            <a:pPr marL="0" marR="113311" lvl="0" indent="0" algn="l" rtl="0">
               <a:lnSpc>
                 <a:spcPct val="115000"/>
               </a:lnSpc>
@@ -1076,9 +1099,6 @@
               </a:spcAft>
               <a:buNone/>
             </a:pPr>
-            <a:r>
-              <a:t/>
-            </a:r>
             <a:endParaRPr sz="1800">
               <a:solidFill>
                 <a:srgbClr val="616161"/>
@@ -1090,7 +1110,7 @@
             </a:endParaRPr>
           </a:p>
           <a:p>
-            <a:pPr indent="0" lvl="0" marL="0" marR="113311" rtl="0" algn="l">
+            <a:pPr marL="0" marR="113311" lvl="0" indent="0" algn="l" rtl="0">
               <a:lnSpc>
                 <a:spcPct val="115000"/>
               </a:lnSpc>
@@ -1102,9 +1122,6 @@
               </a:spcAft>
               <a:buNone/>
             </a:pPr>
-            <a:r>
-              <a:t/>
-            </a:r>
             <a:endParaRPr sz="1800">
               <a:solidFill>
                 <a:srgbClr val="616161"/>
@@ -1116,7 +1133,7 @@
             </a:endParaRPr>
           </a:p>
           <a:p>
-            <a:pPr indent="0" lvl="0" marL="0" marR="113311" rtl="0" algn="l">
+            <a:pPr marL="0" marR="113311" lvl="0" indent="0" algn="l" rtl="0">
               <a:lnSpc>
                 <a:spcPct val="115000"/>
               </a:lnSpc>
@@ -1151,7 +1168,7 @@
             </a:endParaRPr>
           </a:p>
           <a:p>
-            <a:pPr indent="0" lvl="0" marL="0" marR="113311" rtl="0" algn="l">
+            <a:pPr marL="0" marR="113311" lvl="0" indent="0" algn="l" rtl="0">
               <a:lnSpc>
                 <a:spcPct val="115000"/>
               </a:lnSpc>
@@ -1186,7 +1203,7 @@
             </a:endParaRPr>
           </a:p>
           <a:p>
-            <a:pPr indent="0" lvl="0" marL="0" marR="113311" rtl="0" algn="l">
+            <a:pPr marL="0" marR="113311" lvl="0" indent="0" algn="l" rtl="0">
               <a:lnSpc>
                 <a:spcPct val="115000"/>
               </a:lnSpc>
@@ -1203,9 +1220,6 @@
               <a:buFont typeface="Arial"/>
               <a:buNone/>
             </a:pPr>
-            <a:r>
-              <a:t/>
-            </a:r>
             <a:endParaRPr sz="1800">
               <a:solidFill>
                 <a:srgbClr val="616161"/>
@@ -1217,7 +1231,7 @@
             </a:endParaRPr>
           </a:p>
           <a:p>
-            <a:pPr indent="0" lvl="0" marL="0" rtl="0" algn="l">
+            <a:pPr marL="0" lvl="0" indent="0" algn="l" rtl="0">
               <a:spcBef>
                 <a:spcPts val="1200"/>
               </a:spcBef>
@@ -1226,9 +1240,6 @@
               </a:spcAft>
               <a:buNone/>
             </a:pPr>
-            <a:r>
-              <a:t/>
-            </a:r>
             <a:endParaRPr/>
           </a:p>
         </p:txBody>
@@ -1242,11 +1253,11 @@
 </file>
 
 <file path=ppt/notesSlides/notesSlide3.xml><?xml version="1.0" encoding="utf-8"?>
-<p:notes xmlns:a="http://schemas.openxmlformats.org/drawingml/2006/main" xmlns:r="http://schemas.openxmlformats.org/officeDocument/2006/relationships" xmlns:mc="http://schemas.openxmlformats.org/markup-compatibility/2006" xmlns:mv="urn:schemas-microsoft-com:mac:vml" xmlns:p="http://schemas.openxmlformats.org/presentationml/2006/main" xmlns:c="http://schemas.openxmlformats.org/drawingml/2006/chart" xmlns:dgm="http://schemas.openxmlformats.org/drawingml/2006/diagram" xmlns:o="urn:schemas-microsoft-com:office:office" xmlns:v="urn:schemas-microsoft-com:vml" xmlns:pvml="urn:schemas-microsoft-com:office:powerpoint" xmlns:com="http://schemas.openxmlformats.org/drawingml/2006/compatibility" xmlns:p14="http://schemas.microsoft.com/office/powerpoint/2010/main" xmlns:p15="http://schemas.microsoft.com/office/powerpoint/2012/main" xmlns:ahyp="http://schemas.microsoft.com/office/drawing/2018/hyperlinkcolor" showMasterPhAnim="0" showMasterSp="0">
+<p:notes xmlns:a="http://schemas.openxmlformats.org/drawingml/2006/main" xmlns:r="http://schemas.openxmlformats.org/officeDocument/2006/relationships" xmlns:p="http://schemas.openxmlformats.org/presentationml/2006/main" showMasterSp="0" showMasterPhAnim="0">
   <p:cSld>
     <p:spTree>
       <p:nvGrpSpPr>
-        <p:cNvPr id="68" name="Shape 68"/>
+        <p:cNvPr id="1" name="Shape 68"/>
         <p:cNvGrpSpPr/>
         <p:nvPr/>
       </p:nvGrpSpPr>
@@ -1261,9 +1272,11 @@
       <p:sp>
         <p:nvSpPr>
           <p:cNvPr id="69" name="Google Shape;69;g25138b27ed4_0_95:notes"/>
-          <p:cNvSpPr/>
+          <p:cNvSpPr>
+            <a:spLocks noGrp="1" noRot="1" noChangeAspect="1"/>
+          </p:cNvSpPr>
           <p:nvPr>
-            <p:ph idx="2" type="sldImg"/>
+            <p:ph type="sldImg" idx="2"/>
           </p:nvPr>
         </p:nvSpPr>
         <p:spPr>
@@ -1272,9 +1285,13 @@
             <a:ext cx="6096000" cy="3429000"/>
           </a:xfrm>
           <a:custGeom>
-            <a:rect b="b" l="l" r="r" t="t"/>
+            <a:avLst/>
+            <a:gdLst/>
+            <a:ahLst/>
+            <a:cxnLst/>
+            <a:rect l="l" t="t" r="r" b="b"/>
             <a:pathLst>
-              <a:path extrusionOk="0" h="120000" w="120000">
+              <a:path w="120000" h="120000" extrusionOk="0">
                 <a:moveTo>
                   <a:pt x="0" y="0"/>
                 </a:moveTo>
@@ -1296,9 +1313,11 @@
       <p:sp>
         <p:nvSpPr>
           <p:cNvPr id="70" name="Google Shape;70;g25138b27ed4_0_95:notes"/>
-          <p:cNvSpPr txBox="1"/>
+          <p:cNvSpPr txBox="1">
+            <a:spLocks noGrp="1"/>
+          </p:cNvSpPr>
           <p:nvPr>
-            <p:ph idx="1" type="body"/>
+            <p:ph type="body" idx="1"/>
           </p:nvPr>
         </p:nvSpPr>
         <p:spPr>
@@ -1311,12 +1330,12 @@
           </a:prstGeom>
         </p:spPr>
         <p:txBody>
-          <a:bodyPr anchorCtr="0" anchor="t" bIns="91425" lIns="91425" spcFirstLastPara="1" rIns="91425" wrap="square" tIns="91425">
+          <a:bodyPr spcFirstLastPara="1" wrap="square" lIns="91425" tIns="91425" rIns="91425" bIns="91425" anchor="t" anchorCtr="0">
             <a:noAutofit/>
           </a:bodyPr>
           <a:lstStyle/>
           <a:p>
-            <a:pPr indent="0" lvl="0" marL="0" rtl="0" algn="l">
+            <a:pPr marL="0" lvl="0" indent="0" algn="l" rtl="0">
               <a:spcBef>
                 <a:spcPts val="0"/>
               </a:spcBef>
@@ -1332,22 +1351,19 @@
             <a:endParaRPr/>
           </a:p>
           <a:p>
-            <a:pPr indent="0" lvl="0" marL="0" rtl="0" algn="l">
-              <a:spcBef>
-                <a:spcPts val="0"/>
-              </a:spcBef>
-              <a:spcAft>
-                <a:spcPts val="0"/>
-              </a:spcAft>
-              <a:buNone/>
-            </a:pPr>
-            <a:r>
-              <a:t/>
-            </a:r>
-            <a:endParaRPr/>
-          </a:p>
-          <a:p>
-            <a:pPr indent="0" lvl="0" marL="0" rtl="0" algn="l">
+            <a:pPr marL="0" lvl="0" indent="0" algn="l" rtl="0">
+              <a:spcBef>
+                <a:spcPts val="0"/>
+              </a:spcBef>
+              <a:spcAft>
+                <a:spcPts val="0"/>
+              </a:spcAft>
+              <a:buNone/>
+            </a:pPr>
+            <a:endParaRPr/>
+          </a:p>
+          <a:p>
+            <a:pPr marL="0" lvl="0" indent="0" algn="l" rtl="0">
               <a:spcBef>
                 <a:spcPts val="0"/>
               </a:spcBef>
@@ -1363,22 +1379,19 @@
             <a:endParaRPr/>
           </a:p>
           <a:p>
-            <a:pPr indent="0" lvl="0" marL="0" rtl="0" algn="l">
-              <a:spcBef>
-                <a:spcPts val="0"/>
-              </a:spcBef>
-              <a:spcAft>
-                <a:spcPts val="0"/>
-              </a:spcAft>
-              <a:buNone/>
-            </a:pPr>
-            <a:r>
-              <a:t/>
-            </a:r>
-            <a:endParaRPr/>
-          </a:p>
-          <a:p>
-            <a:pPr indent="0" lvl="0" marL="0" rtl="0" algn="l">
+            <a:pPr marL="0" lvl="0" indent="0" algn="l" rtl="0">
+              <a:spcBef>
+                <a:spcPts val="0"/>
+              </a:spcBef>
+              <a:spcAft>
+                <a:spcPts val="0"/>
+              </a:spcAft>
+              <a:buNone/>
+            </a:pPr>
+            <a:endParaRPr/>
+          </a:p>
+          <a:p>
+            <a:pPr marL="0" lvl="0" indent="0" algn="l" rtl="0">
               <a:spcBef>
                 <a:spcPts val="0"/>
               </a:spcBef>
@@ -1394,22 +1407,19 @@
             <a:endParaRPr/>
           </a:p>
           <a:p>
-            <a:pPr indent="0" lvl="0" marL="0" rtl="0" algn="l">
-              <a:spcBef>
-                <a:spcPts val="0"/>
-              </a:spcBef>
-              <a:spcAft>
-                <a:spcPts val="0"/>
-              </a:spcAft>
-              <a:buNone/>
-            </a:pPr>
-            <a:r>
-              <a:t/>
-            </a:r>
-            <a:endParaRPr/>
-          </a:p>
-          <a:p>
-            <a:pPr indent="0" lvl="0" marL="0" rtl="0" algn="l">
+            <a:pPr marL="0" lvl="0" indent="0" algn="l" rtl="0">
+              <a:spcBef>
+                <a:spcPts val="0"/>
+              </a:spcBef>
+              <a:spcAft>
+                <a:spcPts val="0"/>
+              </a:spcAft>
+              <a:buNone/>
+            </a:pPr>
+            <a:endParaRPr/>
+          </a:p>
+          <a:p>
+            <a:pPr marL="0" lvl="0" indent="0" algn="l" rtl="0">
               <a:spcBef>
                 <a:spcPts val="0"/>
               </a:spcBef>
@@ -1425,37 +1435,31 @@
             <a:endParaRPr/>
           </a:p>
           <a:p>
-            <a:pPr indent="0" lvl="0" marL="0" rtl="0" algn="l">
-              <a:spcBef>
-                <a:spcPts val="0"/>
-              </a:spcBef>
-              <a:spcAft>
-                <a:spcPts val="0"/>
-              </a:spcAft>
-              <a:buNone/>
-            </a:pPr>
-            <a:r>
-              <a:t/>
-            </a:r>
-            <a:endParaRPr/>
-          </a:p>
-          <a:p>
-            <a:pPr indent="0" lvl="0" marL="0" rtl="0" algn="l">
-              <a:spcBef>
-                <a:spcPts val="0"/>
-              </a:spcBef>
-              <a:spcAft>
-                <a:spcPts val="0"/>
-              </a:spcAft>
-              <a:buNone/>
-            </a:pPr>
-            <a:r>
-              <a:t/>
-            </a:r>
-            <a:endParaRPr/>
-          </a:p>
-          <a:p>
-            <a:pPr indent="0" lvl="0" marL="0" rtl="0" algn="l">
+            <a:pPr marL="0" lvl="0" indent="0" algn="l" rtl="0">
+              <a:spcBef>
+                <a:spcPts val="0"/>
+              </a:spcBef>
+              <a:spcAft>
+                <a:spcPts val="0"/>
+              </a:spcAft>
+              <a:buNone/>
+            </a:pPr>
+            <a:endParaRPr/>
+          </a:p>
+          <a:p>
+            <a:pPr marL="0" lvl="0" indent="0" algn="l" rtl="0">
+              <a:spcBef>
+                <a:spcPts val="0"/>
+              </a:spcBef>
+              <a:spcAft>
+                <a:spcPts val="0"/>
+              </a:spcAft>
+              <a:buNone/>
+            </a:pPr>
+            <a:endParaRPr/>
+          </a:p>
+          <a:p>
+            <a:pPr marL="0" lvl="0" indent="0" algn="l" rtl="0">
               <a:spcBef>
                 <a:spcPts val="0"/>
               </a:spcBef>
@@ -1471,7 +1475,7 @@
             <a:endParaRPr/>
           </a:p>
           <a:p>
-            <a:pPr indent="0" lvl="0" marL="0" rtl="0" algn="l">
+            <a:pPr marL="0" lvl="0" indent="0" algn="l" rtl="0">
               <a:spcBef>
                 <a:spcPts val="0"/>
               </a:spcBef>
@@ -1487,22 +1491,19 @@
             <a:endParaRPr/>
           </a:p>
           <a:p>
-            <a:pPr indent="0" lvl="0" marL="0" rtl="0" algn="l">
-              <a:spcBef>
-                <a:spcPts val="0"/>
-              </a:spcBef>
-              <a:spcAft>
-                <a:spcPts val="0"/>
-              </a:spcAft>
-              <a:buNone/>
-            </a:pPr>
-            <a:r>
-              <a:t/>
-            </a:r>
-            <a:endParaRPr/>
-          </a:p>
-          <a:p>
-            <a:pPr indent="0" lvl="0" marL="0" rtl="0" algn="l">
+            <a:pPr marL="0" lvl="0" indent="0" algn="l" rtl="0">
+              <a:spcBef>
+                <a:spcPts val="0"/>
+              </a:spcBef>
+              <a:spcAft>
+                <a:spcPts val="0"/>
+              </a:spcAft>
+              <a:buNone/>
+            </a:pPr>
+            <a:endParaRPr/>
+          </a:p>
+          <a:p>
+            <a:pPr marL="0" lvl="0" indent="0" algn="l" rtl="0">
               <a:spcBef>
                 <a:spcPts val="0"/>
               </a:spcBef>
@@ -1518,22 +1519,19 @@
             <a:endParaRPr/>
           </a:p>
           <a:p>
-            <a:pPr indent="0" lvl="0" marL="0" rtl="0" algn="l">
-              <a:spcBef>
-                <a:spcPts val="0"/>
-              </a:spcBef>
-              <a:spcAft>
-                <a:spcPts val="0"/>
-              </a:spcAft>
-              <a:buNone/>
-            </a:pPr>
-            <a:r>
-              <a:t/>
-            </a:r>
-            <a:endParaRPr/>
-          </a:p>
-          <a:p>
-            <a:pPr indent="0" lvl="0" marL="0" rtl="0" algn="l">
+            <a:pPr marL="0" lvl="0" indent="0" algn="l" rtl="0">
+              <a:spcBef>
+                <a:spcPts val="0"/>
+              </a:spcBef>
+              <a:spcAft>
+                <a:spcPts val="0"/>
+              </a:spcAft>
+              <a:buNone/>
+            </a:pPr>
+            <a:endParaRPr/>
+          </a:p>
+          <a:p>
+            <a:pPr marL="0" lvl="0" indent="0" algn="l" rtl="0">
               <a:spcBef>
                 <a:spcPts val="0"/>
               </a:spcBef>
@@ -1549,22 +1547,19 @@
             <a:endParaRPr/>
           </a:p>
           <a:p>
-            <a:pPr indent="0" lvl="0" marL="0" rtl="0" algn="l">
-              <a:spcBef>
-                <a:spcPts val="0"/>
-              </a:spcBef>
-              <a:spcAft>
-                <a:spcPts val="0"/>
-              </a:spcAft>
-              <a:buNone/>
-            </a:pPr>
-            <a:r>
-              <a:t/>
-            </a:r>
-            <a:endParaRPr/>
-          </a:p>
-          <a:p>
-            <a:pPr indent="0" lvl="0" marL="0" rtl="0" algn="l">
+            <a:pPr marL="0" lvl="0" indent="0" algn="l" rtl="0">
+              <a:spcBef>
+                <a:spcPts val="0"/>
+              </a:spcBef>
+              <a:spcAft>
+                <a:spcPts val="0"/>
+              </a:spcAft>
+              <a:buNone/>
+            </a:pPr>
+            <a:endParaRPr/>
+          </a:p>
+          <a:p>
+            <a:pPr marL="0" lvl="0" indent="0" algn="l" rtl="0">
               <a:spcBef>
                 <a:spcPts val="0"/>
               </a:spcBef>
@@ -1580,22 +1575,19 @@
             <a:endParaRPr/>
           </a:p>
           <a:p>
-            <a:pPr indent="0" lvl="0" marL="0" rtl="0" algn="l">
-              <a:spcBef>
-                <a:spcPts val="0"/>
-              </a:spcBef>
-              <a:spcAft>
-                <a:spcPts val="0"/>
-              </a:spcAft>
-              <a:buNone/>
-            </a:pPr>
-            <a:r>
-              <a:t/>
-            </a:r>
-            <a:endParaRPr/>
-          </a:p>
-          <a:p>
-            <a:pPr indent="0" lvl="0" marL="0" rtl="0" algn="l">
+            <a:pPr marL="0" lvl="0" indent="0" algn="l" rtl="0">
+              <a:spcBef>
+                <a:spcPts val="0"/>
+              </a:spcBef>
+              <a:spcAft>
+                <a:spcPts val="0"/>
+              </a:spcAft>
+              <a:buNone/>
+            </a:pPr>
+            <a:endParaRPr/>
+          </a:p>
+          <a:p>
+            <a:pPr marL="0" lvl="0" indent="0" algn="l" rtl="0">
               <a:spcBef>
                 <a:spcPts val="0"/>
               </a:spcBef>
@@ -1611,18 +1603,15 @@
             <a:endParaRPr/>
           </a:p>
           <a:p>
-            <a:pPr indent="0" lvl="0" marL="0" rtl="0" algn="l">
-              <a:spcBef>
-                <a:spcPts val="0"/>
-              </a:spcBef>
-              <a:spcAft>
-                <a:spcPts val="0"/>
-              </a:spcAft>
-              <a:buNone/>
-            </a:pPr>
-            <a:r>
-              <a:t/>
-            </a:r>
+            <a:pPr marL="0" lvl="0" indent="0" algn="l" rtl="0">
+              <a:spcBef>
+                <a:spcPts val="0"/>
+              </a:spcBef>
+              <a:spcAft>
+                <a:spcPts val="0"/>
+              </a:spcAft>
+              <a:buNone/>
+            </a:pPr>
             <a:endParaRPr/>
           </a:p>
         </p:txBody>
@@ -1636,11 +1625,11 @@
 </file>
 
 <file path=ppt/notesSlides/notesSlide4.xml><?xml version="1.0" encoding="utf-8"?>
-<p:notes xmlns:a="http://schemas.openxmlformats.org/drawingml/2006/main" xmlns:r="http://schemas.openxmlformats.org/officeDocument/2006/relationships" xmlns:mc="http://schemas.openxmlformats.org/markup-compatibility/2006" xmlns:mv="urn:schemas-microsoft-com:mac:vml" xmlns:p="http://schemas.openxmlformats.org/presentationml/2006/main" xmlns:c="http://schemas.openxmlformats.org/drawingml/2006/chart" xmlns:dgm="http://schemas.openxmlformats.org/drawingml/2006/diagram" xmlns:o="urn:schemas-microsoft-com:office:office" xmlns:v="urn:schemas-microsoft-com:vml" xmlns:pvml="urn:schemas-microsoft-com:office:powerpoint" xmlns:com="http://schemas.openxmlformats.org/drawingml/2006/compatibility" xmlns:p14="http://schemas.microsoft.com/office/powerpoint/2010/main" xmlns:p15="http://schemas.microsoft.com/office/powerpoint/2012/main" xmlns:ahyp="http://schemas.microsoft.com/office/drawing/2018/hyperlinkcolor" showMasterPhAnim="0" showMasterSp="0">
+<p:notes xmlns:a="http://schemas.openxmlformats.org/drawingml/2006/main" xmlns:r="http://schemas.openxmlformats.org/officeDocument/2006/relationships" xmlns:p="http://schemas.openxmlformats.org/presentationml/2006/main" showMasterSp="0" showMasterPhAnim="0">
   <p:cSld>
     <p:spTree>
       <p:nvGrpSpPr>
-        <p:cNvPr id="75" name="Shape 75"/>
+        <p:cNvPr id="1" name="Shape 75"/>
         <p:cNvGrpSpPr/>
         <p:nvPr/>
       </p:nvGrpSpPr>
@@ -1655,9 +1644,11 @@
       <p:sp>
         <p:nvSpPr>
           <p:cNvPr id="76" name="Google Shape;76;g25138b27ed4_0_102:notes"/>
-          <p:cNvSpPr/>
+          <p:cNvSpPr>
+            <a:spLocks noGrp="1" noRot="1" noChangeAspect="1"/>
+          </p:cNvSpPr>
           <p:nvPr>
-            <p:ph idx="2" type="sldImg"/>
+            <p:ph type="sldImg" idx="2"/>
           </p:nvPr>
         </p:nvSpPr>
         <p:spPr>
@@ -1666,9 +1657,13 @@
             <a:ext cx="6096000" cy="3429000"/>
           </a:xfrm>
           <a:custGeom>
-            <a:rect b="b" l="l" r="r" t="t"/>
+            <a:avLst/>
+            <a:gdLst/>
+            <a:ahLst/>
+            <a:cxnLst/>
+            <a:rect l="l" t="t" r="r" b="b"/>
             <a:pathLst>
-              <a:path extrusionOk="0" h="120000" w="120000">
+              <a:path w="120000" h="120000" extrusionOk="0">
                 <a:moveTo>
                   <a:pt x="0" y="0"/>
                 </a:moveTo>
@@ -1690,9 +1685,11 @@
       <p:sp>
         <p:nvSpPr>
           <p:cNvPr id="77" name="Google Shape;77;g25138b27ed4_0_102:notes"/>
-          <p:cNvSpPr txBox="1"/>
+          <p:cNvSpPr txBox="1">
+            <a:spLocks noGrp="1"/>
+          </p:cNvSpPr>
           <p:nvPr>
-            <p:ph idx="1" type="body"/>
+            <p:ph type="body" idx="1"/>
           </p:nvPr>
         </p:nvSpPr>
         <p:spPr>
@@ -1705,27 +1702,24 @@
           </a:prstGeom>
         </p:spPr>
         <p:txBody>
-          <a:bodyPr anchorCtr="0" anchor="t" bIns="91425" lIns="91425" spcFirstLastPara="1" rIns="91425" wrap="square" tIns="91425">
+          <a:bodyPr spcFirstLastPara="1" wrap="square" lIns="91425" tIns="91425" rIns="91425" bIns="91425" anchor="t" anchorCtr="0">
             <a:noAutofit/>
           </a:bodyPr>
           <a:lstStyle/>
           <a:p>
-            <a:pPr indent="0" lvl="0" marL="0" rtl="0" algn="l">
-              <a:spcBef>
-                <a:spcPts val="0"/>
-              </a:spcBef>
-              <a:spcAft>
-                <a:spcPts val="0"/>
-              </a:spcAft>
-              <a:buNone/>
-            </a:pPr>
-            <a:r>
-              <a:t/>
-            </a:r>
-            <a:endParaRPr/>
-          </a:p>
-          <a:p>
-            <a:pPr indent="0" lvl="0" marL="0" rtl="0" algn="l">
+            <a:pPr marL="0" lvl="0" indent="0" algn="l" rtl="0">
+              <a:spcBef>
+                <a:spcPts val="0"/>
+              </a:spcBef>
+              <a:spcAft>
+                <a:spcPts val="0"/>
+              </a:spcAft>
+              <a:buNone/>
+            </a:pPr>
+            <a:endParaRPr/>
+          </a:p>
+          <a:p>
+            <a:pPr marL="0" lvl="0" indent="0" algn="l" rtl="0">
               <a:spcBef>
                 <a:spcPts val="0"/>
               </a:spcBef>
@@ -1741,7 +1735,7 @@
             <a:endParaRPr/>
           </a:p>
           <a:p>
-            <a:pPr indent="0" lvl="0" marL="0" rtl="0" algn="l">
+            <a:pPr marL="0" lvl="0" indent="0" algn="l" rtl="0">
               <a:spcBef>
                 <a:spcPts val="0"/>
               </a:spcBef>
@@ -1757,52 +1751,43 @@
             <a:endParaRPr/>
           </a:p>
           <a:p>
-            <a:pPr indent="0" lvl="0" marL="0" rtl="0" algn="l">
-              <a:spcBef>
-                <a:spcPts val="0"/>
-              </a:spcBef>
-              <a:spcAft>
-                <a:spcPts val="0"/>
-              </a:spcAft>
-              <a:buNone/>
-            </a:pPr>
-            <a:r>
-              <a:t/>
-            </a:r>
-            <a:endParaRPr/>
-          </a:p>
-          <a:p>
-            <a:pPr indent="0" lvl="0" marL="0" rtl="0" algn="l">
-              <a:spcBef>
-                <a:spcPts val="0"/>
-              </a:spcBef>
-              <a:spcAft>
-                <a:spcPts val="0"/>
-              </a:spcAft>
-              <a:buNone/>
-            </a:pPr>
-            <a:r>
-              <a:t/>
-            </a:r>
-            <a:endParaRPr/>
-          </a:p>
-          <a:p>
-            <a:pPr indent="0" lvl="0" marL="0" rtl="0" algn="l">
-              <a:spcBef>
-                <a:spcPts val="0"/>
-              </a:spcBef>
-              <a:spcAft>
-                <a:spcPts val="0"/>
-              </a:spcAft>
-              <a:buNone/>
-            </a:pPr>
-            <a:r>
-              <a:t/>
-            </a:r>
-            <a:endParaRPr/>
-          </a:p>
-          <a:p>
-            <a:pPr indent="0" lvl="0" marL="0" rtl="0" algn="l">
+            <a:pPr marL="0" lvl="0" indent="0" algn="l" rtl="0">
+              <a:spcBef>
+                <a:spcPts val="0"/>
+              </a:spcBef>
+              <a:spcAft>
+                <a:spcPts val="0"/>
+              </a:spcAft>
+              <a:buNone/>
+            </a:pPr>
+            <a:endParaRPr/>
+          </a:p>
+          <a:p>
+            <a:pPr marL="0" lvl="0" indent="0" algn="l" rtl="0">
+              <a:spcBef>
+                <a:spcPts val="0"/>
+              </a:spcBef>
+              <a:spcAft>
+                <a:spcPts val="0"/>
+              </a:spcAft>
+              <a:buNone/>
+            </a:pPr>
+            <a:endParaRPr/>
+          </a:p>
+          <a:p>
+            <a:pPr marL="0" lvl="0" indent="0" algn="l" rtl="0">
+              <a:spcBef>
+                <a:spcPts val="0"/>
+              </a:spcBef>
+              <a:spcAft>
+                <a:spcPts val="0"/>
+              </a:spcAft>
+              <a:buNone/>
+            </a:pPr>
+            <a:endParaRPr/>
+          </a:p>
+          <a:p>
+            <a:pPr marL="0" lvl="0" indent="0" algn="l" rtl="0">
               <a:spcBef>
                 <a:spcPts val="0"/>
               </a:spcBef>
@@ -1818,22 +1803,19 @@
             <a:endParaRPr/>
           </a:p>
           <a:p>
-            <a:pPr indent="0" lvl="0" marL="0" rtl="0" algn="l">
-              <a:spcBef>
-                <a:spcPts val="0"/>
-              </a:spcBef>
-              <a:spcAft>
-                <a:spcPts val="0"/>
-              </a:spcAft>
-              <a:buNone/>
-            </a:pPr>
-            <a:r>
-              <a:t/>
-            </a:r>
-            <a:endParaRPr/>
-          </a:p>
-          <a:p>
-            <a:pPr indent="0" lvl="0" marL="0" rtl="0" algn="l">
+            <a:pPr marL="0" lvl="0" indent="0" algn="l" rtl="0">
+              <a:spcBef>
+                <a:spcPts val="0"/>
+              </a:spcBef>
+              <a:spcAft>
+                <a:spcPts val="0"/>
+              </a:spcAft>
+              <a:buNone/>
+            </a:pPr>
+            <a:endParaRPr/>
+          </a:p>
+          <a:p>
+            <a:pPr marL="0" lvl="0" indent="0" algn="l" rtl="0">
               <a:spcBef>
                 <a:spcPts val="0"/>
               </a:spcBef>
@@ -1849,22 +1831,19 @@
             <a:endParaRPr/>
           </a:p>
           <a:p>
-            <a:pPr indent="0" lvl="0" marL="0" rtl="0" algn="l">
-              <a:spcBef>
-                <a:spcPts val="0"/>
-              </a:spcBef>
-              <a:spcAft>
-                <a:spcPts val="0"/>
-              </a:spcAft>
-              <a:buNone/>
-            </a:pPr>
-            <a:r>
-              <a:t/>
-            </a:r>
-            <a:endParaRPr/>
-          </a:p>
-          <a:p>
-            <a:pPr indent="0" lvl="0" marL="0" rtl="0" algn="l">
+            <a:pPr marL="0" lvl="0" indent="0" algn="l" rtl="0">
+              <a:spcBef>
+                <a:spcPts val="0"/>
+              </a:spcBef>
+              <a:spcAft>
+                <a:spcPts val="0"/>
+              </a:spcAft>
+              <a:buNone/>
+            </a:pPr>
+            <a:endParaRPr/>
+          </a:p>
+          <a:p>
+            <a:pPr marL="0" lvl="0" indent="0" algn="l" rtl="0">
               <a:spcBef>
                 <a:spcPts val="0"/>
               </a:spcBef>
@@ -1880,22 +1859,19 @@
             <a:endParaRPr/>
           </a:p>
           <a:p>
-            <a:pPr indent="0" lvl="0" marL="0" rtl="0" algn="l">
-              <a:spcBef>
-                <a:spcPts val="0"/>
-              </a:spcBef>
-              <a:spcAft>
-                <a:spcPts val="0"/>
-              </a:spcAft>
-              <a:buNone/>
-            </a:pPr>
-            <a:r>
-              <a:t/>
-            </a:r>
-            <a:endParaRPr/>
-          </a:p>
-          <a:p>
-            <a:pPr indent="0" lvl="0" marL="0" rtl="0" algn="l">
+            <a:pPr marL="0" lvl="0" indent="0" algn="l" rtl="0">
+              <a:spcBef>
+                <a:spcPts val="0"/>
+              </a:spcBef>
+              <a:spcAft>
+                <a:spcPts val="0"/>
+              </a:spcAft>
+              <a:buNone/>
+            </a:pPr>
+            <a:endParaRPr/>
+          </a:p>
+          <a:p>
+            <a:pPr marL="0" lvl="0" indent="0" algn="l" rtl="0">
               <a:spcBef>
                 <a:spcPts val="0"/>
               </a:spcBef>
@@ -1921,18 +1897,19 @@
 </file>
 
 <file path=ppt/slideLayouts/slideLayout1.xml><?xml version="1.0" encoding="utf-8"?>
-<p:sldLayout xmlns:a="http://schemas.openxmlformats.org/drawingml/2006/main" xmlns:r="http://schemas.openxmlformats.org/officeDocument/2006/relationships" xmlns:mc="http://schemas.openxmlformats.org/markup-compatibility/2006" xmlns:mv="urn:schemas-microsoft-com:mac:vml" xmlns:p="http://schemas.openxmlformats.org/presentationml/2006/main" xmlns:c="http://schemas.openxmlformats.org/drawingml/2006/chart" xmlns:dgm="http://schemas.openxmlformats.org/drawingml/2006/diagram" xmlns:o="urn:schemas-microsoft-com:office:office" xmlns:v="urn:schemas-microsoft-com:vml" xmlns:pvml="urn:schemas-microsoft-com:office:powerpoint" xmlns:com="http://schemas.openxmlformats.org/drawingml/2006/compatibility" xmlns:p14="http://schemas.microsoft.com/office/powerpoint/2010/main" xmlns:p15="http://schemas.microsoft.com/office/powerpoint/2012/main" xmlns:ahyp="http://schemas.microsoft.com/office/drawing/2018/hyperlinkcolor" matchingName="Title slide" type="title">
+<p:sldLayout xmlns:a="http://schemas.openxmlformats.org/drawingml/2006/main" xmlns:r="http://schemas.openxmlformats.org/officeDocument/2006/relationships" xmlns:p="http://schemas.openxmlformats.org/presentationml/2006/main" matchingName="Title slide" type="title">
   <p:cSld name="TITLE">
     <p:bg>
       <p:bgPr>
         <a:solidFill>
           <a:schemeClr val="dk1"/>
         </a:solidFill>
+        <a:effectLst/>
       </p:bgPr>
     </p:bg>
     <p:spTree>
       <p:nvGrpSpPr>
-        <p:cNvPr id="9" name="Shape 9"/>
+        <p:cNvPr id="1" name="Shape 9"/>
         <p:cNvGrpSpPr/>
         <p:nvPr/>
       </p:nvGrpSpPr>
@@ -1959,21 +1936,23 @@
             <a:avLst/>
           </a:prstGeom>
           <a:noFill/>
-          <a:ln cap="flat" cmpd="sng" w="19050">
+          <a:ln w="19050" cap="flat" cmpd="sng">
             <a:solidFill>
               <a:schemeClr val="lt2"/>
             </a:solidFill>
             <a:prstDash val="solid"/>
             <a:round/>
-            <a:headEnd len="sm" w="sm" type="none"/>
-            <a:tailEnd len="sm" w="sm" type="none"/>
+            <a:headEnd type="none" w="sm" len="sm"/>
+            <a:tailEnd type="none" w="sm" len="sm"/>
           </a:ln>
         </p:spPr>
       </p:cxnSp>
       <p:sp>
         <p:nvSpPr>
           <p:cNvPr id="11" name="Google Shape;11;p2"/>
-          <p:cNvSpPr txBox="1"/>
+          <p:cNvSpPr txBox="1">
+            <a:spLocks noGrp="1"/>
+          </p:cNvSpPr>
           <p:nvPr>
             <p:ph type="ctrTitle"/>
           </p:nvPr>
@@ -1988,7 +1967,7 @@
           </a:prstGeom>
         </p:spPr>
         <p:txBody>
-          <a:bodyPr anchorCtr="0" anchor="b" bIns="91425" lIns="91425" spcFirstLastPara="1" rIns="91425" wrap="square" tIns="91425">
+          <a:bodyPr spcFirstLastPara="1" wrap="square" lIns="91425" tIns="91425" rIns="91425" bIns="91425" anchor="b" anchorCtr="0">
             <a:normAutofit/>
           </a:bodyPr>
           <a:lstStyle>
@@ -2155,15 +2134,19 @@
               </a:defRPr>
             </a:lvl9pPr>
           </a:lstStyle>
-          <a:p/>
+          <a:p>
+            <a:endParaRPr/>
+          </a:p>
         </p:txBody>
       </p:sp>
       <p:sp>
         <p:nvSpPr>
           <p:cNvPr id="12" name="Google Shape;12;p2"/>
-          <p:cNvSpPr txBox="1"/>
+          <p:cNvSpPr txBox="1">
+            <a:spLocks noGrp="1"/>
+          </p:cNvSpPr>
           <p:nvPr>
-            <p:ph idx="1" type="subTitle"/>
+            <p:ph type="subTitle" idx="1"/>
           </p:nvPr>
         </p:nvSpPr>
         <p:spPr>
@@ -2176,7 +2159,7 @@
           </a:prstGeom>
         </p:spPr>
         <p:txBody>
-          <a:bodyPr anchorCtr="0" anchor="t" bIns="91425" lIns="91425" spcFirstLastPara="1" rIns="91425" wrap="square" tIns="91425">
+          <a:bodyPr spcFirstLastPara="1" wrap="square" lIns="91425" tIns="91425" rIns="91425" bIns="91425" anchor="t" anchorCtr="0">
             <a:normAutofit/>
           </a:bodyPr>
           <a:lstStyle>
@@ -2370,15 +2353,19 @@
               </a:defRPr>
             </a:lvl9pPr>
           </a:lstStyle>
-          <a:p/>
+          <a:p>
+            <a:endParaRPr/>
+          </a:p>
         </p:txBody>
       </p:sp>
       <p:sp>
         <p:nvSpPr>
           <p:cNvPr id="13" name="Google Shape;13;p2"/>
-          <p:cNvSpPr txBox="1"/>
+          <p:cNvSpPr txBox="1">
+            <a:spLocks noGrp="1"/>
+          </p:cNvSpPr>
           <p:nvPr>
-            <p:ph idx="12" type="sldNum"/>
+            <p:ph type="sldNum" idx="12"/>
           </p:nvPr>
         </p:nvSpPr>
         <p:spPr>
@@ -2391,7 +2378,7 @@
           </a:prstGeom>
         </p:spPr>
         <p:txBody>
-          <a:bodyPr anchorCtr="0" anchor="ctr" bIns="91425" lIns="91425" spcFirstLastPara="1" rIns="91425" wrap="square" tIns="91425">
+          <a:bodyPr spcFirstLastPara="1" wrap="square" lIns="91425" tIns="91425" rIns="91425" bIns="91425" anchor="ctr" anchorCtr="0">
             <a:normAutofit/>
           </a:bodyPr>
           <a:lstStyle>
@@ -2469,7 +2456,7 @@
             </a:lvl9pPr>
           </a:lstStyle>
           <a:p>
-            <a:pPr indent="0" lvl="0" marL="0" rtl="0" algn="r">
+            <a:pPr marL="0" lvl="0" indent="0" algn="r" rtl="0">
               <a:spcBef>
                 <a:spcPts val="0"/>
               </a:spcBef>
@@ -2495,11 +2482,11 @@
 </file>
 
 <file path=ppt/slideLayouts/slideLayout10.xml><?xml version="1.0" encoding="utf-8"?>
-<p:sldLayout xmlns:a="http://schemas.openxmlformats.org/drawingml/2006/main" xmlns:r="http://schemas.openxmlformats.org/officeDocument/2006/relationships" xmlns:mc="http://schemas.openxmlformats.org/markup-compatibility/2006" xmlns:mv="urn:schemas-microsoft-com:mac:vml" xmlns:p="http://schemas.openxmlformats.org/presentationml/2006/main" xmlns:c="http://schemas.openxmlformats.org/drawingml/2006/chart" xmlns:dgm="http://schemas.openxmlformats.org/drawingml/2006/diagram" xmlns:o="urn:schemas-microsoft-com:office:office" xmlns:v="urn:schemas-microsoft-com:vml" xmlns:pvml="urn:schemas-microsoft-com:office:powerpoint" xmlns:com="http://schemas.openxmlformats.org/drawingml/2006/compatibility" xmlns:p14="http://schemas.microsoft.com/office/powerpoint/2010/main" xmlns:p15="http://schemas.microsoft.com/office/powerpoint/2012/main" xmlns:ahyp="http://schemas.microsoft.com/office/drawing/2018/hyperlinkcolor" matchingName="Big number">
+<p:sldLayout xmlns:a="http://schemas.openxmlformats.org/drawingml/2006/main" xmlns:r="http://schemas.openxmlformats.org/officeDocument/2006/relationships" xmlns:p="http://schemas.openxmlformats.org/presentationml/2006/main" matchingName="Big number">
   <p:cSld name="BIG_NUMBER">
     <p:spTree>
       <p:nvGrpSpPr>
-        <p:cNvPr id="48" name="Shape 48"/>
+        <p:cNvPr id="1" name="Shape 48"/>
         <p:cNvGrpSpPr/>
         <p:nvPr/>
       </p:nvGrpSpPr>
@@ -2533,23 +2520,20 @@
           </a:ln>
         </p:spPr>
         <p:txBody>
-          <a:bodyPr anchorCtr="0" anchor="ctr" bIns="91425" lIns="91425" spcFirstLastPara="1" rIns="91425" wrap="square" tIns="91425">
+          <a:bodyPr spcFirstLastPara="1" wrap="square" lIns="91425" tIns="91425" rIns="91425" bIns="91425" anchor="ctr" anchorCtr="0">
             <a:noAutofit/>
           </a:bodyPr>
           <a:lstStyle/>
           <a:p>
-            <a:pPr indent="0" lvl="0" marL="0" rtl="0" algn="l">
-              <a:spcBef>
-                <a:spcPts val="0"/>
-              </a:spcBef>
-              <a:spcAft>
-                <a:spcPts val="0"/>
-              </a:spcAft>
-              <a:buNone/>
-            </a:pPr>
-            <a:r>
-              <a:t/>
-            </a:r>
+            <a:pPr marL="0" lvl="0" indent="0" algn="l" rtl="0">
+              <a:spcBef>
+                <a:spcPts val="0"/>
+              </a:spcBef>
+              <a:spcAft>
+                <a:spcPts val="0"/>
+              </a:spcAft>
+              <a:buNone/>
+            </a:pPr>
             <a:endParaRPr/>
           </a:p>
         </p:txBody>
@@ -2557,9 +2541,11 @@
       <p:sp>
         <p:nvSpPr>
           <p:cNvPr id="50" name="Google Shape;50;p11"/>
-          <p:cNvSpPr txBox="1"/>
+          <p:cNvSpPr txBox="1">
+            <a:spLocks noGrp="1"/>
+          </p:cNvSpPr>
           <p:nvPr>
-            <p:ph hasCustomPrompt="1" type="title"/>
+            <p:ph type="title" hasCustomPrompt="1"/>
           </p:nvPr>
         </p:nvSpPr>
         <p:spPr>
@@ -2572,7 +2558,7 @@
           </a:prstGeom>
         </p:spPr>
         <p:txBody>
-          <a:bodyPr anchorCtr="0" anchor="ctr" bIns="91425" lIns="91425" spcFirstLastPara="1" rIns="91425" wrap="square" tIns="91425">
+          <a:bodyPr spcFirstLastPara="1" wrap="square" lIns="91425" tIns="91425" rIns="91425" bIns="91425" anchor="ctr" anchorCtr="0">
             <a:normAutofit/>
           </a:bodyPr>
           <a:lstStyle>
@@ -2585,7 +2571,7 @@
               </a:spcAft>
               <a:buSzPts val="14000"/>
               <a:buNone/>
-              <a:defRPr b="1" sz="14000"/>
+              <a:defRPr sz="14000" b="1"/>
             </a:lvl1pPr>
             <a:lvl2pPr lvl="1" algn="ctr">
               <a:spcBef>
@@ -2596,7 +2582,7 @@
               </a:spcAft>
               <a:buSzPts val="14000"/>
               <a:buNone/>
-              <a:defRPr b="1" sz="14000"/>
+              <a:defRPr sz="14000" b="1"/>
             </a:lvl2pPr>
             <a:lvl3pPr lvl="2" algn="ctr">
               <a:spcBef>
@@ -2607,7 +2593,7 @@
               </a:spcAft>
               <a:buSzPts val="14000"/>
               <a:buNone/>
-              <a:defRPr b="1" sz="14000"/>
+              <a:defRPr sz="14000" b="1"/>
             </a:lvl3pPr>
             <a:lvl4pPr lvl="3" algn="ctr">
               <a:spcBef>
@@ -2618,7 +2604,7 @@
               </a:spcAft>
               <a:buSzPts val="14000"/>
               <a:buNone/>
-              <a:defRPr b="1" sz="14000"/>
+              <a:defRPr sz="14000" b="1"/>
             </a:lvl4pPr>
             <a:lvl5pPr lvl="4" algn="ctr">
               <a:spcBef>
@@ -2629,7 +2615,7 @@
               </a:spcAft>
               <a:buSzPts val="14000"/>
               <a:buNone/>
-              <a:defRPr b="1" sz="14000"/>
+              <a:defRPr sz="14000" b="1"/>
             </a:lvl5pPr>
             <a:lvl6pPr lvl="5" algn="ctr">
               <a:spcBef>
@@ -2640,7 +2626,7 @@
               </a:spcAft>
               <a:buSzPts val="14000"/>
               <a:buNone/>
-              <a:defRPr b="1" sz="14000"/>
+              <a:defRPr sz="14000" b="1"/>
             </a:lvl6pPr>
             <a:lvl7pPr lvl="6" algn="ctr">
               <a:spcBef>
@@ -2651,7 +2637,7 @@
               </a:spcAft>
               <a:buSzPts val="14000"/>
               <a:buNone/>
-              <a:defRPr b="1" sz="14000"/>
+              <a:defRPr sz="14000" b="1"/>
             </a:lvl7pPr>
             <a:lvl8pPr lvl="7" algn="ctr">
               <a:spcBef>
@@ -2662,7 +2648,7 @@
               </a:spcAft>
               <a:buSzPts val="14000"/>
               <a:buNone/>
-              <a:defRPr b="1" sz="14000"/>
+              <a:defRPr sz="14000" b="1"/>
             </a:lvl8pPr>
             <a:lvl9pPr lvl="8" algn="ctr">
               <a:spcBef>
@@ -2673,7 +2659,7 @@
               </a:spcAft>
               <a:buSzPts val="14000"/>
               <a:buNone/>
-              <a:defRPr b="1" sz="14000"/>
+              <a:defRPr sz="14000" b="1"/>
             </a:lvl9pPr>
           </a:lstStyle>
           <a:p>
@@ -2686,9 +2672,11 @@
       <p:sp>
         <p:nvSpPr>
           <p:cNvPr id="51" name="Google Shape;51;p11"/>
-          <p:cNvSpPr txBox="1"/>
+          <p:cNvSpPr txBox="1">
+            <a:spLocks noGrp="1"/>
+          </p:cNvSpPr>
           <p:nvPr>
-            <p:ph idx="1" type="body"/>
+            <p:ph type="body" idx="1"/>
           </p:nvPr>
         </p:nvSpPr>
         <p:spPr>
@@ -2701,11 +2689,11 @@
           </a:prstGeom>
         </p:spPr>
         <p:txBody>
-          <a:bodyPr anchorCtr="0" anchor="t" bIns="91425" lIns="91425" spcFirstLastPara="1" rIns="91425" wrap="square" tIns="91425">
+          <a:bodyPr spcFirstLastPara="1" wrap="square" lIns="91425" tIns="91425" rIns="91425" bIns="91425" anchor="t" anchorCtr="0">
             <a:normAutofit/>
           </a:bodyPr>
           <a:lstStyle>
-            <a:lvl1pPr indent="-342900" lvl="0" marL="457200" algn="ctr">
+            <a:lvl1pPr marL="457200" lvl="0" indent="-342900" algn="ctr">
               <a:spcBef>
                 <a:spcPts val="0"/>
               </a:spcBef>
@@ -2716,7 +2704,7 @@
               <a:buChar char="●"/>
               <a:defRPr/>
             </a:lvl1pPr>
-            <a:lvl2pPr indent="-317500" lvl="1" marL="914400" algn="ctr">
+            <a:lvl2pPr marL="914400" lvl="1" indent="-317500" algn="ctr">
               <a:spcBef>
                 <a:spcPts val="0"/>
               </a:spcBef>
@@ -2727,7 +2715,7 @@
               <a:buChar char="○"/>
               <a:defRPr/>
             </a:lvl2pPr>
-            <a:lvl3pPr indent="-317500" lvl="2" marL="1371600" algn="ctr">
+            <a:lvl3pPr marL="1371600" lvl="2" indent="-317500" algn="ctr">
               <a:spcBef>
                 <a:spcPts val="0"/>
               </a:spcBef>
@@ -2738,7 +2726,7 @@
               <a:buChar char="■"/>
               <a:defRPr/>
             </a:lvl3pPr>
-            <a:lvl4pPr indent="-317500" lvl="3" marL="1828800" algn="ctr">
+            <a:lvl4pPr marL="1828800" lvl="3" indent="-317500" algn="ctr">
               <a:spcBef>
                 <a:spcPts val="0"/>
               </a:spcBef>
@@ -2749,7 +2737,7 @@
               <a:buChar char="●"/>
               <a:defRPr/>
             </a:lvl4pPr>
-            <a:lvl5pPr indent="-317500" lvl="4" marL="2286000" algn="ctr">
+            <a:lvl5pPr marL="2286000" lvl="4" indent="-317500" algn="ctr">
               <a:spcBef>
                 <a:spcPts val="0"/>
               </a:spcBef>
@@ -2760,7 +2748,7 @@
               <a:buChar char="○"/>
               <a:defRPr/>
             </a:lvl5pPr>
-            <a:lvl6pPr indent="-317500" lvl="5" marL="2743200" algn="ctr">
+            <a:lvl6pPr marL="2743200" lvl="5" indent="-317500" algn="ctr">
               <a:spcBef>
                 <a:spcPts val="0"/>
               </a:spcBef>
@@ -2771,7 +2759,7 @@
               <a:buChar char="■"/>
               <a:defRPr/>
             </a:lvl6pPr>
-            <a:lvl7pPr indent="-317500" lvl="6" marL="3200400" algn="ctr">
+            <a:lvl7pPr marL="3200400" lvl="6" indent="-317500" algn="ctr">
               <a:spcBef>
                 <a:spcPts val="0"/>
               </a:spcBef>
@@ -2782,7 +2770,7 @@
               <a:buChar char="●"/>
               <a:defRPr/>
             </a:lvl7pPr>
-            <a:lvl8pPr indent="-317500" lvl="7" marL="3657600" algn="ctr">
+            <a:lvl8pPr marL="3657600" lvl="7" indent="-317500" algn="ctr">
               <a:spcBef>
                 <a:spcPts val="0"/>
               </a:spcBef>
@@ -2793,7 +2781,7 @@
               <a:buChar char="○"/>
               <a:defRPr/>
             </a:lvl8pPr>
-            <a:lvl9pPr indent="-317500" lvl="8" marL="4114800" algn="ctr">
+            <a:lvl9pPr marL="4114800" lvl="8" indent="-317500" algn="ctr">
               <a:spcBef>
                 <a:spcPts val="0"/>
               </a:spcBef>
@@ -2805,15 +2793,19 @@
               <a:defRPr/>
             </a:lvl9pPr>
           </a:lstStyle>
-          <a:p/>
+          <a:p>
+            <a:endParaRPr/>
+          </a:p>
         </p:txBody>
       </p:sp>
       <p:sp>
         <p:nvSpPr>
           <p:cNvPr id="52" name="Google Shape;52;p11"/>
-          <p:cNvSpPr txBox="1"/>
+          <p:cNvSpPr txBox="1">
+            <a:spLocks noGrp="1"/>
+          </p:cNvSpPr>
           <p:nvPr>
-            <p:ph idx="12" type="sldNum"/>
+            <p:ph type="sldNum" idx="12"/>
           </p:nvPr>
         </p:nvSpPr>
         <p:spPr>
@@ -2826,7 +2818,7 @@
           </a:prstGeom>
         </p:spPr>
         <p:txBody>
-          <a:bodyPr anchorCtr="0" anchor="ctr" bIns="91425" lIns="91425" spcFirstLastPara="1" rIns="91425" wrap="square" tIns="91425">
+          <a:bodyPr spcFirstLastPara="1" wrap="square" lIns="91425" tIns="91425" rIns="91425" bIns="91425" anchor="ctr" anchorCtr="0">
             <a:normAutofit/>
           </a:bodyPr>
           <a:lstStyle>
@@ -2868,7 +2860,7 @@
             </a:lvl9pPr>
           </a:lstStyle>
           <a:p>
-            <a:pPr indent="0" lvl="0" marL="0" rtl="0" algn="r">
+            <a:pPr marL="0" lvl="0" indent="0" algn="r" rtl="0">
               <a:spcBef>
                 <a:spcPts val="0"/>
               </a:spcBef>
@@ -2894,11 +2886,11 @@
 </file>
 
 <file path=ppt/slideLayouts/slideLayout11.xml><?xml version="1.0" encoding="utf-8"?>
-<p:sldLayout xmlns:a="http://schemas.openxmlformats.org/drawingml/2006/main" xmlns:r="http://schemas.openxmlformats.org/officeDocument/2006/relationships" xmlns:mc="http://schemas.openxmlformats.org/markup-compatibility/2006" xmlns:mv="urn:schemas-microsoft-com:mac:vml" xmlns:p="http://schemas.openxmlformats.org/presentationml/2006/main" xmlns:c="http://schemas.openxmlformats.org/drawingml/2006/chart" xmlns:dgm="http://schemas.openxmlformats.org/drawingml/2006/diagram" xmlns:o="urn:schemas-microsoft-com:office:office" xmlns:v="urn:schemas-microsoft-com:vml" xmlns:pvml="urn:schemas-microsoft-com:office:powerpoint" xmlns:com="http://schemas.openxmlformats.org/drawingml/2006/compatibility" xmlns:p14="http://schemas.microsoft.com/office/powerpoint/2010/main" xmlns:p15="http://schemas.microsoft.com/office/powerpoint/2012/main" xmlns:ahyp="http://schemas.microsoft.com/office/drawing/2018/hyperlinkcolor" matchingName="Blank" type="blank">
+<p:sldLayout xmlns:a="http://schemas.openxmlformats.org/drawingml/2006/main" xmlns:r="http://schemas.openxmlformats.org/officeDocument/2006/relationships" xmlns:p="http://schemas.openxmlformats.org/presentationml/2006/main" matchingName="Blank" type="blank">
   <p:cSld name="BLANK">
     <p:spTree>
       <p:nvGrpSpPr>
-        <p:cNvPr id="53" name="Shape 53"/>
+        <p:cNvPr id="1" name="Shape 53"/>
         <p:cNvGrpSpPr/>
         <p:nvPr/>
       </p:nvGrpSpPr>
@@ -2913,9 +2905,11 @@
       <p:sp>
         <p:nvSpPr>
           <p:cNvPr id="54" name="Google Shape;54;p12"/>
-          <p:cNvSpPr txBox="1"/>
+          <p:cNvSpPr txBox="1">
+            <a:spLocks noGrp="1"/>
+          </p:cNvSpPr>
           <p:nvPr>
-            <p:ph idx="12" type="sldNum"/>
+            <p:ph type="sldNum" idx="12"/>
           </p:nvPr>
         </p:nvSpPr>
         <p:spPr>
@@ -2928,7 +2922,7 @@
           </a:prstGeom>
         </p:spPr>
         <p:txBody>
-          <a:bodyPr anchorCtr="0" anchor="ctr" bIns="91425" lIns="91425" spcFirstLastPara="1" rIns="91425" wrap="square" tIns="91425">
+          <a:bodyPr spcFirstLastPara="1" wrap="square" lIns="91425" tIns="91425" rIns="91425" bIns="91425" anchor="ctr" anchorCtr="0">
             <a:normAutofit/>
           </a:bodyPr>
           <a:lstStyle>
@@ -2970,7 +2964,7 @@
             </a:lvl9pPr>
           </a:lstStyle>
           <a:p>
-            <a:pPr indent="0" lvl="0" marL="0" rtl="0" algn="r">
+            <a:pPr marL="0" lvl="0" indent="0" algn="r" rtl="0">
               <a:spcBef>
                 <a:spcPts val="0"/>
               </a:spcBef>
@@ -2996,18 +2990,19 @@
 </file>
 
 <file path=ppt/slideLayouts/slideLayout2.xml><?xml version="1.0" encoding="utf-8"?>
-<p:sldLayout xmlns:a="http://schemas.openxmlformats.org/drawingml/2006/main" xmlns:r="http://schemas.openxmlformats.org/officeDocument/2006/relationships" xmlns:mc="http://schemas.openxmlformats.org/markup-compatibility/2006" xmlns:mv="urn:schemas-microsoft-com:mac:vml" xmlns:p="http://schemas.openxmlformats.org/presentationml/2006/main" xmlns:c="http://schemas.openxmlformats.org/drawingml/2006/chart" xmlns:dgm="http://schemas.openxmlformats.org/drawingml/2006/diagram" xmlns:o="urn:schemas-microsoft-com:office:office" xmlns:v="urn:schemas-microsoft-com:vml" xmlns:pvml="urn:schemas-microsoft-com:office:powerpoint" xmlns:com="http://schemas.openxmlformats.org/drawingml/2006/compatibility" xmlns:p14="http://schemas.microsoft.com/office/powerpoint/2010/main" xmlns:p15="http://schemas.microsoft.com/office/powerpoint/2012/main" xmlns:ahyp="http://schemas.microsoft.com/office/drawing/2018/hyperlinkcolor" matchingName="Section header" type="secHead">
+<p:sldLayout xmlns:a="http://schemas.openxmlformats.org/drawingml/2006/main" xmlns:r="http://schemas.openxmlformats.org/officeDocument/2006/relationships" xmlns:p="http://schemas.openxmlformats.org/presentationml/2006/main" matchingName="Section header" type="secHead">
   <p:cSld name="SECTION_HEADER">
     <p:bg>
       <p:bgPr>
         <a:solidFill>
           <a:schemeClr val="dk1"/>
         </a:solidFill>
+        <a:effectLst/>
       </p:bgPr>
     </p:bg>
     <p:spTree>
       <p:nvGrpSpPr>
-        <p:cNvPr id="14" name="Shape 14"/>
+        <p:cNvPr id="1" name="Shape 14"/>
         <p:cNvGrpSpPr/>
         <p:nvPr/>
       </p:nvGrpSpPr>
@@ -3034,21 +3029,23 @@
             <a:avLst/>
           </a:prstGeom>
           <a:noFill/>
-          <a:ln cap="flat" cmpd="sng" w="19050">
+          <a:ln w="19050" cap="flat" cmpd="sng">
             <a:solidFill>
               <a:schemeClr val="lt2"/>
             </a:solidFill>
             <a:prstDash val="solid"/>
             <a:round/>
-            <a:headEnd len="sm" w="sm" type="none"/>
-            <a:tailEnd len="sm" w="sm" type="none"/>
+            <a:headEnd type="none" w="sm" len="sm"/>
+            <a:tailEnd type="none" w="sm" len="sm"/>
           </a:ln>
         </p:spPr>
       </p:cxnSp>
       <p:sp>
         <p:nvSpPr>
           <p:cNvPr id="16" name="Google Shape;16;p3"/>
-          <p:cNvSpPr txBox="1"/>
+          <p:cNvSpPr txBox="1">
+            <a:spLocks noGrp="1"/>
+          </p:cNvSpPr>
           <p:nvPr>
             <p:ph type="title"/>
           </p:nvPr>
@@ -3063,7 +3060,7 @@
           </a:prstGeom>
         </p:spPr>
         <p:txBody>
-          <a:bodyPr anchorCtr="0" anchor="b" bIns="91425" lIns="91425" spcFirstLastPara="1" rIns="91425" wrap="square" tIns="91425">
+          <a:bodyPr spcFirstLastPara="1" wrap="square" lIns="91425" tIns="91425" rIns="91425" bIns="91425" anchor="b" anchorCtr="0">
             <a:normAutofit/>
           </a:bodyPr>
           <a:lstStyle>
@@ -3230,15 +3227,19 @@
               </a:defRPr>
             </a:lvl9pPr>
           </a:lstStyle>
-          <a:p/>
+          <a:p>
+            <a:endParaRPr/>
+          </a:p>
         </p:txBody>
       </p:sp>
       <p:sp>
         <p:nvSpPr>
           <p:cNvPr id="17" name="Google Shape;17;p3"/>
-          <p:cNvSpPr txBox="1"/>
+          <p:cNvSpPr txBox="1">
+            <a:spLocks noGrp="1"/>
+          </p:cNvSpPr>
           <p:nvPr>
-            <p:ph idx="12" type="sldNum"/>
+            <p:ph type="sldNum" idx="12"/>
           </p:nvPr>
         </p:nvSpPr>
         <p:spPr>
@@ -3251,7 +3252,7 @@
           </a:prstGeom>
         </p:spPr>
         <p:txBody>
-          <a:bodyPr anchorCtr="0" anchor="ctr" bIns="91425" lIns="91425" spcFirstLastPara="1" rIns="91425" wrap="square" tIns="91425">
+          <a:bodyPr spcFirstLastPara="1" wrap="square" lIns="91425" tIns="91425" rIns="91425" bIns="91425" anchor="ctr" anchorCtr="0">
             <a:normAutofit/>
           </a:bodyPr>
           <a:lstStyle>
@@ -3329,7 +3330,7 @@
             </a:lvl9pPr>
           </a:lstStyle>
           <a:p>
-            <a:pPr indent="0" lvl="0" marL="0" rtl="0" algn="r">
+            <a:pPr marL="0" lvl="0" indent="0" algn="r" rtl="0">
               <a:spcBef>
                 <a:spcPts val="0"/>
               </a:spcBef>
@@ -3355,11 +3356,11 @@
 </file>
 
 <file path=ppt/slideLayouts/slideLayout3.xml><?xml version="1.0" encoding="utf-8"?>
-<p:sldLayout xmlns:a="http://schemas.openxmlformats.org/drawingml/2006/main" xmlns:r="http://schemas.openxmlformats.org/officeDocument/2006/relationships" xmlns:mc="http://schemas.openxmlformats.org/markup-compatibility/2006" xmlns:mv="urn:schemas-microsoft-com:mac:vml" xmlns:p="http://schemas.openxmlformats.org/presentationml/2006/main" xmlns:c="http://schemas.openxmlformats.org/drawingml/2006/chart" xmlns:dgm="http://schemas.openxmlformats.org/drawingml/2006/diagram" xmlns:o="urn:schemas-microsoft-com:office:office" xmlns:v="urn:schemas-microsoft-com:vml" xmlns:pvml="urn:schemas-microsoft-com:office:powerpoint" xmlns:com="http://schemas.openxmlformats.org/drawingml/2006/compatibility" xmlns:p14="http://schemas.microsoft.com/office/powerpoint/2010/main" xmlns:p15="http://schemas.microsoft.com/office/powerpoint/2012/main" xmlns:ahyp="http://schemas.microsoft.com/office/drawing/2018/hyperlinkcolor" matchingName="Title and body" type="tx">
+<p:sldLayout xmlns:a="http://schemas.openxmlformats.org/drawingml/2006/main" xmlns:r="http://schemas.openxmlformats.org/officeDocument/2006/relationships" xmlns:p="http://schemas.openxmlformats.org/presentationml/2006/main" matchingName="Title and body" type="tx">
   <p:cSld name="TITLE_AND_BODY">
     <p:spTree>
       <p:nvGrpSpPr>
-        <p:cNvPr id="18" name="Shape 18"/>
+        <p:cNvPr id="1" name="Shape 18"/>
         <p:cNvGrpSpPr/>
         <p:nvPr/>
       </p:nvGrpSpPr>
@@ -3393,23 +3394,20 @@
           </a:ln>
         </p:spPr>
         <p:txBody>
-          <a:bodyPr anchorCtr="0" anchor="ctr" bIns="91425" lIns="91425" spcFirstLastPara="1" rIns="91425" wrap="square" tIns="91425">
+          <a:bodyPr spcFirstLastPara="1" wrap="square" lIns="91425" tIns="91425" rIns="91425" bIns="91425" anchor="ctr" anchorCtr="0">
             <a:noAutofit/>
           </a:bodyPr>
           <a:lstStyle/>
           <a:p>
-            <a:pPr indent="0" lvl="0" marL="0" rtl="0" algn="l">
-              <a:spcBef>
-                <a:spcPts val="0"/>
-              </a:spcBef>
-              <a:spcAft>
-                <a:spcPts val="0"/>
-              </a:spcAft>
-              <a:buNone/>
-            </a:pPr>
-            <a:r>
-              <a:t/>
-            </a:r>
+            <a:pPr marL="0" lvl="0" indent="0" algn="l" rtl="0">
+              <a:spcBef>
+                <a:spcPts val="0"/>
+              </a:spcBef>
+              <a:spcAft>
+                <a:spcPts val="0"/>
+              </a:spcAft>
+              <a:buNone/>
+            </a:pPr>
             <a:endParaRPr/>
           </a:p>
         </p:txBody>
@@ -3417,7 +3415,9 @@
       <p:sp>
         <p:nvSpPr>
           <p:cNvPr id="20" name="Google Shape;20;p4"/>
-          <p:cNvSpPr txBox="1"/>
+          <p:cNvSpPr txBox="1">
+            <a:spLocks noGrp="1"/>
+          </p:cNvSpPr>
           <p:nvPr>
             <p:ph type="title"/>
           </p:nvPr>
@@ -3432,7 +3432,7 @@
           </a:prstGeom>
         </p:spPr>
         <p:txBody>
-          <a:bodyPr anchorCtr="0" anchor="t" bIns="91425" lIns="91425" spcFirstLastPara="1" rIns="91425" wrap="square" tIns="91425">
+          <a:bodyPr spcFirstLastPara="1" wrap="square" lIns="91425" tIns="91425" rIns="91425" bIns="91425" anchor="t" anchorCtr="0">
             <a:normAutofit/>
           </a:bodyPr>
           <a:lstStyle>
@@ -3536,15 +3536,19 @@
               <a:defRPr/>
             </a:lvl9pPr>
           </a:lstStyle>
-          <a:p/>
+          <a:p>
+            <a:endParaRPr/>
+          </a:p>
         </p:txBody>
       </p:sp>
       <p:sp>
         <p:nvSpPr>
           <p:cNvPr id="21" name="Google Shape;21;p4"/>
-          <p:cNvSpPr txBox="1"/>
+          <p:cNvSpPr txBox="1">
+            <a:spLocks noGrp="1"/>
+          </p:cNvSpPr>
           <p:nvPr>
-            <p:ph idx="1" type="body"/>
+            <p:ph type="body" idx="1"/>
           </p:nvPr>
         </p:nvSpPr>
         <p:spPr>
@@ -3557,11 +3561,11 @@
           </a:prstGeom>
         </p:spPr>
         <p:txBody>
-          <a:bodyPr anchorCtr="0" anchor="t" bIns="91425" lIns="91425" spcFirstLastPara="1" rIns="91425" wrap="square" tIns="91425">
+          <a:bodyPr spcFirstLastPara="1" wrap="square" lIns="91425" tIns="91425" rIns="91425" bIns="91425" anchor="t" anchorCtr="0">
             <a:normAutofit/>
           </a:bodyPr>
           <a:lstStyle>
-            <a:lvl1pPr indent="-342900" lvl="0" marL="457200">
+            <a:lvl1pPr marL="457200" lvl="0" indent="-342900">
               <a:spcBef>
                 <a:spcPts val="0"/>
               </a:spcBef>
@@ -3572,7 +3576,7 @@
               <a:buChar char="●"/>
               <a:defRPr/>
             </a:lvl1pPr>
-            <a:lvl2pPr indent="-317500" lvl="1" marL="914400">
+            <a:lvl2pPr marL="914400" lvl="1" indent="-317500">
               <a:spcBef>
                 <a:spcPts val="0"/>
               </a:spcBef>
@@ -3583,7 +3587,7 @@
               <a:buChar char="○"/>
               <a:defRPr/>
             </a:lvl2pPr>
-            <a:lvl3pPr indent="-317500" lvl="2" marL="1371600">
+            <a:lvl3pPr marL="1371600" lvl="2" indent="-317500">
               <a:spcBef>
                 <a:spcPts val="0"/>
               </a:spcBef>
@@ -3594,7 +3598,7 @@
               <a:buChar char="■"/>
               <a:defRPr/>
             </a:lvl3pPr>
-            <a:lvl4pPr indent="-317500" lvl="3" marL="1828800">
+            <a:lvl4pPr marL="1828800" lvl="3" indent="-317500">
               <a:spcBef>
                 <a:spcPts val="0"/>
               </a:spcBef>
@@ -3605,7 +3609,7 @@
               <a:buChar char="●"/>
               <a:defRPr/>
             </a:lvl4pPr>
-            <a:lvl5pPr indent="-317500" lvl="4" marL="2286000">
+            <a:lvl5pPr marL="2286000" lvl="4" indent="-317500">
               <a:spcBef>
                 <a:spcPts val="0"/>
               </a:spcBef>
@@ -3616,7 +3620,7 @@
               <a:buChar char="○"/>
               <a:defRPr/>
             </a:lvl5pPr>
-            <a:lvl6pPr indent="-317500" lvl="5" marL="2743200">
+            <a:lvl6pPr marL="2743200" lvl="5" indent="-317500">
               <a:spcBef>
                 <a:spcPts val="0"/>
               </a:spcBef>
@@ -3627,7 +3631,7 @@
               <a:buChar char="■"/>
               <a:defRPr/>
             </a:lvl6pPr>
-            <a:lvl7pPr indent="-317500" lvl="6" marL="3200400">
+            <a:lvl7pPr marL="3200400" lvl="6" indent="-317500">
               <a:spcBef>
                 <a:spcPts val="0"/>
               </a:spcBef>
@@ -3638,7 +3642,7 @@
               <a:buChar char="●"/>
               <a:defRPr/>
             </a:lvl7pPr>
-            <a:lvl8pPr indent="-317500" lvl="7" marL="3657600">
+            <a:lvl8pPr marL="3657600" lvl="7" indent="-317500">
               <a:spcBef>
                 <a:spcPts val="0"/>
               </a:spcBef>
@@ -3649,7 +3653,7 @@
               <a:buChar char="○"/>
               <a:defRPr/>
             </a:lvl8pPr>
-            <a:lvl9pPr indent="-317500" lvl="8" marL="4114800">
+            <a:lvl9pPr marL="4114800" lvl="8" indent="-317500">
               <a:spcBef>
                 <a:spcPts val="0"/>
               </a:spcBef>
@@ -3661,15 +3665,19 @@
               <a:defRPr/>
             </a:lvl9pPr>
           </a:lstStyle>
-          <a:p/>
+          <a:p>
+            <a:endParaRPr/>
+          </a:p>
         </p:txBody>
       </p:sp>
       <p:sp>
         <p:nvSpPr>
           <p:cNvPr id="22" name="Google Shape;22;p4"/>
-          <p:cNvSpPr txBox="1"/>
+          <p:cNvSpPr txBox="1">
+            <a:spLocks noGrp="1"/>
+          </p:cNvSpPr>
           <p:nvPr>
-            <p:ph idx="12" type="sldNum"/>
+            <p:ph type="sldNum" idx="12"/>
           </p:nvPr>
         </p:nvSpPr>
         <p:spPr>
@@ -3682,7 +3690,7 @@
           </a:prstGeom>
         </p:spPr>
         <p:txBody>
-          <a:bodyPr anchorCtr="0" anchor="ctr" bIns="91425" lIns="91425" spcFirstLastPara="1" rIns="91425" wrap="square" tIns="91425">
+          <a:bodyPr spcFirstLastPara="1" wrap="square" lIns="91425" tIns="91425" rIns="91425" bIns="91425" anchor="ctr" anchorCtr="0">
             <a:normAutofit/>
           </a:bodyPr>
           <a:lstStyle>
@@ -3724,7 +3732,7 @@
             </a:lvl9pPr>
           </a:lstStyle>
           <a:p>
-            <a:pPr indent="0" lvl="0" marL="0" rtl="0" algn="r">
+            <a:pPr marL="0" lvl="0" indent="0" algn="r" rtl="0">
               <a:spcBef>
                 <a:spcPts val="0"/>
               </a:spcBef>
@@ -3750,11 +3758,11 @@
 </file>
 
 <file path=ppt/slideLayouts/slideLayout4.xml><?xml version="1.0" encoding="utf-8"?>
-<p:sldLayout xmlns:a="http://schemas.openxmlformats.org/drawingml/2006/main" xmlns:r="http://schemas.openxmlformats.org/officeDocument/2006/relationships" xmlns:mc="http://schemas.openxmlformats.org/markup-compatibility/2006" xmlns:mv="urn:schemas-microsoft-com:mac:vml" xmlns:p="http://schemas.openxmlformats.org/presentationml/2006/main" xmlns:c="http://schemas.openxmlformats.org/drawingml/2006/chart" xmlns:dgm="http://schemas.openxmlformats.org/drawingml/2006/diagram" xmlns:o="urn:schemas-microsoft-com:office:office" xmlns:v="urn:schemas-microsoft-com:vml" xmlns:pvml="urn:schemas-microsoft-com:office:powerpoint" xmlns:com="http://schemas.openxmlformats.org/drawingml/2006/compatibility" xmlns:p14="http://schemas.microsoft.com/office/powerpoint/2010/main" xmlns:p15="http://schemas.microsoft.com/office/powerpoint/2012/main" xmlns:ahyp="http://schemas.microsoft.com/office/drawing/2018/hyperlinkcolor" matchingName="Title and two columns" type="twoColTx">
+<p:sldLayout xmlns:a="http://schemas.openxmlformats.org/drawingml/2006/main" xmlns:r="http://schemas.openxmlformats.org/officeDocument/2006/relationships" xmlns:p="http://schemas.openxmlformats.org/presentationml/2006/main" matchingName="Title and two columns" type="twoColTx">
   <p:cSld name="TITLE_AND_TWO_COLUMNS">
     <p:spTree>
       <p:nvGrpSpPr>
-        <p:cNvPr id="23" name="Shape 23"/>
+        <p:cNvPr id="1" name="Shape 23"/>
         <p:cNvGrpSpPr/>
         <p:nvPr/>
       </p:nvGrpSpPr>
@@ -3769,7 +3777,9 @@
       <p:sp>
         <p:nvSpPr>
           <p:cNvPr id="24" name="Google Shape;24;p5"/>
-          <p:cNvSpPr txBox="1"/>
+          <p:cNvSpPr txBox="1">
+            <a:spLocks noGrp="1"/>
+          </p:cNvSpPr>
           <p:nvPr>
             <p:ph type="title"/>
           </p:nvPr>
@@ -3784,7 +3794,7 @@
           </a:prstGeom>
         </p:spPr>
         <p:txBody>
-          <a:bodyPr anchorCtr="0" anchor="t" bIns="91425" lIns="91425" spcFirstLastPara="1" rIns="91425" wrap="square" tIns="91425">
+          <a:bodyPr spcFirstLastPara="1" wrap="square" lIns="91425" tIns="91425" rIns="91425" bIns="91425" anchor="t" anchorCtr="0">
             <a:normAutofit/>
           </a:bodyPr>
           <a:lstStyle>
@@ -3888,15 +3898,19 @@
               <a:defRPr/>
             </a:lvl9pPr>
           </a:lstStyle>
-          <a:p/>
+          <a:p>
+            <a:endParaRPr/>
+          </a:p>
         </p:txBody>
       </p:sp>
       <p:sp>
         <p:nvSpPr>
           <p:cNvPr id="25" name="Google Shape;25;p5"/>
-          <p:cNvSpPr txBox="1"/>
+          <p:cNvSpPr txBox="1">
+            <a:spLocks noGrp="1"/>
+          </p:cNvSpPr>
           <p:nvPr>
-            <p:ph idx="1" type="body"/>
+            <p:ph type="body" idx="1"/>
           </p:nvPr>
         </p:nvSpPr>
         <p:spPr>
@@ -3909,11 +3923,11 @@
           </a:prstGeom>
         </p:spPr>
         <p:txBody>
-          <a:bodyPr anchorCtr="0" anchor="t" bIns="91425" lIns="91425" spcFirstLastPara="1" rIns="91425" wrap="square" tIns="91425">
+          <a:bodyPr spcFirstLastPara="1" wrap="square" lIns="91425" tIns="91425" rIns="91425" bIns="91425" anchor="t" anchorCtr="0">
             <a:normAutofit/>
           </a:bodyPr>
           <a:lstStyle>
-            <a:lvl1pPr indent="-317500" lvl="0" marL="457200">
+            <a:lvl1pPr marL="457200" lvl="0" indent="-317500">
               <a:spcBef>
                 <a:spcPts val="0"/>
               </a:spcBef>
@@ -3924,7 +3938,7 @@
               <a:buChar char="●"/>
               <a:defRPr sz="1400"/>
             </a:lvl1pPr>
-            <a:lvl2pPr indent="-304800" lvl="1" marL="914400">
+            <a:lvl2pPr marL="914400" lvl="1" indent="-304800">
               <a:spcBef>
                 <a:spcPts val="0"/>
               </a:spcBef>
@@ -3935,7 +3949,7 @@
               <a:buChar char="○"/>
               <a:defRPr sz="1200"/>
             </a:lvl2pPr>
-            <a:lvl3pPr indent="-304800" lvl="2" marL="1371600">
+            <a:lvl3pPr marL="1371600" lvl="2" indent="-304800">
               <a:spcBef>
                 <a:spcPts val="0"/>
               </a:spcBef>
@@ -3946,7 +3960,7 @@
               <a:buChar char="■"/>
               <a:defRPr sz="1200"/>
             </a:lvl3pPr>
-            <a:lvl4pPr indent="-304800" lvl="3" marL="1828800">
+            <a:lvl4pPr marL="1828800" lvl="3" indent="-304800">
               <a:spcBef>
                 <a:spcPts val="0"/>
               </a:spcBef>
@@ -3957,7 +3971,7 @@
               <a:buChar char="●"/>
               <a:defRPr sz="1200"/>
             </a:lvl4pPr>
-            <a:lvl5pPr indent="-304800" lvl="4" marL="2286000">
+            <a:lvl5pPr marL="2286000" lvl="4" indent="-304800">
               <a:spcBef>
                 <a:spcPts val="0"/>
               </a:spcBef>
@@ -3968,7 +3982,7 @@
               <a:buChar char="○"/>
               <a:defRPr sz="1200"/>
             </a:lvl5pPr>
-            <a:lvl6pPr indent="-304800" lvl="5" marL="2743200">
+            <a:lvl6pPr marL="2743200" lvl="5" indent="-304800">
               <a:spcBef>
                 <a:spcPts val="0"/>
               </a:spcBef>
@@ -3979,7 +3993,7 @@
               <a:buChar char="■"/>
               <a:defRPr sz="1200"/>
             </a:lvl6pPr>
-            <a:lvl7pPr indent="-304800" lvl="6" marL="3200400">
+            <a:lvl7pPr marL="3200400" lvl="6" indent="-304800">
               <a:spcBef>
                 <a:spcPts val="0"/>
               </a:spcBef>
@@ -3990,7 +4004,7 @@
               <a:buChar char="●"/>
               <a:defRPr sz="1200"/>
             </a:lvl7pPr>
-            <a:lvl8pPr indent="-304800" lvl="7" marL="3657600">
+            <a:lvl8pPr marL="3657600" lvl="7" indent="-304800">
               <a:spcBef>
                 <a:spcPts val="0"/>
               </a:spcBef>
@@ -4001,7 +4015,7 @@
               <a:buChar char="○"/>
               <a:defRPr sz="1200"/>
             </a:lvl8pPr>
-            <a:lvl9pPr indent="-304800" lvl="8" marL="4114800">
+            <a:lvl9pPr marL="4114800" lvl="8" indent="-304800">
               <a:spcBef>
                 <a:spcPts val="0"/>
               </a:spcBef>
@@ -4013,15 +4027,19 @@
               <a:defRPr sz="1200"/>
             </a:lvl9pPr>
           </a:lstStyle>
-          <a:p/>
+          <a:p>
+            <a:endParaRPr/>
+          </a:p>
         </p:txBody>
       </p:sp>
       <p:sp>
         <p:nvSpPr>
           <p:cNvPr id="26" name="Google Shape;26;p5"/>
-          <p:cNvSpPr txBox="1"/>
+          <p:cNvSpPr txBox="1">
+            <a:spLocks noGrp="1"/>
+          </p:cNvSpPr>
           <p:nvPr>
-            <p:ph idx="2" type="body"/>
+            <p:ph type="body" idx="2"/>
           </p:nvPr>
         </p:nvSpPr>
         <p:spPr>
@@ -4034,11 +4052,11 @@
           </a:prstGeom>
         </p:spPr>
         <p:txBody>
-          <a:bodyPr anchorCtr="0" anchor="t" bIns="91425" lIns="91425" spcFirstLastPara="1" rIns="91425" wrap="square" tIns="91425">
+          <a:bodyPr spcFirstLastPara="1" wrap="square" lIns="91425" tIns="91425" rIns="91425" bIns="91425" anchor="t" anchorCtr="0">
             <a:normAutofit/>
           </a:bodyPr>
           <a:lstStyle>
-            <a:lvl1pPr indent="-317500" lvl="0" marL="457200">
+            <a:lvl1pPr marL="457200" lvl="0" indent="-317500">
               <a:spcBef>
                 <a:spcPts val="0"/>
               </a:spcBef>
@@ -4049,7 +4067,7 @@
               <a:buChar char="●"/>
               <a:defRPr sz="1400"/>
             </a:lvl1pPr>
-            <a:lvl2pPr indent="-304800" lvl="1" marL="914400">
+            <a:lvl2pPr marL="914400" lvl="1" indent="-304800">
               <a:spcBef>
                 <a:spcPts val="0"/>
               </a:spcBef>
@@ -4060,7 +4078,7 @@
               <a:buChar char="○"/>
               <a:defRPr sz="1200"/>
             </a:lvl2pPr>
-            <a:lvl3pPr indent="-304800" lvl="2" marL="1371600">
+            <a:lvl3pPr marL="1371600" lvl="2" indent="-304800">
               <a:spcBef>
                 <a:spcPts val="0"/>
               </a:spcBef>
@@ -4071,7 +4089,7 @@
               <a:buChar char="■"/>
               <a:defRPr sz="1200"/>
             </a:lvl3pPr>
-            <a:lvl4pPr indent="-304800" lvl="3" marL="1828800">
+            <a:lvl4pPr marL="1828800" lvl="3" indent="-304800">
               <a:spcBef>
                 <a:spcPts val="0"/>
               </a:spcBef>
@@ -4082,7 +4100,7 @@
               <a:buChar char="●"/>
               <a:defRPr sz="1200"/>
             </a:lvl4pPr>
-            <a:lvl5pPr indent="-304800" lvl="4" marL="2286000">
+            <a:lvl5pPr marL="2286000" lvl="4" indent="-304800">
               <a:spcBef>
                 <a:spcPts val="0"/>
               </a:spcBef>
@@ -4093,7 +4111,7 @@
               <a:buChar char="○"/>
               <a:defRPr sz="1200"/>
             </a:lvl5pPr>
-            <a:lvl6pPr indent="-304800" lvl="5" marL="2743200">
+            <a:lvl6pPr marL="2743200" lvl="5" indent="-304800">
               <a:spcBef>
                 <a:spcPts val="0"/>
               </a:spcBef>
@@ -4104,7 +4122,7 @@
               <a:buChar char="■"/>
               <a:defRPr sz="1200"/>
             </a:lvl6pPr>
-            <a:lvl7pPr indent="-304800" lvl="6" marL="3200400">
+            <a:lvl7pPr marL="3200400" lvl="6" indent="-304800">
               <a:spcBef>
                 <a:spcPts val="0"/>
               </a:spcBef>
@@ -4115,7 +4133,7 @@
               <a:buChar char="●"/>
               <a:defRPr sz="1200"/>
             </a:lvl7pPr>
-            <a:lvl8pPr indent="-304800" lvl="7" marL="3657600">
+            <a:lvl8pPr marL="3657600" lvl="7" indent="-304800">
               <a:spcBef>
                 <a:spcPts val="0"/>
               </a:spcBef>
@@ -4126,7 +4144,7 @@
               <a:buChar char="○"/>
               <a:defRPr sz="1200"/>
             </a:lvl8pPr>
-            <a:lvl9pPr indent="-304800" lvl="8" marL="4114800">
+            <a:lvl9pPr marL="4114800" lvl="8" indent="-304800">
               <a:spcBef>
                 <a:spcPts val="0"/>
               </a:spcBef>
@@ -4138,15 +4156,19 @@
               <a:defRPr sz="1200"/>
             </a:lvl9pPr>
           </a:lstStyle>
-          <a:p/>
+          <a:p>
+            <a:endParaRPr/>
+          </a:p>
         </p:txBody>
       </p:sp>
       <p:sp>
         <p:nvSpPr>
           <p:cNvPr id="27" name="Google Shape;27;p5"/>
-          <p:cNvSpPr txBox="1"/>
+          <p:cNvSpPr txBox="1">
+            <a:spLocks noGrp="1"/>
+          </p:cNvSpPr>
           <p:nvPr>
-            <p:ph idx="12" type="sldNum"/>
+            <p:ph type="sldNum" idx="12"/>
           </p:nvPr>
         </p:nvSpPr>
         <p:spPr>
@@ -4159,7 +4181,7 @@
           </a:prstGeom>
         </p:spPr>
         <p:txBody>
-          <a:bodyPr anchorCtr="0" anchor="ctr" bIns="91425" lIns="91425" spcFirstLastPara="1" rIns="91425" wrap="square" tIns="91425">
+          <a:bodyPr spcFirstLastPara="1" wrap="square" lIns="91425" tIns="91425" rIns="91425" bIns="91425" anchor="ctr" anchorCtr="0">
             <a:normAutofit/>
           </a:bodyPr>
           <a:lstStyle>
@@ -4201,7 +4223,7 @@
             </a:lvl9pPr>
           </a:lstStyle>
           <a:p>
-            <a:pPr indent="0" lvl="0" marL="0" rtl="0" algn="r">
+            <a:pPr marL="0" lvl="0" indent="0" algn="r" rtl="0">
               <a:spcBef>
                 <a:spcPts val="0"/>
               </a:spcBef>
@@ -4227,11 +4249,11 @@
 </file>
 
 <file path=ppt/slideLayouts/slideLayout5.xml><?xml version="1.0" encoding="utf-8"?>
-<p:sldLayout xmlns:a="http://schemas.openxmlformats.org/drawingml/2006/main" xmlns:r="http://schemas.openxmlformats.org/officeDocument/2006/relationships" xmlns:mc="http://schemas.openxmlformats.org/markup-compatibility/2006" xmlns:mv="urn:schemas-microsoft-com:mac:vml" xmlns:p="http://schemas.openxmlformats.org/presentationml/2006/main" xmlns:c="http://schemas.openxmlformats.org/drawingml/2006/chart" xmlns:dgm="http://schemas.openxmlformats.org/drawingml/2006/diagram" xmlns:o="urn:schemas-microsoft-com:office:office" xmlns:v="urn:schemas-microsoft-com:vml" xmlns:pvml="urn:schemas-microsoft-com:office:powerpoint" xmlns:com="http://schemas.openxmlformats.org/drawingml/2006/compatibility" xmlns:p14="http://schemas.microsoft.com/office/powerpoint/2010/main" xmlns:p15="http://schemas.microsoft.com/office/powerpoint/2012/main" xmlns:ahyp="http://schemas.microsoft.com/office/drawing/2018/hyperlinkcolor" matchingName="Title only" type="titleOnly">
+<p:sldLayout xmlns:a="http://schemas.openxmlformats.org/drawingml/2006/main" xmlns:r="http://schemas.openxmlformats.org/officeDocument/2006/relationships" xmlns:p="http://schemas.openxmlformats.org/presentationml/2006/main" matchingName="Title only" type="titleOnly">
   <p:cSld name="TITLE_ONLY">
     <p:spTree>
       <p:nvGrpSpPr>
-        <p:cNvPr id="28" name="Shape 28"/>
+        <p:cNvPr id="1" name="Shape 28"/>
         <p:cNvGrpSpPr/>
         <p:nvPr/>
       </p:nvGrpSpPr>
@@ -4246,7 +4268,9 @@
       <p:sp>
         <p:nvSpPr>
           <p:cNvPr id="29" name="Google Shape;29;p6"/>
-          <p:cNvSpPr txBox="1"/>
+          <p:cNvSpPr txBox="1">
+            <a:spLocks noGrp="1"/>
+          </p:cNvSpPr>
           <p:nvPr>
             <p:ph type="title"/>
           </p:nvPr>
@@ -4261,7 +4285,7 @@
           </a:prstGeom>
         </p:spPr>
         <p:txBody>
-          <a:bodyPr anchorCtr="0" anchor="t" bIns="91425" lIns="91425" spcFirstLastPara="1" rIns="91425" wrap="square" tIns="91425">
+          <a:bodyPr spcFirstLastPara="1" wrap="square" lIns="91425" tIns="91425" rIns="91425" bIns="91425" anchor="t" anchorCtr="0">
             <a:normAutofit/>
           </a:bodyPr>
           <a:lstStyle>
@@ -4365,15 +4389,19 @@
               <a:defRPr/>
             </a:lvl9pPr>
           </a:lstStyle>
-          <a:p/>
+          <a:p>
+            <a:endParaRPr/>
+          </a:p>
         </p:txBody>
       </p:sp>
       <p:sp>
         <p:nvSpPr>
           <p:cNvPr id="30" name="Google Shape;30;p6"/>
-          <p:cNvSpPr txBox="1"/>
+          <p:cNvSpPr txBox="1">
+            <a:spLocks noGrp="1"/>
+          </p:cNvSpPr>
           <p:nvPr>
-            <p:ph idx="12" type="sldNum"/>
+            <p:ph type="sldNum" idx="12"/>
           </p:nvPr>
         </p:nvSpPr>
         <p:spPr>
@@ -4386,7 +4414,7 @@
           </a:prstGeom>
         </p:spPr>
         <p:txBody>
-          <a:bodyPr anchorCtr="0" anchor="ctr" bIns="91425" lIns="91425" spcFirstLastPara="1" rIns="91425" wrap="square" tIns="91425">
+          <a:bodyPr spcFirstLastPara="1" wrap="square" lIns="91425" tIns="91425" rIns="91425" bIns="91425" anchor="ctr" anchorCtr="0">
             <a:normAutofit/>
           </a:bodyPr>
           <a:lstStyle>
@@ -4428,7 +4456,7 @@
             </a:lvl9pPr>
           </a:lstStyle>
           <a:p>
-            <a:pPr indent="0" lvl="0" marL="0" rtl="0" algn="r">
+            <a:pPr marL="0" lvl="0" indent="0" algn="r" rtl="0">
               <a:spcBef>
                 <a:spcPts val="0"/>
               </a:spcBef>
@@ -4454,11 +4482,11 @@
 </file>
 
 <file path=ppt/slideLayouts/slideLayout6.xml><?xml version="1.0" encoding="utf-8"?>
-<p:sldLayout xmlns:a="http://schemas.openxmlformats.org/drawingml/2006/main" xmlns:r="http://schemas.openxmlformats.org/officeDocument/2006/relationships" xmlns:mc="http://schemas.openxmlformats.org/markup-compatibility/2006" xmlns:mv="urn:schemas-microsoft-com:mac:vml" xmlns:p="http://schemas.openxmlformats.org/presentationml/2006/main" xmlns:c="http://schemas.openxmlformats.org/drawingml/2006/chart" xmlns:dgm="http://schemas.openxmlformats.org/drawingml/2006/diagram" xmlns:o="urn:schemas-microsoft-com:office:office" xmlns:v="urn:schemas-microsoft-com:vml" xmlns:pvml="urn:schemas-microsoft-com:office:powerpoint" xmlns:com="http://schemas.openxmlformats.org/drawingml/2006/compatibility" xmlns:p14="http://schemas.microsoft.com/office/powerpoint/2010/main" xmlns:p15="http://schemas.microsoft.com/office/powerpoint/2012/main" xmlns:ahyp="http://schemas.microsoft.com/office/drawing/2018/hyperlinkcolor" matchingName="One column text">
+<p:sldLayout xmlns:a="http://schemas.openxmlformats.org/drawingml/2006/main" xmlns:r="http://schemas.openxmlformats.org/officeDocument/2006/relationships" xmlns:p="http://schemas.openxmlformats.org/presentationml/2006/main" matchingName="One column text">
   <p:cSld name="ONE_COLUMN_TEXT">
     <p:spTree>
       <p:nvGrpSpPr>
-        <p:cNvPr id="31" name="Shape 31"/>
+        <p:cNvPr id="1" name="Shape 31"/>
         <p:cNvGrpSpPr/>
         <p:nvPr/>
       </p:nvGrpSpPr>
@@ -4473,7 +4501,9 @@
       <p:sp>
         <p:nvSpPr>
           <p:cNvPr id="32" name="Google Shape;32;p7"/>
-          <p:cNvSpPr txBox="1"/>
+          <p:cNvSpPr txBox="1">
+            <a:spLocks noGrp="1"/>
+          </p:cNvSpPr>
           <p:nvPr>
             <p:ph type="title"/>
           </p:nvPr>
@@ -4488,7 +4518,7 @@
           </a:prstGeom>
         </p:spPr>
         <p:txBody>
-          <a:bodyPr anchorCtr="0" anchor="b" bIns="91425" lIns="91425" spcFirstLastPara="1" rIns="91425" wrap="square" tIns="91425">
+          <a:bodyPr spcFirstLastPara="1" wrap="square" lIns="91425" tIns="91425" rIns="91425" bIns="91425" anchor="b" anchorCtr="0">
             <a:normAutofit/>
           </a:bodyPr>
           <a:lstStyle>
@@ -4592,15 +4622,19 @@
               <a:defRPr sz="2400"/>
             </a:lvl9pPr>
           </a:lstStyle>
-          <a:p/>
+          <a:p>
+            <a:endParaRPr/>
+          </a:p>
         </p:txBody>
       </p:sp>
       <p:sp>
         <p:nvSpPr>
           <p:cNvPr id="33" name="Google Shape;33;p7"/>
-          <p:cNvSpPr txBox="1"/>
+          <p:cNvSpPr txBox="1">
+            <a:spLocks noGrp="1"/>
+          </p:cNvSpPr>
           <p:nvPr>
-            <p:ph idx="1" type="body"/>
+            <p:ph type="body" idx="1"/>
           </p:nvPr>
         </p:nvSpPr>
         <p:spPr>
@@ -4613,11 +4647,11 @@
           </a:prstGeom>
         </p:spPr>
         <p:txBody>
-          <a:bodyPr anchorCtr="0" anchor="t" bIns="91425" lIns="91425" spcFirstLastPara="1" rIns="91425" wrap="square" tIns="91425">
+          <a:bodyPr spcFirstLastPara="1" wrap="square" lIns="91425" tIns="91425" rIns="91425" bIns="91425" anchor="t" anchorCtr="0">
             <a:normAutofit/>
           </a:bodyPr>
           <a:lstStyle>
-            <a:lvl1pPr indent="-304800" lvl="0" marL="457200">
+            <a:lvl1pPr marL="457200" lvl="0" indent="-304800">
               <a:spcBef>
                 <a:spcPts val="0"/>
               </a:spcBef>
@@ -4628,7 +4662,7 @@
               <a:buChar char="●"/>
               <a:defRPr sz="1200"/>
             </a:lvl1pPr>
-            <a:lvl2pPr indent="-304800" lvl="1" marL="914400">
+            <a:lvl2pPr marL="914400" lvl="1" indent="-304800">
               <a:spcBef>
                 <a:spcPts val="0"/>
               </a:spcBef>
@@ -4639,7 +4673,7 @@
               <a:buChar char="○"/>
               <a:defRPr sz="1200"/>
             </a:lvl2pPr>
-            <a:lvl3pPr indent="-304800" lvl="2" marL="1371600">
+            <a:lvl3pPr marL="1371600" lvl="2" indent="-304800">
               <a:spcBef>
                 <a:spcPts val="0"/>
               </a:spcBef>
@@ -4650,7 +4684,7 @@
               <a:buChar char="■"/>
               <a:defRPr sz="1200"/>
             </a:lvl3pPr>
-            <a:lvl4pPr indent="-304800" lvl="3" marL="1828800">
+            <a:lvl4pPr marL="1828800" lvl="3" indent="-304800">
               <a:spcBef>
                 <a:spcPts val="0"/>
               </a:spcBef>
@@ -4661,7 +4695,7 @@
               <a:buChar char="●"/>
               <a:defRPr sz="1200"/>
             </a:lvl4pPr>
-            <a:lvl5pPr indent="-304800" lvl="4" marL="2286000">
+            <a:lvl5pPr marL="2286000" lvl="4" indent="-304800">
               <a:spcBef>
                 <a:spcPts val="0"/>
               </a:spcBef>
@@ -4672,7 +4706,7 @@
               <a:buChar char="○"/>
               <a:defRPr sz="1200"/>
             </a:lvl5pPr>
-            <a:lvl6pPr indent="-304800" lvl="5" marL="2743200">
+            <a:lvl6pPr marL="2743200" lvl="5" indent="-304800">
               <a:spcBef>
                 <a:spcPts val="0"/>
               </a:spcBef>
@@ -4683,7 +4717,7 @@
               <a:buChar char="■"/>
               <a:defRPr sz="1200"/>
             </a:lvl6pPr>
-            <a:lvl7pPr indent="-304800" lvl="6" marL="3200400">
+            <a:lvl7pPr marL="3200400" lvl="6" indent="-304800">
               <a:spcBef>
                 <a:spcPts val="0"/>
               </a:spcBef>
@@ -4694,7 +4728,7 @@
               <a:buChar char="●"/>
               <a:defRPr sz="1200"/>
             </a:lvl7pPr>
-            <a:lvl8pPr indent="-304800" lvl="7" marL="3657600">
+            <a:lvl8pPr marL="3657600" lvl="7" indent="-304800">
               <a:spcBef>
                 <a:spcPts val="0"/>
               </a:spcBef>
@@ -4705,7 +4739,7 @@
               <a:buChar char="○"/>
               <a:defRPr sz="1200"/>
             </a:lvl8pPr>
-            <a:lvl9pPr indent="-304800" lvl="8" marL="4114800">
+            <a:lvl9pPr marL="4114800" lvl="8" indent="-304800">
               <a:spcBef>
                 <a:spcPts val="0"/>
               </a:spcBef>
@@ -4717,15 +4751,19 @@
               <a:defRPr sz="1200"/>
             </a:lvl9pPr>
           </a:lstStyle>
-          <a:p/>
+          <a:p>
+            <a:endParaRPr/>
+          </a:p>
         </p:txBody>
       </p:sp>
       <p:sp>
         <p:nvSpPr>
           <p:cNvPr id="34" name="Google Shape;34;p7"/>
-          <p:cNvSpPr txBox="1"/>
+          <p:cNvSpPr txBox="1">
+            <a:spLocks noGrp="1"/>
+          </p:cNvSpPr>
           <p:nvPr>
-            <p:ph idx="12" type="sldNum"/>
+            <p:ph type="sldNum" idx="12"/>
           </p:nvPr>
         </p:nvSpPr>
         <p:spPr>
@@ -4738,7 +4776,7 @@
           </a:prstGeom>
         </p:spPr>
         <p:txBody>
-          <a:bodyPr anchorCtr="0" anchor="ctr" bIns="91425" lIns="91425" spcFirstLastPara="1" rIns="91425" wrap="square" tIns="91425">
+          <a:bodyPr spcFirstLastPara="1" wrap="square" lIns="91425" tIns="91425" rIns="91425" bIns="91425" anchor="ctr" anchorCtr="0">
             <a:normAutofit/>
           </a:bodyPr>
           <a:lstStyle>
@@ -4780,7 +4818,7 @@
             </a:lvl9pPr>
           </a:lstStyle>
           <a:p>
-            <a:pPr indent="0" lvl="0" marL="0" rtl="0" algn="r">
+            <a:pPr marL="0" lvl="0" indent="0" algn="r" rtl="0">
               <a:spcBef>
                 <a:spcPts val="0"/>
               </a:spcBef>
@@ -4806,18 +4844,19 @@
 </file>
 
 <file path=ppt/slideLayouts/slideLayout7.xml><?xml version="1.0" encoding="utf-8"?>
-<p:sldLayout xmlns:a="http://schemas.openxmlformats.org/drawingml/2006/main" xmlns:r="http://schemas.openxmlformats.org/officeDocument/2006/relationships" xmlns:mc="http://schemas.openxmlformats.org/markup-compatibility/2006" xmlns:mv="urn:schemas-microsoft-com:mac:vml" xmlns:p="http://schemas.openxmlformats.org/presentationml/2006/main" xmlns:c="http://schemas.openxmlformats.org/drawingml/2006/chart" xmlns:dgm="http://schemas.openxmlformats.org/drawingml/2006/diagram" xmlns:o="urn:schemas-microsoft-com:office:office" xmlns:v="urn:schemas-microsoft-com:vml" xmlns:pvml="urn:schemas-microsoft-com:office:powerpoint" xmlns:com="http://schemas.openxmlformats.org/drawingml/2006/compatibility" xmlns:p14="http://schemas.microsoft.com/office/powerpoint/2010/main" xmlns:p15="http://schemas.microsoft.com/office/powerpoint/2012/main" xmlns:ahyp="http://schemas.microsoft.com/office/drawing/2018/hyperlinkcolor" matchingName="Main point">
+<p:sldLayout xmlns:a="http://schemas.openxmlformats.org/drawingml/2006/main" xmlns:r="http://schemas.openxmlformats.org/officeDocument/2006/relationships" xmlns:p="http://schemas.openxmlformats.org/presentationml/2006/main" matchingName="Main point">
   <p:cSld name="MAIN_POINT">
     <p:bg>
       <p:bgPr>
         <a:solidFill>
           <a:schemeClr val="lt2"/>
         </a:solidFill>
+        <a:effectLst/>
       </p:bgPr>
     </p:bg>
     <p:spTree>
       <p:nvGrpSpPr>
-        <p:cNvPr id="35" name="Shape 35"/>
+        <p:cNvPr id="1" name="Shape 35"/>
         <p:cNvGrpSpPr/>
         <p:nvPr/>
       </p:nvGrpSpPr>
@@ -4832,7 +4871,9 @@
       <p:sp>
         <p:nvSpPr>
           <p:cNvPr id="36" name="Google Shape;36;p8"/>
-          <p:cNvSpPr txBox="1"/>
+          <p:cNvSpPr txBox="1">
+            <a:spLocks noGrp="1"/>
+          </p:cNvSpPr>
           <p:nvPr>
             <p:ph type="title"/>
           </p:nvPr>
@@ -4847,7 +4888,7 @@
           </a:prstGeom>
         </p:spPr>
         <p:txBody>
-          <a:bodyPr anchorCtr="0" anchor="ctr" bIns="91425" lIns="91425" spcFirstLastPara="1" rIns="91425" wrap="square" tIns="91425">
+          <a:bodyPr spcFirstLastPara="1" wrap="square" lIns="91425" tIns="91425" rIns="91425" bIns="91425" anchor="ctr" anchorCtr="0">
             <a:normAutofit/>
           </a:bodyPr>
           <a:lstStyle>
@@ -4951,15 +4992,19 @@
               <a:defRPr sz="4800"/>
             </a:lvl9pPr>
           </a:lstStyle>
-          <a:p/>
+          <a:p>
+            <a:endParaRPr/>
+          </a:p>
         </p:txBody>
       </p:sp>
       <p:sp>
         <p:nvSpPr>
           <p:cNvPr id="37" name="Google Shape;37;p8"/>
-          <p:cNvSpPr txBox="1"/>
+          <p:cNvSpPr txBox="1">
+            <a:spLocks noGrp="1"/>
+          </p:cNvSpPr>
           <p:nvPr>
-            <p:ph idx="12" type="sldNum"/>
+            <p:ph type="sldNum" idx="12"/>
           </p:nvPr>
         </p:nvSpPr>
         <p:spPr>
@@ -4972,7 +5017,7 @@
           </a:prstGeom>
         </p:spPr>
         <p:txBody>
-          <a:bodyPr anchorCtr="0" anchor="ctr" bIns="91425" lIns="91425" spcFirstLastPara="1" rIns="91425" wrap="square" tIns="91425">
+          <a:bodyPr spcFirstLastPara="1" wrap="square" lIns="91425" tIns="91425" rIns="91425" bIns="91425" anchor="ctr" anchorCtr="0">
             <a:normAutofit/>
           </a:bodyPr>
           <a:lstStyle>
@@ -5014,7 +5059,7 @@
             </a:lvl9pPr>
           </a:lstStyle>
           <a:p>
-            <a:pPr indent="0" lvl="0" marL="0" rtl="0" algn="r">
+            <a:pPr marL="0" lvl="0" indent="0" algn="r" rtl="0">
               <a:spcBef>
                 <a:spcPts val="0"/>
               </a:spcBef>
@@ -5040,11 +5085,11 @@
 </file>
 
 <file path=ppt/slideLayouts/slideLayout8.xml><?xml version="1.0" encoding="utf-8"?>
-<p:sldLayout xmlns:a="http://schemas.openxmlformats.org/drawingml/2006/main" xmlns:r="http://schemas.openxmlformats.org/officeDocument/2006/relationships" xmlns:mc="http://schemas.openxmlformats.org/markup-compatibility/2006" xmlns:mv="urn:schemas-microsoft-com:mac:vml" xmlns:p="http://schemas.openxmlformats.org/presentationml/2006/main" xmlns:c="http://schemas.openxmlformats.org/drawingml/2006/chart" xmlns:dgm="http://schemas.openxmlformats.org/drawingml/2006/diagram" xmlns:o="urn:schemas-microsoft-com:office:office" xmlns:v="urn:schemas-microsoft-com:vml" xmlns:pvml="urn:schemas-microsoft-com:office:powerpoint" xmlns:com="http://schemas.openxmlformats.org/drawingml/2006/compatibility" xmlns:p14="http://schemas.microsoft.com/office/powerpoint/2010/main" xmlns:p15="http://schemas.microsoft.com/office/powerpoint/2012/main" xmlns:ahyp="http://schemas.microsoft.com/office/drawing/2018/hyperlinkcolor" matchingName="Section title and description">
+<p:sldLayout xmlns:a="http://schemas.openxmlformats.org/drawingml/2006/main" xmlns:r="http://schemas.openxmlformats.org/officeDocument/2006/relationships" xmlns:p="http://schemas.openxmlformats.org/presentationml/2006/main" matchingName="Section title and description">
   <p:cSld name="SECTION_TITLE_AND_DESCRIPTION">
     <p:spTree>
       <p:nvGrpSpPr>
-        <p:cNvPr id="38" name="Shape 38"/>
+        <p:cNvPr id="1" name="Shape 38"/>
         <p:cNvGrpSpPr/>
         <p:nvPr/>
       </p:nvGrpSpPr>
@@ -5078,23 +5123,20 @@
           </a:ln>
         </p:spPr>
         <p:txBody>
-          <a:bodyPr anchorCtr="0" anchor="ctr" bIns="91425" lIns="91425" spcFirstLastPara="1" rIns="91425" wrap="square" tIns="91425">
+          <a:bodyPr spcFirstLastPara="1" wrap="square" lIns="91425" tIns="91425" rIns="91425" bIns="91425" anchor="ctr" anchorCtr="0">
             <a:noAutofit/>
           </a:bodyPr>
           <a:lstStyle/>
           <a:p>
-            <a:pPr indent="0" lvl="0" marL="0" rtl="0" algn="l">
-              <a:spcBef>
-                <a:spcPts val="0"/>
-              </a:spcBef>
-              <a:spcAft>
-                <a:spcPts val="0"/>
-              </a:spcAft>
-              <a:buNone/>
-            </a:pPr>
-            <a:r>
-              <a:t/>
-            </a:r>
+            <a:pPr marL="0" lvl="0" indent="0" algn="l" rtl="0">
+              <a:spcBef>
+                <a:spcPts val="0"/>
+              </a:spcBef>
+              <a:spcAft>
+                <a:spcPts val="0"/>
+              </a:spcAft>
+              <a:buNone/>
+            </a:pPr>
             <a:endParaRPr/>
           </a:p>
         </p:txBody>
@@ -5114,21 +5156,23 @@
             <a:avLst/>
           </a:prstGeom>
           <a:noFill/>
-          <a:ln cap="flat" cmpd="sng" w="19050">
+          <a:ln w="19050" cap="flat" cmpd="sng">
             <a:solidFill>
               <a:schemeClr val="lt2"/>
             </a:solidFill>
             <a:prstDash val="solid"/>
             <a:round/>
-            <a:headEnd len="sm" w="sm" type="none"/>
-            <a:tailEnd len="sm" w="sm" type="none"/>
+            <a:headEnd type="none" w="sm" len="sm"/>
+            <a:tailEnd type="none" w="sm" len="sm"/>
           </a:ln>
         </p:spPr>
       </p:cxnSp>
       <p:sp>
         <p:nvSpPr>
           <p:cNvPr id="41" name="Google Shape;41;p9"/>
-          <p:cNvSpPr txBox="1"/>
+          <p:cNvSpPr txBox="1">
+            <a:spLocks noGrp="1"/>
+          </p:cNvSpPr>
           <p:nvPr>
             <p:ph type="title"/>
           </p:nvPr>
@@ -5143,7 +5187,7 @@
           </a:prstGeom>
         </p:spPr>
         <p:txBody>
-          <a:bodyPr anchorCtr="0" anchor="b" bIns="91425" lIns="91425" spcFirstLastPara="1" rIns="91425" wrap="square" tIns="91425">
+          <a:bodyPr spcFirstLastPara="1" wrap="square" lIns="91425" tIns="91425" rIns="91425" bIns="91425" anchor="b" anchorCtr="0">
             <a:normAutofit/>
           </a:bodyPr>
           <a:lstStyle>
@@ -5247,15 +5291,19 @@
               <a:defRPr sz="4200"/>
             </a:lvl9pPr>
           </a:lstStyle>
-          <a:p/>
+          <a:p>
+            <a:endParaRPr/>
+          </a:p>
         </p:txBody>
       </p:sp>
       <p:sp>
         <p:nvSpPr>
           <p:cNvPr id="42" name="Google Shape;42;p9"/>
-          <p:cNvSpPr txBox="1"/>
+          <p:cNvSpPr txBox="1">
+            <a:spLocks noGrp="1"/>
+          </p:cNvSpPr>
           <p:nvPr>
-            <p:ph idx="1" type="subTitle"/>
+            <p:ph type="subTitle" idx="1"/>
           </p:nvPr>
         </p:nvSpPr>
         <p:spPr>
@@ -5268,7 +5316,7 @@
           </a:prstGeom>
         </p:spPr>
         <p:txBody>
-          <a:bodyPr anchorCtr="0" anchor="t" bIns="91425" lIns="91425" spcFirstLastPara="1" rIns="91425" wrap="square" tIns="91425">
+          <a:bodyPr spcFirstLastPara="1" wrap="square" lIns="91425" tIns="91425" rIns="91425" bIns="91425" anchor="t" anchorCtr="0">
             <a:normAutofit/>
           </a:bodyPr>
           <a:lstStyle>
@@ -5399,15 +5447,19 @@
               <a:defRPr sz="2100"/>
             </a:lvl9pPr>
           </a:lstStyle>
-          <a:p/>
+          <a:p>
+            <a:endParaRPr/>
+          </a:p>
         </p:txBody>
       </p:sp>
       <p:sp>
         <p:nvSpPr>
           <p:cNvPr id="43" name="Google Shape;43;p9"/>
-          <p:cNvSpPr txBox="1"/>
+          <p:cNvSpPr txBox="1">
+            <a:spLocks noGrp="1"/>
+          </p:cNvSpPr>
           <p:nvPr>
-            <p:ph idx="2" type="body"/>
+            <p:ph type="body" idx="2"/>
           </p:nvPr>
         </p:nvSpPr>
         <p:spPr>
@@ -5420,11 +5472,11 @@
           </a:prstGeom>
         </p:spPr>
         <p:txBody>
-          <a:bodyPr anchorCtr="0" anchor="ctr" bIns="91425" lIns="91425" spcFirstLastPara="1" rIns="91425" wrap="square" tIns="91425">
+          <a:bodyPr spcFirstLastPara="1" wrap="square" lIns="91425" tIns="91425" rIns="91425" bIns="91425" anchor="ctr" anchorCtr="0">
             <a:normAutofit/>
           </a:bodyPr>
           <a:lstStyle>
-            <a:lvl1pPr indent="-342900" lvl="0" marL="457200">
+            <a:lvl1pPr marL="457200" lvl="0" indent="-342900">
               <a:spcBef>
                 <a:spcPts val="0"/>
               </a:spcBef>
@@ -5442,7 +5494,7 @@
                 </a:solidFill>
               </a:defRPr>
             </a:lvl1pPr>
-            <a:lvl2pPr indent="-317500" lvl="1" marL="914400">
+            <a:lvl2pPr marL="914400" lvl="1" indent="-317500">
               <a:spcBef>
                 <a:spcPts val="0"/>
               </a:spcBef>
@@ -5460,7 +5512,7 @@
                 </a:solidFill>
               </a:defRPr>
             </a:lvl2pPr>
-            <a:lvl3pPr indent="-317500" lvl="2" marL="1371600">
+            <a:lvl3pPr marL="1371600" lvl="2" indent="-317500">
               <a:spcBef>
                 <a:spcPts val="0"/>
               </a:spcBef>
@@ -5478,7 +5530,7 @@
                 </a:solidFill>
               </a:defRPr>
             </a:lvl3pPr>
-            <a:lvl4pPr indent="-317500" lvl="3" marL="1828800">
+            <a:lvl4pPr marL="1828800" lvl="3" indent="-317500">
               <a:spcBef>
                 <a:spcPts val="0"/>
               </a:spcBef>
@@ -5496,7 +5548,7 @@
                 </a:solidFill>
               </a:defRPr>
             </a:lvl4pPr>
-            <a:lvl5pPr indent="-317500" lvl="4" marL="2286000">
+            <a:lvl5pPr marL="2286000" lvl="4" indent="-317500">
               <a:spcBef>
                 <a:spcPts val="0"/>
               </a:spcBef>
@@ -5514,7 +5566,7 @@
                 </a:solidFill>
               </a:defRPr>
             </a:lvl5pPr>
-            <a:lvl6pPr indent="-317500" lvl="5" marL="2743200">
+            <a:lvl6pPr marL="2743200" lvl="5" indent="-317500">
               <a:spcBef>
                 <a:spcPts val="0"/>
               </a:spcBef>
@@ -5532,7 +5584,7 @@
                 </a:solidFill>
               </a:defRPr>
             </a:lvl6pPr>
-            <a:lvl7pPr indent="-317500" lvl="6" marL="3200400">
+            <a:lvl7pPr marL="3200400" lvl="6" indent="-317500">
               <a:spcBef>
                 <a:spcPts val="0"/>
               </a:spcBef>
@@ -5550,7 +5602,7 @@
                 </a:solidFill>
               </a:defRPr>
             </a:lvl7pPr>
-            <a:lvl8pPr indent="-317500" lvl="7" marL="3657600">
+            <a:lvl8pPr marL="3657600" lvl="7" indent="-317500">
               <a:spcBef>
                 <a:spcPts val="0"/>
               </a:spcBef>
@@ -5568,7 +5620,7 @@
                 </a:solidFill>
               </a:defRPr>
             </a:lvl8pPr>
-            <a:lvl9pPr indent="-317500" lvl="8" marL="4114800">
+            <a:lvl9pPr marL="4114800" lvl="8" indent="-317500">
               <a:spcBef>
                 <a:spcPts val="0"/>
               </a:spcBef>
@@ -5587,15 +5639,19 @@
               </a:defRPr>
             </a:lvl9pPr>
           </a:lstStyle>
-          <a:p/>
+          <a:p>
+            <a:endParaRPr/>
+          </a:p>
         </p:txBody>
       </p:sp>
       <p:sp>
         <p:nvSpPr>
           <p:cNvPr id="44" name="Google Shape;44;p9"/>
-          <p:cNvSpPr txBox="1"/>
+          <p:cNvSpPr txBox="1">
+            <a:spLocks noGrp="1"/>
+          </p:cNvSpPr>
           <p:nvPr>
-            <p:ph idx="12" type="sldNum"/>
+            <p:ph type="sldNum" idx="12"/>
           </p:nvPr>
         </p:nvSpPr>
         <p:spPr>
@@ -5608,7 +5664,7 @@
           </a:prstGeom>
         </p:spPr>
         <p:txBody>
-          <a:bodyPr anchorCtr="0" anchor="ctr" bIns="91425" lIns="91425" spcFirstLastPara="1" rIns="91425" wrap="square" tIns="91425">
+          <a:bodyPr spcFirstLastPara="1" wrap="square" lIns="91425" tIns="91425" rIns="91425" bIns="91425" anchor="ctr" anchorCtr="0">
             <a:normAutofit/>
           </a:bodyPr>
           <a:lstStyle>
@@ -5686,7 +5742,7 @@
             </a:lvl9pPr>
           </a:lstStyle>
           <a:p>
-            <a:pPr indent="0" lvl="0" marL="0" rtl="0" algn="r">
+            <a:pPr marL="0" lvl="0" indent="0" algn="r" rtl="0">
               <a:spcBef>
                 <a:spcPts val="0"/>
               </a:spcBef>
@@ -5712,11 +5768,11 @@
 </file>
 
 <file path=ppt/slideLayouts/slideLayout9.xml><?xml version="1.0" encoding="utf-8"?>
-<p:sldLayout xmlns:a="http://schemas.openxmlformats.org/drawingml/2006/main" xmlns:r="http://schemas.openxmlformats.org/officeDocument/2006/relationships" xmlns:mc="http://schemas.openxmlformats.org/markup-compatibility/2006" xmlns:mv="urn:schemas-microsoft-com:mac:vml" xmlns:p="http://schemas.openxmlformats.org/presentationml/2006/main" xmlns:c="http://schemas.openxmlformats.org/drawingml/2006/chart" xmlns:dgm="http://schemas.openxmlformats.org/drawingml/2006/diagram" xmlns:o="urn:schemas-microsoft-com:office:office" xmlns:v="urn:schemas-microsoft-com:vml" xmlns:pvml="urn:schemas-microsoft-com:office:powerpoint" xmlns:com="http://schemas.openxmlformats.org/drawingml/2006/compatibility" xmlns:p14="http://schemas.microsoft.com/office/powerpoint/2010/main" xmlns:p15="http://schemas.microsoft.com/office/powerpoint/2012/main" xmlns:ahyp="http://schemas.microsoft.com/office/drawing/2018/hyperlinkcolor" matchingName="Caption">
+<p:sldLayout xmlns:a="http://schemas.openxmlformats.org/drawingml/2006/main" xmlns:r="http://schemas.openxmlformats.org/officeDocument/2006/relationships" xmlns:p="http://schemas.openxmlformats.org/presentationml/2006/main" matchingName="Caption">
   <p:cSld name="CAPTION_ONLY">
     <p:spTree>
       <p:nvGrpSpPr>
-        <p:cNvPr id="45" name="Shape 45"/>
+        <p:cNvPr id="1" name="Shape 45"/>
         <p:cNvGrpSpPr/>
         <p:nvPr/>
       </p:nvGrpSpPr>
@@ -5731,9 +5787,11 @@
       <p:sp>
         <p:nvSpPr>
           <p:cNvPr id="46" name="Google Shape;46;p10"/>
-          <p:cNvSpPr txBox="1"/>
+          <p:cNvSpPr txBox="1">
+            <a:spLocks noGrp="1"/>
+          </p:cNvSpPr>
           <p:nvPr>
-            <p:ph idx="1" type="body"/>
+            <p:ph type="body" idx="1"/>
           </p:nvPr>
         </p:nvSpPr>
         <p:spPr>
@@ -5746,11 +5804,11 @@
           </a:prstGeom>
         </p:spPr>
         <p:txBody>
-          <a:bodyPr anchorCtr="0" anchor="ctr" bIns="91425" lIns="91425" spcFirstLastPara="1" rIns="91425" wrap="square" tIns="91425">
+          <a:bodyPr spcFirstLastPara="1" wrap="square" lIns="91425" tIns="91425" rIns="91425" bIns="91425" anchor="ctr" anchorCtr="0">
             <a:normAutofit/>
           </a:bodyPr>
           <a:lstStyle>
-            <a:lvl1pPr indent="-228600" lvl="0" marL="457200">
+            <a:lvl1pPr marL="457200" lvl="0" indent="-228600">
               <a:lnSpc>
                 <a:spcPct val="100000"/>
               </a:lnSpc>
@@ -5765,15 +5823,19 @@
               <a:defRPr sz="2100"/>
             </a:lvl1pPr>
           </a:lstStyle>
-          <a:p/>
+          <a:p>
+            <a:endParaRPr/>
+          </a:p>
         </p:txBody>
       </p:sp>
       <p:sp>
         <p:nvSpPr>
           <p:cNvPr id="47" name="Google Shape;47;p10"/>
-          <p:cNvSpPr txBox="1"/>
+          <p:cNvSpPr txBox="1">
+            <a:spLocks noGrp="1"/>
+          </p:cNvSpPr>
           <p:nvPr>
-            <p:ph idx="12" type="sldNum"/>
+            <p:ph type="sldNum" idx="12"/>
           </p:nvPr>
         </p:nvSpPr>
         <p:spPr>
@@ -5786,7 +5848,7 @@
           </a:prstGeom>
         </p:spPr>
         <p:txBody>
-          <a:bodyPr anchorCtr="0" anchor="ctr" bIns="91425" lIns="91425" spcFirstLastPara="1" rIns="91425" wrap="square" tIns="91425">
+          <a:bodyPr spcFirstLastPara="1" wrap="square" lIns="91425" tIns="91425" rIns="91425" bIns="91425" anchor="ctr" anchorCtr="0">
             <a:normAutofit/>
           </a:bodyPr>
           <a:lstStyle>
@@ -5828,7 +5890,7 @@
             </a:lvl9pPr>
           </a:lstStyle>
           <a:p>
-            <a:pPr indent="0" lvl="0" marL="0" rtl="0" algn="r">
+            <a:pPr marL="0" lvl="0" indent="0" algn="r" rtl="0">
               <a:spcBef>
                 <a:spcPts val="0"/>
               </a:spcBef>
@@ -5854,18 +5916,19 @@
 </file>
 
 <file path=ppt/slideMasters/slideMaster1.xml><?xml version="1.0" encoding="utf-8"?>
-<p:sldMaster xmlns:a="http://schemas.openxmlformats.org/drawingml/2006/main" xmlns:r="http://schemas.openxmlformats.org/officeDocument/2006/relationships" xmlns:mc="http://schemas.openxmlformats.org/markup-compatibility/2006" xmlns:mv="urn:schemas-microsoft-com:mac:vml" xmlns:p="http://schemas.openxmlformats.org/presentationml/2006/main" xmlns:c="http://schemas.openxmlformats.org/drawingml/2006/chart" xmlns:dgm="http://schemas.openxmlformats.org/drawingml/2006/diagram" xmlns:o="urn:schemas-microsoft-com:office:office" xmlns:v="urn:schemas-microsoft-com:vml" xmlns:pvml="urn:schemas-microsoft-com:office:powerpoint" xmlns:com="http://schemas.openxmlformats.org/drawingml/2006/compatibility" xmlns:p14="http://schemas.microsoft.com/office/powerpoint/2010/main" xmlns:p15="http://schemas.microsoft.com/office/powerpoint/2012/main" xmlns:ahyp="http://schemas.microsoft.com/office/drawing/2018/hyperlinkcolor">
+<p:sldMaster xmlns:a="http://schemas.openxmlformats.org/drawingml/2006/main" xmlns:r="http://schemas.openxmlformats.org/officeDocument/2006/relationships" xmlns:p="http://schemas.openxmlformats.org/presentationml/2006/main">
   <p:cSld name="spearmint">
     <p:bg>
       <p:bgPr>
         <a:solidFill>
           <a:schemeClr val="lt1"/>
         </a:solidFill>
+        <a:effectLst/>
       </p:bgPr>
     </p:bg>
     <p:spTree>
       <p:nvGrpSpPr>
-        <p:cNvPr id="5" name="Shape 5"/>
+        <p:cNvPr id="1" name="Shape 5"/>
         <p:cNvGrpSpPr/>
         <p:nvPr/>
       </p:nvGrpSpPr>
@@ -5880,7 +5943,9 @@
       <p:sp>
         <p:nvSpPr>
           <p:cNvPr id="6" name="Google Shape;6;p1"/>
-          <p:cNvSpPr txBox="1"/>
+          <p:cNvSpPr txBox="1">
+            <a:spLocks noGrp="1"/>
+          </p:cNvSpPr>
           <p:nvPr>
             <p:ph type="title"/>
           </p:nvPr>
@@ -5899,7 +5964,7 @@
           </a:ln>
         </p:spPr>
         <p:txBody>
-          <a:bodyPr anchorCtr="0" anchor="t" bIns="91425" lIns="91425" spcFirstLastPara="1" rIns="91425" wrap="square" tIns="91425">
+          <a:bodyPr spcFirstLastPara="1" wrap="square" lIns="91425" tIns="91425" rIns="91425" bIns="91425" anchor="t" anchorCtr="0">
             <a:normAutofit/>
           </a:bodyPr>
           <a:lstStyle>
@@ -6111,15 +6176,19 @@
               </a:defRPr>
             </a:lvl9pPr>
           </a:lstStyle>
-          <a:p/>
+          <a:p>
+            <a:endParaRPr/>
+          </a:p>
         </p:txBody>
       </p:sp>
       <p:sp>
         <p:nvSpPr>
           <p:cNvPr id="7" name="Google Shape;7;p1"/>
-          <p:cNvSpPr txBox="1"/>
+          <p:cNvSpPr txBox="1">
+            <a:spLocks noGrp="1"/>
+          </p:cNvSpPr>
           <p:nvPr>
-            <p:ph idx="1" type="body"/>
+            <p:ph type="body" idx="1"/>
           </p:nvPr>
         </p:nvSpPr>
         <p:spPr>
@@ -6136,11 +6205,11 @@
           </a:ln>
         </p:spPr>
         <p:txBody>
-          <a:bodyPr anchorCtr="0" anchor="t" bIns="91425" lIns="91425" spcFirstLastPara="1" rIns="91425" wrap="square" tIns="91425">
+          <a:bodyPr spcFirstLastPara="1" wrap="square" lIns="91425" tIns="91425" rIns="91425" bIns="91425" anchor="t" anchorCtr="0">
             <a:normAutofit/>
           </a:bodyPr>
           <a:lstStyle>
-            <a:lvl1pPr indent="-342900" lvl="0" marL="457200">
+            <a:lvl1pPr marL="457200" lvl="0" indent="-342900">
               <a:lnSpc>
                 <a:spcPct val="115000"/>
               </a:lnSpc>
@@ -6166,7 +6235,7 @@
                 <a:sym typeface="Proxima Nova"/>
               </a:defRPr>
             </a:lvl1pPr>
-            <a:lvl2pPr indent="-317500" lvl="1" marL="914400">
+            <a:lvl2pPr marL="914400" lvl="1" indent="-317500">
               <a:lnSpc>
                 <a:spcPct val="115000"/>
               </a:lnSpc>
@@ -6192,7 +6261,7 @@
                 <a:sym typeface="Proxima Nova"/>
               </a:defRPr>
             </a:lvl2pPr>
-            <a:lvl3pPr indent="-317500" lvl="2" marL="1371600">
+            <a:lvl3pPr marL="1371600" lvl="2" indent="-317500">
               <a:lnSpc>
                 <a:spcPct val="115000"/>
               </a:lnSpc>
@@ -6218,7 +6287,7 @@
                 <a:sym typeface="Proxima Nova"/>
               </a:defRPr>
             </a:lvl3pPr>
-            <a:lvl4pPr indent="-317500" lvl="3" marL="1828800">
+            <a:lvl4pPr marL="1828800" lvl="3" indent="-317500">
               <a:lnSpc>
                 <a:spcPct val="115000"/>
               </a:lnSpc>
@@ -6244,7 +6313,7 @@
                 <a:sym typeface="Proxima Nova"/>
               </a:defRPr>
             </a:lvl4pPr>
-            <a:lvl5pPr indent="-317500" lvl="4" marL="2286000">
+            <a:lvl5pPr marL="2286000" lvl="4" indent="-317500">
               <a:lnSpc>
                 <a:spcPct val="115000"/>
               </a:lnSpc>
@@ -6270,7 +6339,7 @@
                 <a:sym typeface="Proxima Nova"/>
               </a:defRPr>
             </a:lvl5pPr>
-            <a:lvl6pPr indent="-317500" lvl="5" marL="2743200">
+            <a:lvl6pPr marL="2743200" lvl="5" indent="-317500">
               <a:lnSpc>
                 <a:spcPct val="115000"/>
               </a:lnSpc>
@@ -6296,7 +6365,7 @@
                 <a:sym typeface="Proxima Nova"/>
               </a:defRPr>
             </a:lvl6pPr>
-            <a:lvl7pPr indent="-317500" lvl="6" marL="3200400">
+            <a:lvl7pPr marL="3200400" lvl="6" indent="-317500">
               <a:lnSpc>
                 <a:spcPct val="115000"/>
               </a:lnSpc>
@@ -6322,7 +6391,7 @@
                 <a:sym typeface="Proxima Nova"/>
               </a:defRPr>
             </a:lvl7pPr>
-            <a:lvl8pPr indent="-317500" lvl="7" marL="3657600">
+            <a:lvl8pPr marL="3657600" lvl="7" indent="-317500">
               <a:lnSpc>
                 <a:spcPct val="115000"/>
               </a:lnSpc>
@@ -6348,7 +6417,7 @@
                 <a:sym typeface="Proxima Nova"/>
               </a:defRPr>
             </a:lvl8pPr>
-            <a:lvl9pPr indent="-317500" lvl="8" marL="4114800">
+            <a:lvl9pPr marL="4114800" lvl="8" indent="-317500">
               <a:lnSpc>
                 <a:spcPct val="115000"/>
               </a:lnSpc>
@@ -6375,15 +6444,19 @@
               </a:defRPr>
             </a:lvl9pPr>
           </a:lstStyle>
-          <a:p/>
+          <a:p>
+            <a:endParaRPr/>
+          </a:p>
         </p:txBody>
       </p:sp>
       <p:sp>
         <p:nvSpPr>
           <p:cNvPr id="8" name="Google Shape;8;p1"/>
-          <p:cNvSpPr txBox="1"/>
+          <p:cNvSpPr txBox="1">
+            <a:spLocks noGrp="1"/>
+          </p:cNvSpPr>
           <p:nvPr>
-            <p:ph idx="12" type="sldNum"/>
+            <p:ph type="sldNum" idx="12"/>
           </p:nvPr>
         </p:nvSpPr>
         <p:spPr>
@@ -6400,7 +6473,7 @@
           </a:ln>
         </p:spPr>
         <p:txBody>
-          <a:bodyPr anchorCtr="0" anchor="ctr" bIns="91425" lIns="91425" spcFirstLastPara="1" rIns="91425" wrap="square" tIns="91425">
+          <a:bodyPr spcFirstLastPara="1" wrap="square" lIns="91425" tIns="91425" rIns="91425" bIns="91425" anchor="ctr" anchorCtr="0">
             <a:normAutofit/>
           </a:bodyPr>
           <a:lstStyle>
@@ -6514,7 +6587,7 @@
             </a:lvl9pPr>
           </a:lstStyle>
           <a:p>
-            <a:pPr indent="0" lvl="0" marL="0" rtl="0" algn="r">
+            <a:pPr marL="0" lvl="0" indent="0" algn="r" rtl="0">
               <a:spcBef>
                 <a:spcPts val="0"/>
               </a:spcBef>
@@ -6533,7 +6606,7 @@
       </p:sp>
     </p:spTree>
   </p:cSld>
-  <p:clrMap accent1="accent1" accent2="accent2" accent3="accent3" accent4="accent4" accent5="accent5" accent6="accent6" bg1="lt1" bg2="dk2" tx1="dk1" tx2="lt2" folHlink="folHlink" hlink="hlink"/>
+  <p:clrMap bg1="lt1" tx1="dk1" bg2="dk2" tx2="lt2" accent1="accent1" accent2="accent2" accent3="accent3" accent4="accent4" accent5="accent5" accent6="accent6" hlink="hlink" folHlink="folHlink"/>
   <p:sldLayoutIdLst>
     <p:sldLayoutId id="2147483648" r:id="rId1"/>
     <p:sldLayoutId id="2147483649" r:id="rId2"/>
@@ -6547,10 +6620,10 @@
     <p:sldLayoutId id="2147483657" r:id="rId10"/>
     <p:sldLayoutId id="2147483658" r:id="rId11"/>
   </p:sldLayoutIdLst>
-  <p:hf dt="0" ftr="0" hdr="0" sldNum="0"/>
+  <p:hf sldNum="0" hdr="0" ftr="0" dt="0"/>
   <p:txStyles>
     <p:titleStyle>
-      <a:defPPr lvl="0" marR="0" rtl="0" algn="l">
+      <a:defPPr marR="0" lvl="0" algn="l" rtl="0">
         <a:lnSpc>
           <a:spcPct val="100000"/>
         </a:lnSpc>
@@ -6561,7 +6634,7 @@
           <a:spcPts val="0"/>
         </a:spcAft>
       </a:defPPr>
-      <a:lvl1pPr lvl="0" marR="0" rtl="0" algn="l">
+      <a:lvl1pPr marR="0" lvl="0" algn="l" rtl="0">
         <a:lnSpc>
           <a:spcPct val="100000"/>
         </a:lnSpc>
@@ -6575,7 +6648,7 @@
           <a:srgbClr val="000000"/>
         </a:buClr>
         <a:buFont typeface="Arial"/>
-        <a:defRPr b="0" i="0" sz="1400" u="none" cap="none" strike="noStrike">
+        <a:defRPr sz="1400" b="0" i="0" u="none" strike="noStrike" cap="none">
           <a:solidFill>
             <a:srgbClr val="000000"/>
           </a:solidFill>
@@ -6585,7 +6658,7 @@
           <a:sym typeface="Arial"/>
         </a:defRPr>
       </a:lvl1pPr>
-      <a:lvl2pPr lvl="1" marR="0" rtl="0" algn="l">
+      <a:lvl2pPr marR="0" lvl="1" algn="l" rtl="0">
         <a:lnSpc>
           <a:spcPct val="100000"/>
         </a:lnSpc>
@@ -6599,7 +6672,7 @@
           <a:srgbClr val="000000"/>
         </a:buClr>
         <a:buFont typeface="Arial"/>
-        <a:defRPr b="0" i="0" sz="1400" u="none" cap="none" strike="noStrike">
+        <a:defRPr sz="1400" b="0" i="0" u="none" strike="noStrike" cap="none">
           <a:solidFill>
             <a:srgbClr val="000000"/>
           </a:solidFill>
@@ -6609,7 +6682,7 @@
           <a:sym typeface="Arial"/>
         </a:defRPr>
       </a:lvl2pPr>
-      <a:lvl3pPr lvl="2" marR="0" rtl="0" algn="l">
+      <a:lvl3pPr marR="0" lvl="2" algn="l" rtl="0">
         <a:lnSpc>
           <a:spcPct val="100000"/>
         </a:lnSpc>
@@ -6623,7 +6696,7 @@
           <a:srgbClr val="000000"/>
         </a:buClr>
         <a:buFont typeface="Arial"/>
-        <a:defRPr b="0" i="0" sz="1400" u="none" cap="none" strike="noStrike">
+        <a:defRPr sz="1400" b="0" i="0" u="none" strike="noStrike" cap="none">
           <a:solidFill>
             <a:srgbClr val="000000"/>
           </a:solidFill>
@@ -6633,7 +6706,7 @@
           <a:sym typeface="Arial"/>
         </a:defRPr>
       </a:lvl3pPr>
-      <a:lvl4pPr lvl="3" marR="0" rtl="0" algn="l">
+      <a:lvl4pPr marR="0" lvl="3" algn="l" rtl="0">
         <a:lnSpc>
           <a:spcPct val="100000"/>
         </a:lnSpc>
@@ -6647,7 +6720,7 @@
           <a:srgbClr val="000000"/>
         </a:buClr>
         <a:buFont typeface="Arial"/>
-        <a:defRPr b="0" i="0" sz="1400" u="none" cap="none" strike="noStrike">
+        <a:defRPr sz="1400" b="0" i="0" u="none" strike="noStrike" cap="none">
           <a:solidFill>
             <a:srgbClr val="000000"/>
           </a:solidFill>
@@ -6657,7 +6730,7 @@
           <a:sym typeface="Arial"/>
         </a:defRPr>
       </a:lvl4pPr>
-      <a:lvl5pPr lvl="4" marR="0" rtl="0" algn="l">
+      <a:lvl5pPr marR="0" lvl="4" algn="l" rtl="0">
         <a:lnSpc>
           <a:spcPct val="100000"/>
         </a:lnSpc>
@@ -6671,7 +6744,7 @@
           <a:srgbClr val="000000"/>
         </a:buClr>
         <a:buFont typeface="Arial"/>
-        <a:defRPr b="0" i="0" sz="1400" u="none" cap="none" strike="noStrike">
+        <a:defRPr sz="1400" b="0" i="0" u="none" strike="noStrike" cap="none">
           <a:solidFill>
             <a:srgbClr val="000000"/>
           </a:solidFill>
@@ -6681,7 +6754,7 @@
           <a:sym typeface="Arial"/>
         </a:defRPr>
       </a:lvl5pPr>
-      <a:lvl6pPr lvl="5" marR="0" rtl="0" algn="l">
+      <a:lvl6pPr marR="0" lvl="5" algn="l" rtl="0">
         <a:lnSpc>
           <a:spcPct val="100000"/>
         </a:lnSpc>
@@ -6695,7 +6768,7 @@
           <a:srgbClr val="000000"/>
         </a:buClr>
         <a:buFont typeface="Arial"/>
-        <a:defRPr b="0" i="0" sz="1400" u="none" cap="none" strike="noStrike">
+        <a:defRPr sz="1400" b="0" i="0" u="none" strike="noStrike" cap="none">
           <a:solidFill>
             <a:srgbClr val="000000"/>
           </a:solidFill>
@@ -6705,7 +6778,7 @@
           <a:sym typeface="Arial"/>
         </a:defRPr>
       </a:lvl6pPr>
-      <a:lvl7pPr lvl="6" marR="0" rtl="0" algn="l">
+      <a:lvl7pPr marR="0" lvl="6" algn="l" rtl="0">
         <a:lnSpc>
           <a:spcPct val="100000"/>
         </a:lnSpc>
@@ -6719,7 +6792,7 @@
           <a:srgbClr val="000000"/>
         </a:buClr>
         <a:buFont typeface="Arial"/>
-        <a:defRPr b="0" i="0" sz="1400" u="none" cap="none" strike="noStrike">
+        <a:defRPr sz="1400" b="0" i="0" u="none" strike="noStrike" cap="none">
           <a:solidFill>
             <a:srgbClr val="000000"/>
           </a:solidFill>
@@ -6729,7 +6802,7 @@
           <a:sym typeface="Arial"/>
         </a:defRPr>
       </a:lvl7pPr>
-      <a:lvl8pPr lvl="7" marR="0" rtl="0" algn="l">
+      <a:lvl8pPr marR="0" lvl="7" algn="l" rtl="0">
         <a:lnSpc>
           <a:spcPct val="100000"/>
         </a:lnSpc>
@@ -6743,7 +6816,7 @@
           <a:srgbClr val="000000"/>
         </a:buClr>
         <a:buFont typeface="Arial"/>
-        <a:defRPr b="0" i="0" sz="1400" u="none" cap="none" strike="noStrike">
+        <a:defRPr sz="1400" b="0" i="0" u="none" strike="noStrike" cap="none">
           <a:solidFill>
             <a:srgbClr val="000000"/>
           </a:solidFill>
@@ -6753,7 +6826,7 @@
           <a:sym typeface="Arial"/>
         </a:defRPr>
       </a:lvl8pPr>
-      <a:lvl9pPr lvl="8" marR="0" rtl="0" algn="l">
+      <a:lvl9pPr marR="0" lvl="8" algn="l" rtl="0">
         <a:lnSpc>
           <a:spcPct val="100000"/>
         </a:lnSpc>
@@ -6767,7 +6840,7 @@
           <a:srgbClr val="000000"/>
         </a:buClr>
         <a:buFont typeface="Arial"/>
-        <a:defRPr b="0" i="0" sz="1400" u="none" cap="none" strike="noStrike">
+        <a:defRPr sz="1400" b="0" i="0" u="none" strike="noStrike" cap="none">
           <a:solidFill>
             <a:srgbClr val="000000"/>
           </a:solidFill>
@@ -6779,7 +6852,7 @@
       </a:lvl9pPr>
     </p:titleStyle>
     <p:bodyStyle>
-      <a:defPPr lvl="0" marR="0" rtl="0" algn="l">
+      <a:defPPr marR="0" lvl="0" algn="l" rtl="0">
         <a:lnSpc>
           <a:spcPct val="100000"/>
         </a:lnSpc>
@@ -6790,7 +6863,7 @@
           <a:spcPts val="0"/>
         </a:spcAft>
       </a:defPPr>
-      <a:lvl1pPr lvl="0" marR="0" rtl="0" algn="l">
+      <a:lvl1pPr marR="0" lvl="0" algn="l" rtl="0">
         <a:lnSpc>
           <a:spcPct val="100000"/>
         </a:lnSpc>
@@ -6804,7 +6877,7 @@
           <a:srgbClr val="000000"/>
         </a:buClr>
         <a:buFont typeface="Arial"/>
-        <a:defRPr b="0" i="0" sz="1400" u="none" cap="none" strike="noStrike">
+        <a:defRPr sz="1400" b="0" i="0" u="none" strike="noStrike" cap="none">
           <a:solidFill>
             <a:srgbClr val="000000"/>
           </a:solidFill>
@@ -6814,7 +6887,7 @@
           <a:sym typeface="Arial"/>
         </a:defRPr>
       </a:lvl1pPr>
-      <a:lvl2pPr lvl="1" marR="0" rtl="0" algn="l">
+      <a:lvl2pPr marR="0" lvl="1" algn="l" rtl="0">
         <a:lnSpc>
           <a:spcPct val="100000"/>
         </a:lnSpc>
@@ -6828,7 +6901,7 @@
           <a:srgbClr val="000000"/>
         </a:buClr>
         <a:buFont typeface="Arial"/>
-        <a:defRPr b="0" i="0" sz="1400" u="none" cap="none" strike="noStrike">
+        <a:defRPr sz="1400" b="0" i="0" u="none" strike="noStrike" cap="none">
           <a:solidFill>
             <a:srgbClr val="000000"/>
           </a:solidFill>
@@ -6838,7 +6911,7 @@
           <a:sym typeface="Arial"/>
         </a:defRPr>
       </a:lvl2pPr>
-      <a:lvl3pPr lvl="2" marR="0" rtl="0" algn="l">
+      <a:lvl3pPr marR="0" lvl="2" algn="l" rtl="0">
         <a:lnSpc>
           <a:spcPct val="100000"/>
         </a:lnSpc>
@@ -6852,7 +6925,7 @@
           <a:srgbClr val="000000"/>
         </a:buClr>
         <a:buFont typeface="Arial"/>
-        <a:defRPr b="0" i="0" sz="1400" u="none" cap="none" strike="noStrike">
+        <a:defRPr sz="1400" b="0" i="0" u="none" strike="noStrike" cap="none">
           <a:solidFill>
             <a:srgbClr val="000000"/>
           </a:solidFill>
@@ -6862,7 +6935,7 @@
           <a:sym typeface="Arial"/>
         </a:defRPr>
       </a:lvl3pPr>
-      <a:lvl4pPr lvl="3" marR="0" rtl="0" algn="l">
+      <a:lvl4pPr marR="0" lvl="3" algn="l" rtl="0">
         <a:lnSpc>
           <a:spcPct val="100000"/>
         </a:lnSpc>
@@ -6876,7 +6949,7 @@
           <a:srgbClr val="000000"/>
         </a:buClr>
         <a:buFont typeface="Arial"/>
-        <a:defRPr b="0" i="0" sz="1400" u="none" cap="none" strike="noStrike">
+        <a:defRPr sz="1400" b="0" i="0" u="none" strike="noStrike" cap="none">
           <a:solidFill>
             <a:srgbClr val="000000"/>
           </a:solidFill>
@@ -6886,7 +6959,7 @@
           <a:sym typeface="Arial"/>
         </a:defRPr>
       </a:lvl4pPr>
-      <a:lvl5pPr lvl="4" marR="0" rtl="0" algn="l">
+      <a:lvl5pPr marR="0" lvl="4" algn="l" rtl="0">
         <a:lnSpc>
           <a:spcPct val="100000"/>
         </a:lnSpc>
@@ -6900,7 +6973,7 @@
           <a:srgbClr val="000000"/>
         </a:buClr>
         <a:buFont typeface="Arial"/>
-        <a:defRPr b="0" i="0" sz="1400" u="none" cap="none" strike="noStrike">
+        <a:defRPr sz="1400" b="0" i="0" u="none" strike="noStrike" cap="none">
           <a:solidFill>
             <a:srgbClr val="000000"/>
           </a:solidFill>
@@ -6910,7 +6983,7 @@
           <a:sym typeface="Arial"/>
         </a:defRPr>
       </a:lvl5pPr>
-      <a:lvl6pPr lvl="5" marR="0" rtl="0" algn="l">
+      <a:lvl6pPr marR="0" lvl="5" algn="l" rtl="0">
         <a:lnSpc>
           <a:spcPct val="100000"/>
         </a:lnSpc>
@@ -6924,7 +6997,7 @@
           <a:srgbClr val="000000"/>
         </a:buClr>
         <a:buFont typeface="Arial"/>
-        <a:defRPr b="0" i="0" sz="1400" u="none" cap="none" strike="noStrike">
+        <a:defRPr sz="1400" b="0" i="0" u="none" strike="noStrike" cap="none">
           <a:solidFill>
             <a:srgbClr val="000000"/>
           </a:solidFill>
@@ -6934,7 +7007,7 @@
           <a:sym typeface="Arial"/>
         </a:defRPr>
       </a:lvl6pPr>
-      <a:lvl7pPr lvl="6" marR="0" rtl="0" algn="l">
+      <a:lvl7pPr marR="0" lvl="6" algn="l" rtl="0">
         <a:lnSpc>
           <a:spcPct val="100000"/>
         </a:lnSpc>
@@ -6948,7 +7021,7 @@
           <a:srgbClr val="000000"/>
         </a:buClr>
         <a:buFont typeface="Arial"/>
-        <a:defRPr b="0" i="0" sz="1400" u="none" cap="none" strike="noStrike">
+        <a:defRPr sz="1400" b="0" i="0" u="none" strike="noStrike" cap="none">
           <a:solidFill>
             <a:srgbClr val="000000"/>
           </a:solidFill>
@@ -6958,7 +7031,7 @@
           <a:sym typeface="Arial"/>
         </a:defRPr>
       </a:lvl7pPr>
-      <a:lvl8pPr lvl="7" marR="0" rtl="0" algn="l">
+      <a:lvl8pPr marR="0" lvl="7" algn="l" rtl="0">
         <a:lnSpc>
           <a:spcPct val="100000"/>
         </a:lnSpc>
@@ -6972,7 +7045,7 @@
           <a:srgbClr val="000000"/>
         </a:buClr>
         <a:buFont typeface="Arial"/>
-        <a:defRPr b="0" i="0" sz="1400" u="none" cap="none" strike="noStrike">
+        <a:defRPr sz="1400" b="0" i="0" u="none" strike="noStrike" cap="none">
           <a:solidFill>
             <a:srgbClr val="000000"/>
           </a:solidFill>
@@ -6982,7 +7055,7 @@
           <a:sym typeface="Arial"/>
         </a:defRPr>
       </a:lvl8pPr>
-      <a:lvl9pPr lvl="8" marR="0" rtl="0" algn="l">
+      <a:lvl9pPr marR="0" lvl="8" algn="l" rtl="0">
         <a:lnSpc>
           <a:spcPct val="100000"/>
         </a:lnSpc>
@@ -6996,7 +7069,7 @@
           <a:srgbClr val="000000"/>
         </a:buClr>
         <a:buFont typeface="Arial"/>
-        <a:defRPr b="0" i="0" sz="1400" u="none" cap="none" strike="noStrike">
+        <a:defRPr sz="1400" b="0" i="0" u="none" strike="noStrike" cap="none">
           <a:solidFill>
             <a:srgbClr val="000000"/>
           </a:solidFill>
@@ -7008,7 +7081,7 @@
       </a:lvl9pPr>
     </p:bodyStyle>
     <p:otherStyle>
-      <a:defPPr lvl="0" marR="0" rtl="0" algn="l">
+      <a:defPPr marR="0" lvl="0" algn="l" rtl="0">
         <a:lnSpc>
           <a:spcPct val="100000"/>
         </a:lnSpc>
@@ -7019,7 +7092,7 @@
           <a:spcPts val="0"/>
         </a:spcAft>
       </a:defPPr>
-      <a:lvl1pPr lvl="0" marR="0" rtl="0" algn="l">
+      <a:lvl1pPr marR="0" lvl="0" algn="l" rtl="0">
         <a:lnSpc>
           <a:spcPct val="100000"/>
         </a:lnSpc>
@@ -7033,7 +7106,7 @@
           <a:srgbClr val="000000"/>
         </a:buClr>
         <a:buFont typeface="Arial"/>
-        <a:defRPr b="0" i="0" sz="1400" u="none" cap="none" strike="noStrike">
+        <a:defRPr sz="1400" b="0" i="0" u="none" strike="noStrike" cap="none">
           <a:solidFill>
             <a:srgbClr val="000000"/>
           </a:solidFill>
@@ -7043,7 +7116,7 @@
           <a:sym typeface="Arial"/>
         </a:defRPr>
       </a:lvl1pPr>
-      <a:lvl2pPr lvl="1" marR="0" rtl="0" algn="l">
+      <a:lvl2pPr marR="0" lvl="1" algn="l" rtl="0">
         <a:lnSpc>
           <a:spcPct val="100000"/>
         </a:lnSpc>
@@ -7057,7 +7130,7 @@
           <a:srgbClr val="000000"/>
         </a:buClr>
         <a:buFont typeface="Arial"/>
-        <a:defRPr b="0" i="0" sz="1400" u="none" cap="none" strike="noStrike">
+        <a:defRPr sz="1400" b="0" i="0" u="none" strike="noStrike" cap="none">
           <a:solidFill>
             <a:srgbClr val="000000"/>
           </a:solidFill>
@@ -7067,7 +7140,7 @@
           <a:sym typeface="Arial"/>
         </a:defRPr>
       </a:lvl2pPr>
-      <a:lvl3pPr lvl="2" marR="0" rtl="0" algn="l">
+      <a:lvl3pPr marR="0" lvl="2" algn="l" rtl="0">
         <a:lnSpc>
           <a:spcPct val="100000"/>
         </a:lnSpc>
@@ -7081,7 +7154,7 @@
           <a:srgbClr val="000000"/>
         </a:buClr>
         <a:buFont typeface="Arial"/>
-        <a:defRPr b="0" i="0" sz="1400" u="none" cap="none" strike="noStrike">
+        <a:defRPr sz="1400" b="0" i="0" u="none" strike="noStrike" cap="none">
           <a:solidFill>
             <a:srgbClr val="000000"/>
           </a:solidFill>
@@ -7091,7 +7164,7 @@
           <a:sym typeface="Arial"/>
         </a:defRPr>
       </a:lvl3pPr>
-      <a:lvl4pPr lvl="3" marR="0" rtl="0" algn="l">
+      <a:lvl4pPr marR="0" lvl="3" algn="l" rtl="0">
         <a:lnSpc>
           <a:spcPct val="100000"/>
         </a:lnSpc>
@@ -7105,7 +7178,7 @@
           <a:srgbClr val="000000"/>
         </a:buClr>
         <a:buFont typeface="Arial"/>
-        <a:defRPr b="0" i="0" sz="1400" u="none" cap="none" strike="noStrike">
+        <a:defRPr sz="1400" b="0" i="0" u="none" strike="noStrike" cap="none">
           <a:solidFill>
             <a:srgbClr val="000000"/>
           </a:solidFill>
@@ -7115,7 +7188,7 @@
           <a:sym typeface="Arial"/>
         </a:defRPr>
       </a:lvl4pPr>
-      <a:lvl5pPr lvl="4" marR="0" rtl="0" algn="l">
+      <a:lvl5pPr marR="0" lvl="4" algn="l" rtl="0">
         <a:lnSpc>
           <a:spcPct val="100000"/>
         </a:lnSpc>
@@ -7129,7 +7202,7 @@
           <a:srgbClr val="000000"/>
         </a:buClr>
         <a:buFont typeface="Arial"/>
-        <a:defRPr b="0" i="0" sz="1400" u="none" cap="none" strike="noStrike">
+        <a:defRPr sz="1400" b="0" i="0" u="none" strike="noStrike" cap="none">
           <a:solidFill>
             <a:srgbClr val="000000"/>
           </a:solidFill>
@@ -7139,7 +7212,7 @@
           <a:sym typeface="Arial"/>
         </a:defRPr>
       </a:lvl5pPr>
-      <a:lvl6pPr lvl="5" marR="0" rtl="0" algn="l">
+      <a:lvl6pPr marR="0" lvl="5" algn="l" rtl="0">
         <a:lnSpc>
           <a:spcPct val="100000"/>
         </a:lnSpc>
@@ -7153,7 +7226,7 @@
           <a:srgbClr val="000000"/>
         </a:buClr>
         <a:buFont typeface="Arial"/>
-        <a:defRPr b="0" i="0" sz="1400" u="none" cap="none" strike="noStrike">
+        <a:defRPr sz="1400" b="0" i="0" u="none" strike="noStrike" cap="none">
           <a:solidFill>
             <a:srgbClr val="000000"/>
           </a:solidFill>
@@ -7163,7 +7236,7 @@
           <a:sym typeface="Arial"/>
         </a:defRPr>
       </a:lvl6pPr>
-      <a:lvl7pPr lvl="6" marR="0" rtl="0" algn="l">
+      <a:lvl7pPr marR="0" lvl="6" algn="l" rtl="0">
         <a:lnSpc>
           <a:spcPct val="100000"/>
         </a:lnSpc>
@@ -7177,7 +7250,7 @@
           <a:srgbClr val="000000"/>
         </a:buClr>
         <a:buFont typeface="Arial"/>
-        <a:defRPr b="0" i="0" sz="1400" u="none" cap="none" strike="noStrike">
+        <a:defRPr sz="1400" b="0" i="0" u="none" strike="noStrike" cap="none">
           <a:solidFill>
             <a:srgbClr val="000000"/>
           </a:solidFill>
@@ -7187,7 +7260,7 @@
           <a:sym typeface="Arial"/>
         </a:defRPr>
       </a:lvl7pPr>
-      <a:lvl8pPr lvl="7" marR="0" rtl="0" algn="l">
+      <a:lvl8pPr marR="0" lvl="7" algn="l" rtl="0">
         <a:lnSpc>
           <a:spcPct val="100000"/>
         </a:lnSpc>
@@ -7201,7 +7274,7 @@
           <a:srgbClr val="000000"/>
         </a:buClr>
         <a:buFont typeface="Arial"/>
-        <a:defRPr b="0" i="0" sz="1400" u="none" cap="none" strike="noStrike">
+        <a:defRPr sz="1400" b="0" i="0" u="none" strike="noStrike" cap="none">
           <a:solidFill>
             <a:srgbClr val="000000"/>
           </a:solidFill>
@@ -7211,7 +7284,7 @@
           <a:sym typeface="Arial"/>
         </a:defRPr>
       </a:lvl8pPr>
-      <a:lvl9pPr lvl="8" marR="0" rtl="0" algn="l">
+      <a:lvl9pPr marR="0" lvl="8" algn="l" rtl="0">
         <a:lnSpc>
           <a:spcPct val="100000"/>
         </a:lnSpc>
@@ -7225,7 +7298,7 @@
           <a:srgbClr val="000000"/>
         </a:buClr>
         <a:buFont typeface="Arial"/>
-        <a:defRPr b="0" i="0" sz="1400" u="none" cap="none" strike="noStrike">
+        <a:defRPr sz="1400" b="0" i="0" u="none" strike="noStrike" cap="none">
           <a:solidFill>
             <a:srgbClr val="000000"/>
           </a:solidFill>
@@ -7241,11 +7314,11 @@
 </file>
 
 <file path=ppt/slides/slide1.xml><?xml version="1.0" encoding="utf-8"?>
-<p:sld xmlns:a="http://schemas.openxmlformats.org/drawingml/2006/main" xmlns:r="http://schemas.openxmlformats.org/officeDocument/2006/relationships" xmlns:mc="http://schemas.openxmlformats.org/markup-compatibility/2006" xmlns:mv="urn:schemas-microsoft-com:mac:vml" xmlns:p="http://schemas.openxmlformats.org/presentationml/2006/main" xmlns:c="http://schemas.openxmlformats.org/drawingml/2006/chart" xmlns:dgm="http://schemas.openxmlformats.org/drawingml/2006/diagram" xmlns:o="urn:schemas-microsoft-com:office:office" xmlns:v="urn:schemas-microsoft-com:vml" xmlns:pvml="urn:schemas-microsoft-com:office:powerpoint" xmlns:com="http://schemas.openxmlformats.org/drawingml/2006/compatibility" xmlns:p14="http://schemas.microsoft.com/office/powerpoint/2010/main" xmlns:p15="http://schemas.microsoft.com/office/powerpoint/2012/main" xmlns:ahyp="http://schemas.microsoft.com/office/drawing/2018/hyperlinkcolor">
+<p:sld xmlns:a="http://schemas.openxmlformats.org/drawingml/2006/main" xmlns:r="http://schemas.openxmlformats.org/officeDocument/2006/relationships" xmlns:p="http://schemas.openxmlformats.org/presentationml/2006/main">
   <p:cSld>
     <p:spTree>
       <p:nvGrpSpPr>
-        <p:cNvPr id="58" name="Shape 58"/>
+        <p:cNvPr id="1" name="Shape 58"/>
         <p:cNvGrpSpPr/>
         <p:nvPr/>
       </p:nvGrpSpPr>
@@ -7260,7 +7333,9 @@
       <p:sp>
         <p:nvSpPr>
           <p:cNvPr id="59" name="Google Shape;59;p13"/>
-          <p:cNvSpPr txBox="1"/>
+          <p:cNvSpPr txBox="1">
+            <a:spLocks noGrp="1"/>
+          </p:cNvSpPr>
           <p:nvPr>
             <p:ph type="ctrTitle"/>
           </p:nvPr>
@@ -7275,12 +7350,12 @@
           </a:prstGeom>
         </p:spPr>
         <p:txBody>
-          <a:bodyPr anchorCtr="0" anchor="b" bIns="91425" lIns="91425" spcFirstLastPara="1" rIns="91425" wrap="square" tIns="91425">
+          <a:bodyPr spcFirstLastPara="1" wrap="square" lIns="91425" tIns="91425" rIns="91425" bIns="91425" anchor="b" anchorCtr="0">
             <a:normAutofit/>
           </a:bodyPr>
           <a:lstStyle/>
           <a:p>
-            <a:pPr indent="0" lvl="0" marL="0" rtl="0" algn="l">
+            <a:pPr marL="0" lvl="0" indent="0" algn="l" rtl="0">
               <a:spcBef>
                 <a:spcPts val="0"/>
               </a:spcBef>
@@ -7300,9 +7375,11 @@
       <p:sp>
         <p:nvSpPr>
           <p:cNvPr id="60" name="Google Shape;60;p13"/>
-          <p:cNvSpPr txBox="1"/>
+          <p:cNvSpPr txBox="1">
+            <a:spLocks noGrp="1"/>
+          </p:cNvSpPr>
           <p:nvPr>
-            <p:ph idx="1" type="subTitle"/>
+            <p:ph type="subTitle" idx="1"/>
           </p:nvPr>
         </p:nvSpPr>
         <p:spPr>
@@ -7315,12 +7392,12 @@
           </a:prstGeom>
         </p:spPr>
         <p:txBody>
-          <a:bodyPr anchorCtr="0" anchor="t" bIns="91425" lIns="91425" spcFirstLastPara="1" rIns="91425" wrap="square" tIns="91425">
-            <a:normAutofit fontScale="25000" lnSpcReduction="20000"/>
+          <a:bodyPr spcFirstLastPara="1" wrap="square" lIns="91425" tIns="91425" rIns="91425" bIns="91425" anchor="t" anchorCtr="0">
+            <a:normAutofit fontScale="32500" lnSpcReduction="20000"/>
           </a:bodyPr>
           <a:lstStyle/>
           <a:p>
-            <a:pPr indent="0" lvl="0" marL="0" rtl="0" algn="l">
+            <a:pPr marL="0" lvl="0" indent="0" algn="l" rtl="0">
               <a:spcBef>
                 <a:spcPts val="0"/>
               </a:spcBef>
@@ -7336,22 +7413,19 @@
             <a:endParaRPr sz="5600"/>
           </a:p>
           <a:p>
-            <a:pPr indent="0" lvl="0" marL="0" rtl="0" algn="l">
-              <a:spcBef>
-                <a:spcPts val="0"/>
-              </a:spcBef>
-              <a:spcAft>
-                <a:spcPts val="0"/>
-              </a:spcAft>
-              <a:buNone/>
-            </a:pPr>
-            <a:r>
-              <a:t/>
-            </a:r>
-            <a:endParaRPr/>
-          </a:p>
-          <a:p>
-            <a:pPr indent="0" lvl="0" marL="0" rtl="0" algn="l">
+            <a:pPr marL="0" lvl="0" indent="0" algn="l" rtl="0">
+              <a:spcBef>
+                <a:spcPts val="0"/>
+              </a:spcBef>
+              <a:spcAft>
+                <a:spcPts val="0"/>
+              </a:spcAft>
+              <a:buNone/>
+            </a:pPr>
+            <a:endParaRPr/>
+          </a:p>
+          <a:p>
+            <a:pPr marL="0" lvl="0" indent="0" algn="l" rtl="0">
               <a:spcBef>
                 <a:spcPts val="0"/>
               </a:spcBef>
@@ -7372,7 +7446,7 @@
             <a:endParaRPr sz="5600"/>
           </a:p>
           <a:p>
-            <a:pPr indent="0" lvl="0" marL="0" rtl="0" algn="l">
+            <a:pPr marL="0" lvl="0" indent="0" algn="l" rtl="0">
               <a:spcBef>
                 <a:spcPts val="0"/>
               </a:spcBef>
@@ -7388,7 +7462,7 @@
             <a:endParaRPr sz="5600"/>
           </a:p>
           <a:p>
-            <a:pPr indent="0" lvl="0" marL="0" rtl="0" algn="l">
+            <a:pPr marL="0" lvl="0" indent="0" algn="l" rtl="0">
               <a:spcBef>
                 <a:spcPts val="0"/>
               </a:spcBef>
@@ -7409,33 +7483,27 @@
             <a:endParaRPr sz="5600"/>
           </a:p>
           <a:p>
-            <a:pPr indent="0" lvl="0" marL="0" rtl="0" algn="l">
-              <a:spcBef>
-                <a:spcPts val="0"/>
-              </a:spcBef>
-              <a:spcAft>
-                <a:spcPts val="0"/>
-              </a:spcAft>
-              <a:buNone/>
-            </a:pPr>
-            <a:r>
-              <a:t/>
-            </a:r>
-            <a:endParaRPr/>
-          </a:p>
-          <a:p>
-            <a:pPr indent="0" lvl="0" marL="0" rtl="0" algn="l">
-              <a:spcBef>
-                <a:spcPts val="0"/>
-              </a:spcBef>
-              <a:spcAft>
-                <a:spcPts val="0"/>
-              </a:spcAft>
-              <a:buNone/>
-            </a:pPr>
-            <a:r>
-              <a:t/>
-            </a:r>
+            <a:pPr marL="0" lvl="0" indent="0" algn="l" rtl="0">
+              <a:spcBef>
+                <a:spcPts val="0"/>
+              </a:spcBef>
+              <a:spcAft>
+                <a:spcPts val="0"/>
+              </a:spcAft>
+              <a:buNone/>
+            </a:pPr>
+            <a:endParaRPr/>
+          </a:p>
+          <a:p>
+            <a:pPr marL="0" lvl="0" indent="0" algn="l" rtl="0">
+              <a:spcBef>
+                <a:spcPts val="0"/>
+              </a:spcBef>
+              <a:spcAft>
+                <a:spcPts val="0"/>
+              </a:spcAft>
+              <a:buNone/>
+            </a:pPr>
             <a:endParaRPr/>
           </a:p>
         </p:txBody>
@@ -7449,11 +7517,11 @@
 </file>
 
 <file path=ppt/slides/slide2.xml><?xml version="1.0" encoding="utf-8"?>
-<p:sld xmlns:a="http://schemas.openxmlformats.org/drawingml/2006/main" xmlns:r="http://schemas.openxmlformats.org/officeDocument/2006/relationships" xmlns:mc="http://schemas.openxmlformats.org/markup-compatibility/2006" xmlns:mv="urn:schemas-microsoft-com:mac:vml" xmlns:p="http://schemas.openxmlformats.org/presentationml/2006/main" xmlns:c="http://schemas.openxmlformats.org/drawingml/2006/chart" xmlns:dgm="http://schemas.openxmlformats.org/drawingml/2006/diagram" xmlns:o="urn:schemas-microsoft-com:office:office" xmlns:v="urn:schemas-microsoft-com:vml" xmlns:pvml="urn:schemas-microsoft-com:office:powerpoint" xmlns:com="http://schemas.openxmlformats.org/drawingml/2006/compatibility" xmlns:p14="http://schemas.microsoft.com/office/powerpoint/2010/main" xmlns:p15="http://schemas.microsoft.com/office/powerpoint/2012/main" xmlns:ahyp="http://schemas.microsoft.com/office/drawing/2018/hyperlinkcolor">
+<p:sld xmlns:a="http://schemas.openxmlformats.org/drawingml/2006/main" xmlns:r="http://schemas.openxmlformats.org/officeDocument/2006/relationships" xmlns:p="http://schemas.openxmlformats.org/presentationml/2006/main">
   <p:cSld>
     <p:spTree>
       <p:nvGrpSpPr>
-        <p:cNvPr id="64" name="Shape 64"/>
+        <p:cNvPr id="1" name="Shape 64"/>
         <p:cNvGrpSpPr/>
         <p:nvPr/>
       </p:nvGrpSpPr>
@@ -7468,7 +7536,9 @@
       <p:sp>
         <p:nvSpPr>
           <p:cNvPr id="65" name="Google Shape;65;p14"/>
-          <p:cNvSpPr txBox="1"/>
+          <p:cNvSpPr txBox="1">
+            <a:spLocks noGrp="1"/>
+          </p:cNvSpPr>
           <p:nvPr>
             <p:ph type="title"/>
           </p:nvPr>
@@ -7483,12 +7553,12 @@
           </a:prstGeom>
         </p:spPr>
         <p:txBody>
-          <a:bodyPr anchorCtr="0" anchor="t" bIns="91425" lIns="91425" spcFirstLastPara="1" rIns="91425" wrap="square" tIns="91425">
+          <a:bodyPr spcFirstLastPara="1" wrap="square" lIns="91425" tIns="91425" rIns="91425" bIns="91425" anchor="t" anchorCtr="0">
             <a:normAutofit fontScale="90000"/>
           </a:bodyPr>
           <a:lstStyle/>
           <a:p>
-            <a:pPr indent="0" lvl="0" marL="0" rtl="0" algn="l">
+            <a:pPr marL="0" lvl="0" indent="0" algn="l" rtl="0">
               <a:spcBef>
                 <a:spcPts val="0"/>
               </a:spcBef>
@@ -7508,9 +7578,11 @@
       <p:sp>
         <p:nvSpPr>
           <p:cNvPr id="66" name="Google Shape;66;p14"/>
-          <p:cNvSpPr txBox="1"/>
+          <p:cNvSpPr txBox="1">
+            <a:spLocks noGrp="1"/>
+          </p:cNvSpPr>
           <p:nvPr>
-            <p:ph idx="1" type="body"/>
+            <p:ph type="body" idx="1"/>
           </p:nvPr>
         </p:nvSpPr>
         <p:spPr>
@@ -7523,12 +7595,12 @@
           </a:prstGeom>
         </p:spPr>
         <p:txBody>
-          <a:bodyPr anchorCtr="0" anchor="t" bIns="91425" lIns="91425" spcFirstLastPara="1" rIns="91425" wrap="square" tIns="91425">
+          <a:bodyPr spcFirstLastPara="1" wrap="square" lIns="91425" tIns="91425" rIns="91425" bIns="91425" anchor="t" anchorCtr="0">
             <a:normAutofit/>
           </a:bodyPr>
           <a:lstStyle/>
           <a:p>
-            <a:pPr indent="-342900" lvl="0" marL="457200" marR="113311" rtl="0" algn="l">
+            <a:pPr marL="457200" marR="113311" lvl="0" indent="-342900" algn="l" rtl="0">
               <a:spcBef>
                 <a:spcPts val="0"/>
               </a:spcBef>
@@ -7545,7 +7617,7 @@
             <a:endParaRPr/>
           </a:p>
           <a:p>
-            <a:pPr indent="-342900" lvl="0" marL="457200" marR="113311" rtl="0" algn="l">
+            <a:pPr marL="457200" marR="113311" lvl="0" indent="-342900" algn="l" rtl="0">
               <a:spcBef>
                 <a:spcPts val="0"/>
               </a:spcBef>
@@ -7562,7 +7634,7 @@
             <a:endParaRPr/>
           </a:p>
           <a:p>
-            <a:pPr indent="-342900" lvl="0" marL="457200" marR="113311" rtl="0" algn="l">
+            <a:pPr marL="457200" marR="113311" lvl="0" indent="-342900" algn="l" rtl="0">
               <a:spcBef>
                 <a:spcPts val="0"/>
               </a:spcBef>
@@ -7579,7 +7651,7 @@
             <a:endParaRPr/>
           </a:p>
           <a:p>
-            <a:pPr indent="-342900" lvl="0" marL="457200" marR="113311" rtl="0" algn="l">
+            <a:pPr marL="457200" marR="113311" lvl="0" indent="-342900" algn="l" rtl="0">
               <a:spcBef>
                 <a:spcPts val="0"/>
               </a:spcBef>
@@ -7634,11 +7706,206 @@
 </file>
 
 <file path=ppt/slides/slide3.xml><?xml version="1.0" encoding="utf-8"?>
-<p:sld xmlns:a="http://schemas.openxmlformats.org/drawingml/2006/main" xmlns:r="http://schemas.openxmlformats.org/officeDocument/2006/relationships" xmlns:mc="http://schemas.openxmlformats.org/markup-compatibility/2006" xmlns:mv="urn:schemas-microsoft-com:mac:vml" xmlns:p="http://schemas.openxmlformats.org/presentationml/2006/main" xmlns:c="http://schemas.openxmlformats.org/drawingml/2006/chart" xmlns:dgm="http://schemas.openxmlformats.org/drawingml/2006/diagram" xmlns:o="urn:schemas-microsoft-com:office:office" xmlns:v="urn:schemas-microsoft-com:vml" xmlns:pvml="urn:schemas-microsoft-com:office:powerpoint" xmlns:com="http://schemas.openxmlformats.org/drawingml/2006/compatibility" xmlns:p14="http://schemas.microsoft.com/office/powerpoint/2010/main" xmlns:p15="http://schemas.microsoft.com/office/powerpoint/2012/main" xmlns:ahyp="http://schemas.microsoft.com/office/drawing/2018/hyperlinkcolor">
+<p:sld xmlns:a="http://schemas.openxmlformats.org/drawingml/2006/main" xmlns:r="http://schemas.openxmlformats.org/officeDocument/2006/relationships" xmlns:p="http://schemas.openxmlformats.org/presentationml/2006/main">
   <p:cSld>
     <p:spTree>
       <p:nvGrpSpPr>
-        <p:cNvPr id="71" name="Shape 71"/>
+        <p:cNvPr id="1" name=""/>
+        <p:cNvGrpSpPr/>
+        <p:nvPr/>
+      </p:nvGrpSpPr>
+      <p:grpSpPr>
+        <a:xfrm>
+          <a:off x="0" y="0"/>
+          <a:ext cx="0" cy="0"/>
+          <a:chOff x="0" y="0"/>
+          <a:chExt cx="0" cy="0"/>
+        </a:xfrm>
+      </p:grpSpPr>
+      <p:sp>
+        <p:nvSpPr>
+          <p:cNvPr id="2" name="Title 1">
+            <a:extLst>
+              <a:ext uri="{FF2B5EF4-FFF2-40B4-BE49-F238E27FC236}">
+                <a16:creationId xmlns:a16="http://schemas.microsoft.com/office/drawing/2014/main" id="{490B5D24-12D3-0935-8735-0A6D3CA27C32}"/>
+              </a:ext>
+            </a:extLst>
+          </p:cNvPr>
+          <p:cNvSpPr>
+            <a:spLocks noGrp="1"/>
+          </p:cNvSpPr>
+          <p:nvPr>
+            <p:ph type="title"/>
+          </p:nvPr>
+        </p:nvSpPr>
+        <p:spPr/>
+        <p:txBody>
+          <a:bodyPr>
+            <a:normAutofit fontScale="90000"/>
+          </a:bodyPr>
+          <a:lstStyle/>
+          <a:p>
+            <a:r>
+              <a:rPr lang="en-US" dirty="0"/>
+              <a:t>Code-Reviewer Implementation</a:t>
+            </a:r>
+          </a:p>
+        </p:txBody>
+      </p:sp>
+      <p:sp>
+        <p:nvSpPr>
+          <p:cNvPr id="3" name="Text Placeholder 2">
+            <a:extLst>
+              <a:ext uri="{FF2B5EF4-FFF2-40B4-BE49-F238E27FC236}">
+                <a16:creationId xmlns:a16="http://schemas.microsoft.com/office/drawing/2014/main" id="{F30B45CE-78C4-1182-ABEC-07E5849AA349}"/>
+              </a:ext>
+            </a:extLst>
+          </p:cNvPr>
+          <p:cNvSpPr>
+            <a:spLocks noGrp="1"/>
+          </p:cNvSpPr>
+          <p:nvPr>
+            <p:ph type="body" idx="1"/>
+          </p:nvPr>
+        </p:nvSpPr>
+        <p:spPr/>
+        <p:txBody>
+          <a:bodyPr/>
+          <a:lstStyle/>
+          <a:p>
+            <a:r>
+              <a:rPr lang="en-US" dirty="0"/>
+              <a:t>Webhook service</a:t>
+            </a:r>
+          </a:p>
+          <a:p>
+            <a:pPr lvl="1"/>
+            <a:r>
+              <a:rPr lang="en-US" dirty="0"/>
+              <a:t>Azure function app (</a:t>
+            </a:r>
+            <a:r>
+              <a:rPr lang="en-US" dirty="0" err="1"/>
+              <a:t>HttpTrigger</a:t>
+            </a:r>
+            <a:r>
+              <a:rPr lang="en-US" dirty="0"/>
+              <a:t>)</a:t>
+            </a:r>
+          </a:p>
+          <a:p>
+            <a:pPr lvl="1"/>
+            <a:r>
+              <a:rPr lang="en-US" dirty="0"/>
+              <a:t>.NET/C#</a:t>
+            </a:r>
+          </a:p>
+          <a:p>
+            <a:pPr lvl="1"/>
+            <a:r>
+              <a:rPr lang="en-US" dirty="0"/>
+              <a:t>Azure Key Vault </a:t>
+            </a:r>
+          </a:p>
+          <a:p>
+            <a:pPr lvl="1"/>
+            <a:r>
+              <a:rPr lang="en-US" dirty="0"/>
+              <a:t>Azure Open AI (gpt4 model)</a:t>
+            </a:r>
+          </a:p>
+          <a:p>
+            <a:r>
+              <a:rPr lang="en-US" dirty="0" err="1"/>
+              <a:t>Github</a:t>
+            </a:r>
+            <a:r>
+              <a:rPr lang="en-US" dirty="0"/>
+              <a:t> Apps</a:t>
+            </a:r>
+          </a:p>
+          <a:p>
+            <a:pPr lvl="1"/>
+            <a:r>
+              <a:rPr lang="en-US" dirty="0"/>
+              <a:t>PR related events</a:t>
+            </a:r>
+          </a:p>
+          <a:p>
+            <a:pPr lvl="1"/>
+            <a:r>
+              <a:rPr lang="en-US" dirty="0"/>
+              <a:t>Permissions to create PR comment</a:t>
+            </a:r>
+          </a:p>
+        </p:txBody>
+      </p:sp>
+      <p:pic>
+        <p:nvPicPr>
+          <p:cNvPr id="1026" name="Picture 2">
+            <a:extLst>
+              <a:ext uri="{FF2B5EF4-FFF2-40B4-BE49-F238E27FC236}">
+                <a16:creationId xmlns:a16="http://schemas.microsoft.com/office/drawing/2014/main" id="{C6809D79-15DB-F09A-B6A2-B72C4FB1F605}"/>
+              </a:ext>
+            </a:extLst>
+          </p:cNvPr>
+          <p:cNvPicPr>
+            <a:picLocks noChangeAspect="1" noChangeArrowheads="1"/>
+          </p:cNvPicPr>
+          <p:nvPr/>
+        </p:nvPicPr>
+        <p:blipFill>
+          <a:blip r:embed="rId2">
+            <a:extLst>
+              <a:ext uri="{28A0092B-C50C-407E-A947-70E740481C1C}">
+                <a14:useLocalDpi xmlns:a14="http://schemas.microsoft.com/office/drawing/2010/main" val="0"/>
+              </a:ext>
+            </a:extLst>
+          </a:blip>
+          <a:srcRect/>
+          <a:stretch>
+            <a:fillRect/>
+          </a:stretch>
+        </p:blipFill>
+        <p:spPr bwMode="auto">
+          <a:xfrm>
+            <a:off x="4004435" y="1647204"/>
+            <a:ext cx="4752975" cy="1438275"/>
+          </a:xfrm>
+          <a:prstGeom prst="rect">
+            <a:avLst/>
+          </a:prstGeom>
+          <a:noFill/>
+          <a:extLst>
+            <a:ext uri="{909E8E84-426E-40DD-AFC4-6F175D3DCCD1}">
+              <a14:hiddenFill xmlns:a14="http://schemas.microsoft.com/office/drawing/2010/main">
+                <a:solidFill>
+                  <a:srgbClr val="FFFFFF"/>
+                </a:solidFill>
+              </a14:hiddenFill>
+            </a:ext>
+          </a:extLst>
+        </p:spPr>
+      </p:pic>
+    </p:spTree>
+    <p:extLst>
+      <p:ext uri="{BB962C8B-B14F-4D97-AF65-F5344CB8AC3E}">
+        <p14:creationId xmlns:p14="http://schemas.microsoft.com/office/powerpoint/2010/main" val="3786834657"/>
+      </p:ext>
+    </p:extLst>
+  </p:cSld>
+  <p:clrMapOvr>
+    <a:masterClrMapping/>
+  </p:clrMapOvr>
+</p:sld>
+</file>
+
+<file path=ppt/slides/slide4.xml><?xml version="1.0" encoding="utf-8"?>
+<p:sld xmlns:a="http://schemas.openxmlformats.org/drawingml/2006/main" xmlns:r="http://schemas.openxmlformats.org/officeDocument/2006/relationships" xmlns:p="http://schemas.openxmlformats.org/presentationml/2006/main">
+  <p:cSld>
+    <p:spTree>
+      <p:nvGrpSpPr>
+        <p:cNvPr id="1" name="Shape 71"/>
         <p:cNvGrpSpPr/>
         <p:nvPr/>
       </p:nvGrpSpPr>
@@ -7653,7 +7920,9 @@
       <p:sp>
         <p:nvSpPr>
           <p:cNvPr id="72" name="Google Shape;72;p15"/>
-          <p:cNvSpPr txBox="1"/>
+          <p:cNvSpPr txBox="1">
+            <a:spLocks noGrp="1"/>
+          </p:cNvSpPr>
           <p:nvPr>
             <p:ph type="title"/>
           </p:nvPr>
@@ -7668,12 +7937,12 @@
           </a:prstGeom>
         </p:spPr>
         <p:txBody>
-          <a:bodyPr anchorCtr="0" anchor="t" bIns="91425" lIns="91425" spcFirstLastPara="1" rIns="91425" wrap="square" tIns="91425">
+          <a:bodyPr spcFirstLastPara="1" wrap="square" lIns="91425" tIns="91425" rIns="91425" bIns="91425" anchor="t" anchorCtr="0">
             <a:normAutofit fontScale="90000"/>
           </a:bodyPr>
           <a:lstStyle/>
           <a:p>
-            <a:pPr indent="0" lvl="0" marL="0" rtl="0" algn="l">
+            <a:pPr marL="0" lvl="0" indent="0" algn="l" rtl="0">
               <a:spcBef>
                 <a:spcPts val="0"/>
               </a:spcBef>
@@ -7693,9 +7962,11 @@
       <p:sp>
         <p:nvSpPr>
           <p:cNvPr id="73" name="Google Shape;73;p15"/>
-          <p:cNvSpPr txBox="1"/>
+          <p:cNvSpPr txBox="1">
+            <a:spLocks noGrp="1"/>
+          </p:cNvSpPr>
           <p:nvPr>
-            <p:ph idx="1" type="body"/>
+            <p:ph type="body" idx="1"/>
           </p:nvPr>
         </p:nvSpPr>
         <p:spPr>
@@ -7708,12 +7979,12 @@
           </a:prstGeom>
         </p:spPr>
         <p:txBody>
-          <a:bodyPr anchorCtr="0" anchor="t" bIns="91425" lIns="91425" spcFirstLastPara="1" rIns="91425" wrap="square" tIns="91425">
+          <a:bodyPr spcFirstLastPara="1" wrap="square" lIns="91425" tIns="91425" rIns="91425" bIns="91425" anchor="t" anchorCtr="0">
             <a:normAutofit/>
           </a:bodyPr>
           <a:lstStyle/>
           <a:p>
-            <a:pPr indent="-342900" lvl="0" marL="457200" marR="5256812" rtl="0" algn="l">
+            <a:pPr marL="457200" marR="5256812" lvl="0" indent="-342900" algn="l" rtl="0">
               <a:spcBef>
                 <a:spcPts val="0"/>
               </a:spcBef>
@@ -7725,16 +7996,12 @@
             </a:pPr>
             <a:r>
               <a:rPr lang="en"/>
-              <a:t>K</a:t>
+              <a:t>Key features</a:t>
             </a:r>
-            <a:r>
-              <a:rPr lang="en"/>
-              <a:t>ey features</a:t>
-            </a:r>
-            <a:endParaRPr/>
-          </a:p>
-          <a:p>
-            <a:pPr indent="-317500" lvl="1" marL="914400" marR="4170962" rtl="0" algn="l">
+            <a:endParaRPr/>
+          </a:p>
+          <a:p>
+            <a:pPr marL="914400" marR="4170962" lvl="1" indent="-317500" algn="l" rtl="0">
               <a:spcBef>
                 <a:spcPts val="0"/>
               </a:spcBef>
@@ -7751,7 +8018,7 @@
             <a:endParaRPr/>
           </a:p>
           <a:p>
-            <a:pPr indent="-317500" lvl="1" marL="914400" marR="3770912" rtl="0" algn="l">
+            <a:pPr marL="914400" marR="3770912" lvl="1" indent="-317500" algn="l" rtl="0">
               <a:spcBef>
                 <a:spcPts val="0"/>
               </a:spcBef>
@@ -7768,7 +8035,7 @@
             <a:endParaRPr/>
           </a:p>
           <a:p>
-            <a:pPr indent="-317500" lvl="1" marL="914400" marR="3770912" rtl="0" algn="l">
+            <a:pPr marL="914400" marR="3770912" lvl="1" indent="-317500" algn="l" rtl="0">
               <a:spcBef>
                 <a:spcPts val="0"/>
               </a:spcBef>
@@ -7785,7 +8052,7 @@
             <a:endParaRPr/>
           </a:p>
           <a:p>
-            <a:pPr indent="-342900" lvl="0" marL="457200" rtl="0" algn="l">
+            <a:pPr marL="457200" lvl="0" indent="-342900" algn="l" rtl="0">
               <a:spcBef>
                 <a:spcPts val="0"/>
               </a:spcBef>
@@ -7802,7 +8069,7 @@
             <a:endParaRPr/>
           </a:p>
           <a:p>
-            <a:pPr indent="-317500" lvl="1" marL="914400" rtl="0" algn="l">
+            <a:pPr marL="914400" lvl="1" indent="-317500" algn="l" rtl="0">
               <a:spcBef>
                 <a:spcPts val="0"/>
               </a:spcBef>
@@ -7819,7 +8086,7 @@
             <a:endParaRPr/>
           </a:p>
           <a:p>
-            <a:pPr indent="-317500" lvl="1" marL="914400" rtl="0" algn="l">
+            <a:pPr marL="914400" lvl="1" indent="-317500" algn="l" rtl="0">
               <a:spcBef>
                 <a:spcPts val="0"/>
               </a:spcBef>
@@ -7836,7 +8103,7 @@
             <a:endParaRPr/>
           </a:p>
           <a:p>
-            <a:pPr indent="-317500" lvl="1" marL="914400" rtl="0" algn="l">
+            <a:pPr marL="914400" lvl="1" indent="-317500" algn="l" rtl="0">
               <a:spcBef>
                 <a:spcPts val="0"/>
               </a:spcBef>
@@ -7853,7 +8120,7 @@
             <a:endParaRPr/>
           </a:p>
           <a:p>
-            <a:pPr indent="-317500" lvl="1" marL="914400" rtl="0" algn="l">
+            <a:pPr marL="914400" lvl="1" indent="-317500" algn="l" rtl="0">
               <a:spcBef>
                 <a:spcPts val="0"/>
               </a:spcBef>
@@ -7870,7 +8137,7 @@
             <a:endParaRPr/>
           </a:p>
           <a:p>
-            <a:pPr indent="-317500" lvl="1" marL="914400" rtl="0" algn="l">
+            <a:pPr marL="914400" lvl="1" indent="-317500" algn="l" rtl="0">
               <a:spcBef>
                 <a:spcPts val="0"/>
               </a:spcBef>
@@ -7887,7 +8154,7 @@
             <a:endParaRPr/>
           </a:p>
           <a:p>
-            <a:pPr indent="0" lvl="0" marL="914400" rtl="0" algn="l">
+            <a:pPr marL="914400" lvl="0" indent="0" algn="l" rtl="0">
               <a:spcBef>
                 <a:spcPts val="1200"/>
               </a:spcBef>
@@ -7896,9 +8163,6 @@
               </a:spcAft>
               <a:buNone/>
             </a:pPr>
-            <a:r>
-              <a:t/>
-            </a:r>
             <a:endParaRPr/>
           </a:p>
         </p:txBody>
@@ -7939,12 +8203,12 @@
 </p:sld>
 </file>
 
-<file path=ppt/slides/slide4.xml><?xml version="1.0" encoding="utf-8"?>
-<p:sld xmlns:a="http://schemas.openxmlformats.org/drawingml/2006/main" xmlns:r="http://schemas.openxmlformats.org/officeDocument/2006/relationships" xmlns:mc="http://schemas.openxmlformats.org/markup-compatibility/2006" xmlns:mv="urn:schemas-microsoft-com:mac:vml" xmlns:p="http://schemas.openxmlformats.org/presentationml/2006/main" xmlns:c="http://schemas.openxmlformats.org/drawingml/2006/chart" xmlns:dgm="http://schemas.openxmlformats.org/drawingml/2006/diagram" xmlns:o="urn:schemas-microsoft-com:office:office" xmlns:v="urn:schemas-microsoft-com:vml" xmlns:pvml="urn:schemas-microsoft-com:office:powerpoint" xmlns:com="http://schemas.openxmlformats.org/drawingml/2006/compatibility" xmlns:p14="http://schemas.microsoft.com/office/powerpoint/2010/main" xmlns:p15="http://schemas.microsoft.com/office/powerpoint/2012/main" xmlns:ahyp="http://schemas.microsoft.com/office/drawing/2018/hyperlinkcolor">
+<file path=ppt/slides/slide5.xml><?xml version="1.0" encoding="utf-8"?>
+<p:sld xmlns:a="http://schemas.openxmlformats.org/drawingml/2006/main" xmlns:r="http://schemas.openxmlformats.org/officeDocument/2006/relationships" xmlns:p="http://schemas.openxmlformats.org/presentationml/2006/main">
   <p:cSld>
     <p:spTree>
       <p:nvGrpSpPr>
-        <p:cNvPr id="78" name="Shape 78"/>
+        <p:cNvPr id="1" name="Shape 78"/>
         <p:cNvGrpSpPr/>
         <p:nvPr/>
       </p:nvGrpSpPr>
@@ -7959,7 +8223,9 @@
       <p:sp>
         <p:nvSpPr>
           <p:cNvPr id="79" name="Google Shape;79;p16"/>
-          <p:cNvSpPr txBox="1"/>
+          <p:cNvSpPr txBox="1">
+            <a:spLocks noGrp="1"/>
+          </p:cNvSpPr>
           <p:nvPr>
             <p:ph type="title"/>
           </p:nvPr>
@@ -7974,12 +8240,12 @@
           </a:prstGeom>
         </p:spPr>
         <p:txBody>
-          <a:bodyPr anchorCtr="0" anchor="t" bIns="91425" lIns="91425" spcFirstLastPara="1" rIns="91425" wrap="square" tIns="91425">
+          <a:bodyPr spcFirstLastPara="1" wrap="square" lIns="91425" tIns="91425" rIns="91425" bIns="91425" anchor="t" anchorCtr="0">
             <a:normAutofit fontScale="90000"/>
           </a:bodyPr>
           <a:lstStyle/>
           <a:p>
-            <a:pPr indent="0" lvl="0" marL="0" rtl="0" algn="l">
+            <a:pPr marL="0" lvl="0" indent="0" algn="l" rtl="0">
               <a:spcBef>
                 <a:spcPts val="0"/>
               </a:spcBef>
@@ -7999,9 +8265,11 @@
       <p:sp>
         <p:nvSpPr>
           <p:cNvPr id="80" name="Google Shape;80;p16"/>
-          <p:cNvSpPr txBox="1"/>
+          <p:cNvSpPr txBox="1">
+            <a:spLocks noGrp="1"/>
+          </p:cNvSpPr>
           <p:nvPr>
-            <p:ph idx="1" type="body"/>
+            <p:ph type="body" idx="1"/>
           </p:nvPr>
         </p:nvSpPr>
         <p:spPr>
@@ -8014,12 +8282,12 @@
           </a:prstGeom>
         </p:spPr>
         <p:txBody>
-          <a:bodyPr anchorCtr="0" anchor="t" bIns="91425" lIns="91425" spcFirstLastPara="1" rIns="91425" wrap="square" tIns="91425">
+          <a:bodyPr spcFirstLastPara="1" wrap="square" lIns="91425" tIns="91425" rIns="91425" bIns="91425" anchor="t" anchorCtr="0">
             <a:normAutofit/>
           </a:bodyPr>
           <a:lstStyle/>
           <a:p>
-            <a:pPr indent="-342900" lvl="0" marL="457200" rtl="0" algn="l">
+            <a:pPr marL="457200" lvl="0" indent="-342900" algn="l" rtl="0">
               <a:spcBef>
                 <a:spcPts val="0"/>
               </a:spcBef>
@@ -8036,7 +8304,7 @@
             <a:endParaRPr/>
           </a:p>
           <a:p>
-            <a:pPr indent="-342900" lvl="0" marL="457200" rtl="0" algn="l">
+            <a:pPr marL="457200" lvl="0" indent="-342900" algn="l" rtl="0">
               <a:spcBef>
                 <a:spcPts val="0"/>
               </a:spcBef>
@@ -8053,7 +8321,7 @@
             <a:endParaRPr/>
           </a:p>
           <a:p>
-            <a:pPr indent="-342900" lvl="0" marL="457200" marR="5199662" rtl="0" algn="l">
+            <a:pPr marL="457200" marR="5199662" lvl="0" indent="-342900" algn="l" rtl="0">
               <a:spcBef>
                 <a:spcPts val="0"/>
               </a:spcBef>
@@ -8070,7 +8338,7 @@
             <a:endParaRPr/>
           </a:p>
           <a:p>
-            <a:pPr indent="-342900" lvl="0" marL="457200" rtl="0" algn="l">
+            <a:pPr marL="457200" lvl="0" indent="-342900" algn="l" rtl="0">
               <a:spcBef>
                 <a:spcPts val="0"/>
               </a:spcBef>
@@ -8125,7 +8393,288 @@
 </file>
 
 <file path=ppt/theme/theme1.xml><?xml version="1.0" encoding="utf-8"?>
-<a:theme xmlns:a="http://schemas.openxmlformats.org/drawingml/2006/main" xmlns:r="http://schemas.openxmlformats.org/officeDocument/2006/relationships">
+<a:theme xmlns:a="http://schemas.openxmlformats.org/drawingml/2006/main" name="Spearmint">
+  <a:themeElements>
+    <a:clrScheme name="Spearmint">
+      <a:dk1>
+        <a:srgbClr val="202729"/>
+      </a:dk1>
+      <a:lt1>
+        <a:srgbClr val="FFFFFF"/>
+      </a:lt1>
+      <a:dk2>
+        <a:srgbClr val="4BA173"/>
+      </a:dk2>
+      <a:lt2>
+        <a:srgbClr val="63D297"/>
+      </a:lt2>
+      <a:accent1>
+        <a:srgbClr val="353744"/>
+      </a:accent1>
+      <a:accent2>
+        <a:srgbClr val="424242"/>
+      </a:accent2>
+      <a:accent3>
+        <a:srgbClr val="616161"/>
+      </a:accent3>
+      <a:accent4>
+        <a:srgbClr val="999999"/>
+      </a:accent4>
+      <a:accent5>
+        <a:srgbClr val="FF5252"/>
+      </a:accent5>
+      <a:accent6>
+        <a:srgbClr val="FFF176"/>
+      </a:accent6>
+      <a:hlink>
+        <a:srgbClr val="FF5252"/>
+      </a:hlink>
+      <a:folHlink>
+        <a:srgbClr val="FF5252"/>
+      </a:folHlink>
+    </a:clrScheme>
+    <a:fontScheme name="Office">
+      <a:majorFont>
+        <a:latin typeface="Arial"/>
+        <a:ea typeface=""/>
+        <a:cs typeface=""/>
+        <a:font script="Jpan" typeface="ＭＳ Ｐゴシック"/>
+        <a:font script="Hang" typeface="맑은 고딕"/>
+        <a:font script="Hans" typeface="宋体"/>
+        <a:font script="Hant" typeface="新細明體"/>
+        <a:font script="Arab" typeface="Times New Roman"/>
+        <a:font script="Hebr" typeface="Times New Roman"/>
+        <a:font script="Thai" typeface="Angsana New"/>
+        <a:font script="Ethi" typeface="Nyala"/>
+        <a:font script="Beng" typeface="Vrinda"/>
+        <a:font script="Gujr" typeface="Shruti"/>
+        <a:font script="Khmr" typeface="MoolBoran"/>
+        <a:font script="Knda" typeface="Tunga"/>
+        <a:font script="Guru" typeface="Raavi"/>
+        <a:font script="Cans" typeface="Euphemia"/>
+        <a:font script="Cher" typeface="Plantagenet Cherokee"/>
+        <a:font script="Yiii" typeface="Microsoft Yi Baiti"/>
+        <a:font script="Tibt" typeface="Microsoft Himalaya"/>
+        <a:font script="Thaa" typeface="MV Boli"/>
+        <a:font script="Deva" typeface="Mangal"/>
+        <a:font script="Telu" typeface="Gautami"/>
+        <a:font script="Taml" typeface="Latha"/>
+        <a:font script="Syrc" typeface="Estrangelo Edessa"/>
+        <a:font script="Orya" typeface="Kalinga"/>
+        <a:font script="Mlym" typeface="Kartika"/>
+        <a:font script="Laoo" typeface="DokChampa"/>
+        <a:font script="Sinh" typeface="Iskoola Pota"/>
+        <a:font script="Mong" typeface="Mongolian Baiti"/>
+        <a:font script="Viet" typeface="Times New Roman"/>
+        <a:font script="Uigh" typeface="Microsoft Uighur"/>
+        <a:font script="Geor" typeface="Sylfaen"/>
+      </a:majorFont>
+      <a:minorFont>
+        <a:latin typeface="Arial"/>
+        <a:ea typeface=""/>
+        <a:cs typeface=""/>
+        <a:font script="Jpan" typeface="ＭＳ Ｐゴシック"/>
+        <a:font script="Hang" typeface="맑은 고딕"/>
+        <a:font script="Hans" typeface="宋体"/>
+        <a:font script="Hant" typeface="新細明體"/>
+        <a:font script="Arab" typeface="Arial"/>
+        <a:font script="Hebr" typeface="Arial"/>
+        <a:font script="Thai" typeface="Cordia New"/>
+        <a:font script="Ethi" typeface="Nyala"/>
+        <a:font script="Beng" typeface="Vrinda"/>
+        <a:font script="Gujr" typeface="Shruti"/>
+        <a:font script="Khmr" typeface="DaunPenh"/>
+        <a:font script="Knda" typeface="Tunga"/>
+        <a:font script="Guru" typeface="Raavi"/>
+        <a:font script="Cans" typeface="Euphemia"/>
+        <a:font script="Cher" typeface="Plantagenet Cherokee"/>
+        <a:font script="Yiii" typeface="Microsoft Yi Baiti"/>
+        <a:font script="Tibt" typeface="Microsoft Himalaya"/>
+        <a:font script="Thaa" typeface="MV Boli"/>
+        <a:font script="Deva" typeface="Mangal"/>
+        <a:font script="Telu" typeface="Gautami"/>
+        <a:font script="Taml" typeface="Latha"/>
+        <a:font script="Syrc" typeface="Estrangelo Edessa"/>
+        <a:font script="Orya" typeface="Kalinga"/>
+        <a:font script="Mlym" typeface="Kartika"/>
+        <a:font script="Laoo" typeface="DokChampa"/>
+        <a:font script="Sinh" typeface="Iskoola Pota"/>
+        <a:font script="Mong" typeface="Mongolian Baiti"/>
+        <a:font script="Viet" typeface="Arial"/>
+        <a:font script="Uigh" typeface="Microsoft Uighur"/>
+        <a:font script="Geor" typeface="Sylfaen"/>
+      </a:minorFont>
+    </a:fontScheme>
+    <a:fmtScheme name="Office">
+      <a:fillStyleLst>
+        <a:solidFill>
+          <a:schemeClr val="phClr"/>
+        </a:solidFill>
+        <a:gradFill rotWithShape="1">
+          <a:gsLst>
+            <a:gs pos="0">
+              <a:schemeClr val="phClr">
+                <a:tint val="50000"/>
+                <a:satMod val="300000"/>
+              </a:schemeClr>
+            </a:gs>
+            <a:gs pos="35000">
+              <a:schemeClr val="phClr">
+                <a:tint val="37000"/>
+                <a:satMod val="300000"/>
+              </a:schemeClr>
+            </a:gs>
+            <a:gs pos="100000">
+              <a:schemeClr val="phClr">
+                <a:tint val="15000"/>
+                <a:satMod val="350000"/>
+              </a:schemeClr>
+            </a:gs>
+          </a:gsLst>
+          <a:lin ang="16200000" scaled="1"/>
+        </a:gradFill>
+        <a:gradFill rotWithShape="1">
+          <a:gsLst>
+            <a:gs pos="0">
+              <a:schemeClr val="phClr">
+                <a:tint val="100000"/>
+                <a:shade val="100000"/>
+                <a:satMod val="130000"/>
+              </a:schemeClr>
+            </a:gs>
+            <a:gs pos="100000">
+              <a:schemeClr val="phClr">
+                <a:tint val="50000"/>
+                <a:shade val="100000"/>
+                <a:satMod val="350000"/>
+              </a:schemeClr>
+            </a:gs>
+          </a:gsLst>
+          <a:lin ang="16200000" scaled="0"/>
+        </a:gradFill>
+      </a:fillStyleLst>
+      <a:lnStyleLst>
+        <a:ln w="9525" cap="flat" cmpd="sng" algn="ctr">
+          <a:solidFill>
+            <a:schemeClr val="phClr">
+              <a:shade val="95000"/>
+              <a:satMod val="105000"/>
+            </a:schemeClr>
+          </a:solidFill>
+          <a:prstDash val="solid"/>
+        </a:ln>
+        <a:ln w="25400" cap="flat" cmpd="sng" algn="ctr">
+          <a:solidFill>
+            <a:schemeClr val="phClr"/>
+          </a:solidFill>
+          <a:prstDash val="solid"/>
+        </a:ln>
+        <a:ln w="38100" cap="flat" cmpd="sng" algn="ctr">
+          <a:solidFill>
+            <a:schemeClr val="phClr"/>
+          </a:solidFill>
+          <a:prstDash val="solid"/>
+        </a:ln>
+      </a:lnStyleLst>
+      <a:effectStyleLst>
+        <a:effectStyle>
+          <a:effectLst>
+            <a:outerShdw blurRad="40000" dist="20000" dir="5400000" rotWithShape="0">
+              <a:srgbClr val="000000">
+                <a:alpha val="38000"/>
+              </a:srgbClr>
+            </a:outerShdw>
+          </a:effectLst>
+        </a:effectStyle>
+        <a:effectStyle>
+          <a:effectLst>
+            <a:outerShdw blurRad="40000" dist="23000" dir="5400000" rotWithShape="0">
+              <a:srgbClr val="000000">
+                <a:alpha val="35000"/>
+              </a:srgbClr>
+            </a:outerShdw>
+          </a:effectLst>
+        </a:effectStyle>
+        <a:effectStyle>
+          <a:effectLst>
+            <a:outerShdw blurRad="40000" dist="23000" dir="5400000" rotWithShape="0">
+              <a:srgbClr val="000000">
+                <a:alpha val="35000"/>
+              </a:srgbClr>
+            </a:outerShdw>
+          </a:effectLst>
+          <a:scene3d>
+            <a:camera prst="orthographicFront">
+              <a:rot lat="0" lon="0" rev="0"/>
+            </a:camera>
+            <a:lightRig rig="threePt" dir="t">
+              <a:rot lat="0" lon="0" rev="1200000"/>
+            </a:lightRig>
+          </a:scene3d>
+          <a:sp3d>
+            <a:bevelT w="63500" h="25400"/>
+          </a:sp3d>
+        </a:effectStyle>
+      </a:effectStyleLst>
+      <a:bgFillStyleLst>
+        <a:solidFill>
+          <a:schemeClr val="phClr"/>
+        </a:solidFill>
+        <a:gradFill rotWithShape="1">
+          <a:gsLst>
+            <a:gs pos="0">
+              <a:schemeClr val="phClr">
+                <a:tint val="40000"/>
+                <a:satMod val="350000"/>
+              </a:schemeClr>
+            </a:gs>
+            <a:gs pos="40000">
+              <a:schemeClr val="phClr">
+                <a:tint val="45000"/>
+                <a:shade val="99000"/>
+                <a:satMod val="350000"/>
+              </a:schemeClr>
+            </a:gs>
+            <a:gs pos="100000">
+              <a:schemeClr val="phClr">
+                <a:shade val="20000"/>
+                <a:satMod val="255000"/>
+              </a:schemeClr>
+            </a:gs>
+          </a:gsLst>
+          <a:path path="circle">
+            <a:fillToRect l="50000" t="-80000" r="50000" b="180000"/>
+          </a:path>
+        </a:gradFill>
+        <a:gradFill rotWithShape="1">
+          <a:gsLst>
+            <a:gs pos="0">
+              <a:schemeClr val="phClr">
+                <a:tint val="80000"/>
+                <a:satMod val="300000"/>
+              </a:schemeClr>
+            </a:gs>
+            <a:gs pos="100000">
+              <a:schemeClr val="phClr">
+                <a:shade val="30000"/>
+                <a:satMod val="200000"/>
+              </a:schemeClr>
+            </a:gs>
+          </a:gsLst>
+          <a:path path="circle">
+            <a:fillToRect l="50000" t="50000" r="50000" b="50000"/>
+          </a:path>
+        </a:gradFill>
+      </a:bgFillStyleLst>
+    </a:fmtScheme>
+  </a:themeElements>
+  <a:objectDefaults/>
+  <a:extraClrSchemeLst/>
+</a:theme>
+</file>
+
+<file path=ppt/theme/theme2.xml><?xml version="1.0" encoding="utf-8"?>
+<a:theme xmlns:a="http://schemas.openxmlformats.org/drawingml/2006/main">
   <a:themeElements>
     <a:clrScheme name="Default">
       <a:dk1>
@@ -8400,284 +8949,7 @@
       </a:bgFillStyleLst>
     </a:fmtScheme>
   </a:themeElements>
-</a:theme>
-</file>
-
-<file path=ppt/theme/theme2.xml><?xml version="1.0" encoding="utf-8"?>
-<a:theme xmlns:a="http://schemas.openxmlformats.org/drawingml/2006/main" xmlns:r="http://schemas.openxmlformats.org/officeDocument/2006/relationships" name="Spearmint">
-  <a:themeElements>
-    <a:clrScheme name="Spearmint">
-      <a:dk1>
-        <a:srgbClr val="202729"/>
-      </a:dk1>
-      <a:lt1>
-        <a:srgbClr val="FFFFFF"/>
-      </a:lt1>
-      <a:dk2>
-        <a:srgbClr val="4BA173"/>
-      </a:dk2>
-      <a:lt2>
-        <a:srgbClr val="63D297"/>
-      </a:lt2>
-      <a:accent1>
-        <a:srgbClr val="353744"/>
-      </a:accent1>
-      <a:accent2>
-        <a:srgbClr val="424242"/>
-      </a:accent2>
-      <a:accent3>
-        <a:srgbClr val="616161"/>
-      </a:accent3>
-      <a:accent4>
-        <a:srgbClr val="999999"/>
-      </a:accent4>
-      <a:accent5>
-        <a:srgbClr val="FF5252"/>
-      </a:accent5>
-      <a:accent6>
-        <a:srgbClr val="FFF176"/>
-      </a:accent6>
-      <a:hlink>
-        <a:srgbClr val="FF5252"/>
-      </a:hlink>
-      <a:folHlink>
-        <a:srgbClr val="FF5252"/>
-      </a:folHlink>
-    </a:clrScheme>
-    <a:fontScheme name="Office">
-      <a:majorFont>
-        <a:latin typeface="Arial"/>
-        <a:ea typeface=""/>
-        <a:cs typeface=""/>
-        <a:font script="Jpan" typeface="ＭＳ Ｐゴシック"/>
-        <a:font script="Hang" typeface="맑은 고딕"/>
-        <a:font script="Hans" typeface="宋体"/>
-        <a:font script="Hant" typeface="新細明體"/>
-        <a:font script="Arab" typeface="Times New Roman"/>
-        <a:font script="Hebr" typeface="Times New Roman"/>
-        <a:font script="Thai" typeface="Angsana New"/>
-        <a:font script="Ethi" typeface="Nyala"/>
-        <a:font script="Beng" typeface="Vrinda"/>
-        <a:font script="Gujr" typeface="Shruti"/>
-        <a:font script="Khmr" typeface="MoolBoran"/>
-        <a:font script="Knda" typeface="Tunga"/>
-        <a:font script="Guru" typeface="Raavi"/>
-        <a:font script="Cans" typeface="Euphemia"/>
-        <a:font script="Cher" typeface="Plantagenet Cherokee"/>
-        <a:font script="Yiii" typeface="Microsoft Yi Baiti"/>
-        <a:font script="Tibt" typeface="Microsoft Himalaya"/>
-        <a:font script="Thaa" typeface="MV Boli"/>
-        <a:font script="Deva" typeface="Mangal"/>
-        <a:font script="Telu" typeface="Gautami"/>
-        <a:font script="Taml" typeface="Latha"/>
-        <a:font script="Syrc" typeface="Estrangelo Edessa"/>
-        <a:font script="Orya" typeface="Kalinga"/>
-        <a:font script="Mlym" typeface="Kartika"/>
-        <a:font script="Laoo" typeface="DokChampa"/>
-        <a:font script="Sinh" typeface="Iskoola Pota"/>
-        <a:font script="Mong" typeface="Mongolian Baiti"/>
-        <a:font script="Viet" typeface="Times New Roman"/>
-        <a:font script="Uigh" typeface="Microsoft Uighur"/>
-        <a:font script="Geor" typeface="Sylfaen"/>
-      </a:majorFont>
-      <a:minorFont>
-        <a:latin typeface="Arial"/>
-        <a:ea typeface=""/>
-        <a:cs typeface=""/>
-        <a:font script="Jpan" typeface="ＭＳ Ｐゴシック"/>
-        <a:font script="Hang" typeface="맑은 고딕"/>
-        <a:font script="Hans" typeface="宋体"/>
-        <a:font script="Hant" typeface="新細明體"/>
-        <a:font script="Arab" typeface="Arial"/>
-        <a:font script="Hebr" typeface="Arial"/>
-        <a:font script="Thai" typeface="Cordia New"/>
-        <a:font script="Ethi" typeface="Nyala"/>
-        <a:font script="Beng" typeface="Vrinda"/>
-        <a:font script="Gujr" typeface="Shruti"/>
-        <a:font script="Khmr" typeface="DaunPenh"/>
-        <a:font script="Knda" typeface="Tunga"/>
-        <a:font script="Guru" typeface="Raavi"/>
-        <a:font script="Cans" typeface="Euphemia"/>
-        <a:font script="Cher" typeface="Plantagenet Cherokee"/>
-        <a:font script="Yiii" typeface="Microsoft Yi Baiti"/>
-        <a:font script="Tibt" typeface="Microsoft Himalaya"/>
-        <a:font script="Thaa" typeface="MV Boli"/>
-        <a:font script="Deva" typeface="Mangal"/>
-        <a:font script="Telu" typeface="Gautami"/>
-        <a:font script="Taml" typeface="Latha"/>
-        <a:font script="Syrc" typeface="Estrangelo Edessa"/>
-        <a:font script="Orya" typeface="Kalinga"/>
-        <a:font script="Mlym" typeface="Kartika"/>
-        <a:font script="Laoo" typeface="DokChampa"/>
-        <a:font script="Sinh" typeface="Iskoola Pota"/>
-        <a:font script="Mong" typeface="Mongolian Baiti"/>
-        <a:font script="Viet" typeface="Arial"/>
-        <a:font script="Uigh" typeface="Microsoft Uighur"/>
-        <a:font script="Geor" typeface="Sylfaen"/>
-      </a:minorFont>
-    </a:fontScheme>
-    <a:fmtScheme name="Office">
-      <a:fillStyleLst>
-        <a:solidFill>
-          <a:schemeClr val="phClr"/>
-        </a:solidFill>
-        <a:gradFill rotWithShape="1">
-          <a:gsLst>
-            <a:gs pos="0">
-              <a:schemeClr val="phClr">
-                <a:tint val="50000"/>
-                <a:satMod val="300000"/>
-              </a:schemeClr>
-            </a:gs>
-            <a:gs pos="35000">
-              <a:schemeClr val="phClr">
-                <a:tint val="37000"/>
-                <a:satMod val="300000"/>
-              </a:schemeClr>
-            </a:gs>
-            <a:gs pos="100000">
-              <a:schemeClr val="phClr">
-                <a:tint val="15000"/>
-                <a:satMod val="350000"/>
-              </a:schemeClr>
-            </a:gs>
-          </a:gsLst>
-          <a:lin ang="16200000" scaled="1"/>
-        </a:gradFill>
-        <a:gradFill rotWithShape="1">
-          <a:gsLst>
-            <a:gs pos="0">
-              <a:schemeClr val="phClr">
-                <a:tint val="100000"/>
-                <a:shade val="100000"/>
-                <a:satMod val="130000"/>
-              </a:schemeClr>
-            </a:gs>
-            <a:gs pos="100000">
-              <a:schemeClr val="phClr">
-                <a:tint val="50000"/>
-                <a:shade val="100000"/>
-                <a:satMod val="350000"/>
-              </a:schemeClr>
-            </a:gs>
-          </a:gsLst>
-          <a:lin ang="16200000" scaled="0"/>
-        </a:gradFill>
-      </a:fillStyleLst>
-      <a:lnStyleLst>
-        <a:ln w="9525" cap="flat" cmpd="sng" algn="ctr">
-          <a:solidFill>
-            <a:schemeClr val="phClr">
-              <a:shade val="95000"/>
-              <a:satMod val="105000"/>
-            </a:schemeClr>
-          </a:solidFill>
-          <a:prstDash val="solid"/>
-        </a:ln>
-        <a:ln w="25400" cap="flat" cmpd="sng" algn="ctr">
-          <a:solidFill>
-            <a:schemeClr val="phClr"/>
-          </a:solidFill>
-          <a:prstDash val="solid"/>
-        </a:ln>
-        <a:ln w="38100" cap="flat" cmpd="sng" algn="ctr">
-          <a:solidFill>
-            <a:schemeClr val="phClr"/>
-          </a:solidFill>
-          <a:prstDash val="solid"/>
-        </a:ln>
-      </a:lnStyleLst>
-      <a:effectStyleLst>
-        <a:effectStyle>
-          <a:effectLst>
-            <a:outerShdw blurRad="40000" dist="20000" dir="5400000" rotWithShape="0">
-              <a:srgbClr val="000000">
-                <a:alpha val="38000"/>
-              </a:srgbClr>
-            </a:outerShdw>
-          </a:effectLst>
-        </a:effectStyle>
-        <a:effectStyle>
-          <a:effectLst>
-            <a:outerShdw blurRad="40000" dist="23000" dir="5400000" rotWithShape="0">
-              <a:srgbClr val="000000">
-                <a:alpha val="35000"/>
-              </a:srgbClr>
-            </a:outerShdw>
-          </a:effectLst>
-        </a:effectStyle>
-        <a:effectStyle>
-          <a:effectLst>
-            <a:outerShdw blurRad="40000" dist="23000" dir="5400000" rotWithShape="0">
-              <a:srgbClr val="000000">
-                <a:alpha val="35000"/>
-              </a:srgbClr>
-            </a:outerShdw>
-          </a:effectLst>
-          <a:scene3d>
-            <a:camera prst="orthographicFront">
-              <a:rot lat="0" lon="0" rev="0"/>
-            </a:camera>
-            <a:lightRig rig="threePt" dir="t">
-              <a:rot lat="0" lon="0" rev="1200000"/>
-            </a:lightRig>
-          </a:scene3d>
-          <a:sp3d>
-            <a:bevelT w="63500" h="25400"/>
-          </a:sp3d>
-        </a:effectStyle>
-      </a:effectStyleLst>
-      <a:bgFillStyleLst>
-        <a:solidFill>
-          <a:schemeClr val="phClr"/>
-        </a:solidFill>
-        <a:gradFill rotWithShape="1">
-          <a:gsLst>
-            <a:gs pos="0">
-              <a:schemeClr val="phClr">
-                <a:tint val="40000"/>
-                <a:satMod val="350000"/>
-              </a:schemeClr>
-            </a:gs>
-            <a:gs pos="40000">
-              <a:schemeClr val="phClr">
-                <a:tint val="45000"/>
-                <a:shade val="99000"/>
-                <a:satMod val="350000"/>
-              </a:schemeClr>
-            </a:gs>
-            <a:gs pos="100000">
-              <a:schemeClr val="phClr">
-                <a:shade val="20000"/>
-                <a:satMod val="255000"/>
-              </a:schemeClr>
-            </a:gs>
-          </a:gsLst>
-          <a:path path="circle">
-            <a:fillToRect l="50000" t="-80000" r="50000" b="180000"/>
-          </a:path>
-        </a:gradFill>
-        <a:gradFill rotWithShape="1">
-          <a:gsLst>
-            <a:gs pos="0">
-              <a:schemeClr val="phClr">
-                <a:tint val="80000"/>
-                <a:satMod val="300000"/>
-              </a:schemeClr>
-            </a:gs>
-            <a:gs pos="100000">
-              <a:schemeClr val="phClr">
-                <a:shade val="30000"/>
-                <a:satMod val="200000"/>
-              </a:schemeClr>
-            </a:gs>
-          </a:gsLst>
-          <a:path path="circle">
-            <a:fillToRect l="50000" t="50000" r="50000" b="50000"/>
-          </a:path>
-        </a:gradFill>
-      </a:bgFillStyleLst>
-    </a:fmtScheme>
-  </a:themeElements>
+  <a:objectDefaults/>
+  <a:extraClrSchemeLst/>
 </a:theme>
 </file>